--- a/PRESENTATIONS/2023-06-WoT-Planning-Session-Day1.pptx
+++ b/PRESENTATIONS/2023-06-WoT-Planning-Session-Day1.pptx
@@ -6,7 +6,7 @@
     <p:sldMasterId id="2147483660" r:id="rId2"/>
   </p:sldMasterIdLst>
   <p:notesMasterIdLst>
-    <p:notesMasterId r:id="rId16"/>
+    <p:notesMasterId r:id="rId17"/>
   </p:notesMasterIdLst>
   <p:sldIdLst>
     <p:sldId id="327" r:id="rId3"/>
@@ -16,12 +16,13 @@
     <p:sldId id="391" r:id="rId7"/>
     <p:sldId id="258" r:id="rId8"/>
     <p:sldId id="259" r:id="rId9"/>
-    <p:sldId id="265" r:id="rId10"/>
-    <p:sldId id="260" r:id="rId11"/>
-    <p:sldId id="261" r:id="rId12"/>
-    <p:sldId id="263" r:id="rId13"/>
-    <p:sldId id="264" r:id="rId14"/>
-    <p:sldId id="334" r:id="rId15"/>
+    <p:sldId id="392" r:id="rId10"/>
+    <p:sldId id="265" r:id="rId11"/>
+    <p:sldId id="260" r:id="rId12"/>
+    <p:sldId id="261" r:id="rId13"/>
+    <p:sldId id="263" r:id="rId14"/>
+    <p:sldId id="264" r:id="rId15"/>
+    <p:sldId id="334" r:id="rId16"/>
   </p:sldIdLst>
   <p:sldSz cx="12192000" cy="6858000"/>
   <p:notesSz cx="6858000" cy="9144000"/>
@@ -7846,7 +7847,7 @@
           <a:p>
             <a:r>
               <a:rPr lang="en-US" dirty="0"/>
-              <a:t>Proposal Schedule Week 2</a:t>
+              <a:t>Proposal Schedule Week 1</a:t>
             </a:r>
           </a:p>
         </p:txBody>
@@ -8116,7 +8117,7 @@
                 <a:ea typeface="+mn-ea"/>
                 <a:cs typeface="+mn-cs"/>
               </a:rPr>
-              <a:t>Security</a:t>
+              <a:t>Main</a:t>
             </a:r>
           </a:p>
         </p:txBody>
@@ -8197,17 +8198,17 @@
                 <a:ea typeface="+mn-ea"/>
                 <a:cs typeface="+mn-cs"/>
               </a:rPr>
-              <a:t>API</a:t>
-            </a:r>
-          </a:p>
-        </p:txBody>
-      </p:sp>
-      <p:sp>
-        <p:nvSpPr>
-          <p:cNvPr id="3" name="Rechteck 2">
-            <a:extLst>
-              <a:ext uri="{FF2B5EF4-FFF2-40B4-BE49-F238E27FC236}">
-                <a16:creationId xmlns:a16="http://schemas.microsoft.com/office/drawing/2014/main" id="{44C6979C-64C8-E434-D8B2-51331720D2CF}"/>
+              <a:t>Binding Call</a:t>
+            </a:r>
+          </a:p>
+        </p:txBody>
+      </p:sp>
+      <p:sp>
+        <p:nvSpPr>
+          <p:cNvPr id="9" name="Rechteck 8">
+            <a:extLst>
+              <a:ext uri="{FF2B5EF4-FFF2-40B4-BE49-F238E27FC236}">
+                <a16:creationId xmlns:a16="http://schemas.microsoft.com/office/drawing/2014/main" id="{A9F5852E-F489-4F63-94D8-7BB18AEBFC76}"/>
               </a:ext>
             </a:extLst>
           </p:cNvPr>
@@ -8216,14 +8217,14 @@
         </p:nvSpPr>
         <p:spPr>
           <a:xfrm>
-            <a:off x="5060516" y="4375963"/>
-            <a:ext cx="1490597" cy="563671"/>
+            <a:off x="2054268" y="4375962"/>
+            <a:ext cx="1363249" cy="563671"/>
           </a:xfrm>
           <a:prstGeom prst="rect">
             <a:avLst/>
           </a:prstGeom>
           <a:solidFill>
-            <a:srgbClr val="00B0F0"/>
+            <a:srgbClr val="FF0000"/>
           </a:solidFill>
         </p:spPr>
         <p:style>
@@ -8278,40 +8279,7 @@
                 <a:ea typeface="+mn-ea"/>
                 <a:cs typeface="+mn-cs"/>
               </a:rPr>
-              <a:t>Testing</a:t>
-            </a:r>
-            <a:br>
-              <a:rPr kumimoji="0" lang="en-US" sz="1800" b="0" i="0" u="none" strike="noStrike" kern="1200" cap="none" spc="0" normalizeH="0" baseline="0" noProof="0" dirty="0">
-                <a:ln>
-                  <a:noFill/>
-                </a:ln>
-                <a:solidFill>
-                  <a:prstClr val="white"/>
-                </a:solidFill>
-                <a:effectLst/>
-                <a:uLnTx/>
-                <a:uFillTx/>
-                <a:latin typeface="Calibri" panose="020F0502020204030204"/>
-                <a:ea typeface="+mn-ea"/>
-                <a:cs typeface="+mn-cs"/>
-              </a:rPr>
-            </a:br>
-            <a:r>
-              <a:rPr kumimoji="0" lang="en-US" sz="1800" b="0" i="0" u="none" strike="noStrike" kern="1200" cap="none" spc="0" normalizeH="0" baseline="0" noProof="0" dirty="0">
-                <a:ln>
-                  <a:noFill/>
-                </a:ln>
-                <a:solidFill>
-                  <a:prstClr val="white"/>
-                </a:solidFill>
-                <a:effectLst/>
-                <a:uLnTx/>
-                <a:uFillTx/>
-                <a:latin typeface="Calibri" panose="020F0502020204030204"/>
-                <a:ea typeface="+mn-ea"/>
-                <a:cs typeface="+mn-cs"/>
-              </a:rPr>
-              <a:t>(optional)</a:t>
+              <a:t>Chairs</a:t>
             </a:r>
           </a:p>
         </p:txBody>
@@ -8321,7 +8289,7 @@
           <p:cNvPr id="10" name="Rechteck 9">
             <a:extLst>
               <a:ext uri="{FF2B5EF4-FFF2-40B4-BE49-F238E27FC236}">
-                <a16:creationId xmlns:a16="http://schemas.microsoft.com/office/drawing/2014/main" id="{A1B1D282-5088-AE1B-1F7B-C0A08B763F11}"/>
+                <a16:creationId xmlns:a16="http://schemas.microsoft.com/office/drawing/2014/main" id="{74D29720-E4F9-DB44-DF75-17BEAAA13A13}"/>
               </a:ext>
             </a:extLst>
           </p:cNvPr>
@@ -8330,7 +8298,7 @@
         </p:nvSpPr>
         <p:spPr>
           <a:xfrm>
-            <a:off x="10697290" y="3935240"/>
+            <a:off x="10697290" y="5137736"/>
             <a:ext cx="1039756" cy="395580"/>
           </a:xfrm>
           <a:prstGeom prst="rect">
@@ -8399,7 +8367,7 @@
           <p:cNvPr id="11" name="Rechteck 10">
             <a:extLst>
               <a:ext uri="{FF2B5EF4-FFF2-40B4-BE49-F238E27FC236}">
-                <a16:creationId xmlns:a16="http://schemas.microsoft.com/office/drawing/2014/main" id="{C5C9561B-4968-9F2E-D04E-80173F0F54A9}"/>
+                <a16:creationId xmlns:a16="http://schemas.microsoft.com/office/drawing/2014/main" id="{2EF67DE7-EA62-6CFC-5CE4-6CCFECC15813}"/>
               </a:ext>
             </a:extLst>
           </p:cNvPr>
@@ -8408,7 +8376,7 @@
         </p:nvSpPr>
         <p:spPr>
           <a:xfrm>
-            <a:off x="10694737" y="4421409"/>
+            <a:off x="10694737" y="5623905"/>
             <a:ext cx="1039756" cy="385595"/>
           </a:xfrm>
           <a:prstGeom prst="rect">
@@ -8475,91 +8443,10 @@
           </a:p>
         </p:txBody>
       </p:sp>
-      <p:sp>
-        <p:nvSpPr>
-          <p:cNvPr id="14" name="Rechteck 13">
-            <a:extLst>
-              <a:ext uri="{FF2B5EF4-FFF2-40B4-BE49-F238E27FC236}">
-                <a16:creationId xmlns:a16="http://schemas.microsoft.com/office/drawing/2014/main" id="{CB03D2B8-D6C7-EEFE-E62A-006204019118}"/>
-              </a:ext>
-            </a:extLst>
-          </p:cNvPr>
-          <p:cNvSpPr/>
-          <p:nvPr/>
-        </p:nvSpPr>
-        <p:spPr>
-          <a:xfrm>
-            <a:off x="10694738" y="4939635"/>
-            <a:ext cx="1039756" cy="395580"/>
-          </a:xfrm>
-          <a:prstGeom prst="rect">
-            <a:avLst/>
-          </a:prstGeom>
-          <a:solidFill>
-            <a:srgbClr val="00B0F0"/>
-          </a:solidFill>
-        </p:spPr>
-        <p:style>
-          <a:lnRef idx="2">
-            <a:schemeClr val="accent1">
-              <a:shade val="50000"/>
-            </a:schemeClr>
-          </a:lnRef>
-          <a:fillRef idx="1">
-            <a:schemeClr val="accent1"/>
-          </a:fillRef>
-          <a:effectRef idx="0">
-            <a:schemeClr val="accent1"/>
-          </a:effectRef>
-          <a:fontRef idx="minor">
-            <a:schemeClr val="lt1"/>
-          </a:fontRef>
-        </p:style>
-        <p:txBody>
-          <a:bodyPr rtlCol="0" anchor="ctr"/>
-          <a:lstStyle/>
-          <a:p>
-            <a:pPr marL="0" marR="0" lvl="0" indent="0" algn="ctr" defTabSz="914400" rtl="0" eaLnBrk="1" fontAlgn="auto" latinLnBrk="0" hangingPunct="1">
-              <a:lnSpc>
-                <a:spcPct val="100000"/>
-              </a:lnSpc>
-              <a:spcBef>
-                <a:spcPts val="0"/>
-              </a:spcBef>
-              <a:spcAft>
-                <a:spcPts val="0"/>
-              </a:spcAft>
-              <a:buClrTx/>
-              <a:buSzTx/>
-              <a:buFontTx/>
-              <a:buNone/>
-              <a:tabLst/>
-              <a:defRPr/>
-            </a:pPr>
-            <a:r>
-              <a:rPr kumimoji="0" lang="en-US" sz="1800" b="0" i="0" u="none" strike="noStrike" kern="1200" cap="none" spc="0" normalizeH="0" baseline="0" noProof="0" dirty="0">
-                <a:ln>
-                  <a:noFill/>
-                </a:ln>
-                <a:solidFill>
-                  <a:prstClr val="white"/>
-                </a:solidFill>
-                <a:effectLst/>
-                <a:uLnTx/>
-                <a:uFillTx/>
-                <a:latin typeface="Calibri" panose="020F0502020204030204"/>
-                <a:ea typeface="+mn-ea"/>
-                <a:cs typeface="+mn-cs"/>
-              </a:rPr>
-              <a:t>IG Call</a:t>
-            </a:r>
-          </a:p>
-        </p:txBody>
-      </p:sp>
     </p:spTree>
     <p:extLst>
       <p:ext uri="{BB962C8B-B14F-4D97-AF65-F5344CB8AC3E}">
-        <p14:creationId xmlns:p14="http://schemas.microsoft.com/office/powerpoint/2010/main" val="2612311365"/>
+        <p14:creationId xmlns:p14="http://schemas.microsoft.com/office/powerpoint/2010/main" val="12709730"/>
       </p:ext>
     </p:extLst>
   </p:cSld>
@@ -8609,7 +8496,7 @@
           <a:p>
             <a:r>
               <a:rPr lang="en-US" dirty="0"/>
-              <a:t>Proposal Schedule Week 3</a:t>
+              <a:t>Proposal Schedule Week 2</a:t>
             </a:r>
           </a:p>
         </p:txBody>
@@ -8879,7 +8766,7 @@
                 <a:ea typeface="+mn-ea"/>
                 <a:cs typeface="+mn-cs"/>
               </a:rPr>
-              <a:t>Main</a:t>
+              <a:t>Security</a:t>
             </a:r>
           </a:p>
         </p:txBody>
@@ -8960,17 +8847,17 @@
                 <a:ea typeface="+mn-ea"/>
                 <a:cs typeface="+mn-cs"/>
               </a:rPr>
-              <a:t>Binding Call</a:t>
-            </a:r>
-          </a:p>
-        </p:txBody>
-      </p:sp>
-      <p:sp>
-        <p:nvSpPr>
-          <p:cNvPr id="9" name="Rechteck 8">
-            <a:extLst>
-              <a:ext uri="{FF2B5EF4-FFF2-40B4-BE49-F238E27FC236}">
-                <a16:creationId xmlns:a16="http://schemas.microsoft.com/office/drawing/2014/main" id="{A9F5852E-F489-4F63-94D8-7BB18AEBFC76}"/>
+              <a:t>API</a:t>
+            </a:r>
+          </a:p>
+        </p:txBody>
+      </p:sp>
+      <p:sp>
+        <p:nvSpPr>
+          <p:cNvPr id="3" name="Rechteck 2">
+            <a:extLst>
+              <a:ext uri="{FF2B5EF4-FFF2-40B4-BE49-F238E27FC236}">
+                <a16:creationId xmlns:a16="http://schemas.microsoft.com/office/drawing/2014/main" id="{44C6979C-64C8-E434-D8B2-51331720D2CF}"/>
               </a:ext>
             </a:extLst>
           </p:cNvPr>
@@ -8979,14 +8866,14 @@
         </p:nvSpPr>
         <p:spPr>
           <a:xfrm>
-            <a:off x="2054268" y="4375962"/>
-            <a:ext cx="1363249" cy="563671"/>
+            <a:off x="5060516" y="4375963"/>
+            <a:ext cx="1490597" cy="563671"/>
           </a:xfrm>
           <a:prstGeom prst="rect">
             <a:avLst/>
           </a:prstGeom>
           <a:solidFill>
-            <a:srgbClr val="FF0000"/>
+            <a:srgbClr val="00B0F0"/>
           </a:solidFill>
         </p:spPr>
         <p:style>
@@ -9041,7 +8928,40 @@
                 <a:ea typeface="+mn-ea"/>
                 <a:cs typeface="+mn-cs"/>
               </a:rPr>
-              <a:t>Chairs</a:t>
+              <a:t>Testing</a:t>
+            </a:r>
+            <a:br>
+              <a:rPr kumimoji="0" lang="en-US" sz="1800" b="0" i="0" u="none" strike="noStrike" kern="1200" cap="none" spc="0" normalizeH="0" baseline="0" noProof="0" dirty="0">
+                <a:ln>
+                  <a:noFill/>
+                </a:ln>
+                <a:solidFill>
+                  <a:prstClr val="white"/>
+                </a:solidFill>
+                <a:effectLst/>
+                <a:uLnTx/>
+                <a:uFillTx/>
+                <a:latin typeface="Calibri" panose="020F0502020204030204"/>
+                <a:ea typeface="+mn-ea"/>
+                <a:cs typeface="+mn-cs"/>
+              </a:rPr>
+            </a:br>
+            <a:r>
+              <a:rPr kumimoji="0" lang="en-US" sz="1800" b="0" i="0" u="none" strike="noStrike" kern="1200" cap="none" spc="0" normalizeH="0" baseline="0" noProof="0" dirty="0">
+                <a:ln>
+                  <a:noFill/>
+                </a:ln>
+                <a:solidFill>
+                  <a:prstClr val="white"/>
+                </a:solidFill>
+                <a:effectLst/>
+                <a:uLnTx/>
+                <a:uFillTx/>
+                <a:latin typeface="Calibri" panose="020F0502020204030204"/>
+                <a:ea typeface="+mn-ea"/>
+                <a:cs typeface="+mn-cs"/>
+              </a:rPr>
+              <a:t>(optional)</a:t>
             </a:r>
           </a:p>
         </p:txBody>
@@ -9051,7 +8971,7 @@
           <p:cNvPr id="10" name="Rechteck 9">
             <a:extLst>
               <a:ext uri="{FF2B5EF4-FFF2-40B4-BE49-F238E27FC236}">
-                <a16:creationId xmlns:a16="http://schemas.microsoft.com/office/drawing/2014/main" id="{74D29720-E4F9-DB44-DF75-17BEAAA13A13}"/>
+                <a16:creationId xmlns:a16="http://schemas.microsoft.com/office/drawing/2014/main" id="{A1B1D282-5088-AE1B-1F7B-C0A08B763F11}"/>
               </a:ext>
             </a:extLst>
           </p:cNvPr>
@@ -9060,7 +8980,7 @@
         </p:nvSpPr>
         <p:spPr>
           <a:xfrm>
-            <a:off x="10697290" y="5137736"/>
+            <a:off x="10697290" y="3935240"/>
             <a:ext cx="1039756" cy="395580"/>
           </a:xfrm>
           <a:prstGeom prst="rect">
@@ -9129,7 +9049,7 @@
           <p:cNvPr id="11" name="Rechteck 10">
             <a:extLst>
               <a:ext uri="{FF2B5EF4-FFF2-40B4-BE49-F238E27FC236}">
-                <a16:creationId xmlns:a16="http://schemas.microsoft.com/office/drawing/2014/main" id="{2EF67DE7-EA62-6CFC-5CE4-6CCFECC15813}"/>
+                <a16:creationId xmlns:a16="http://schemas.microsoft.com/office/drawing/2014/main" id="{C5C9561B-4968-9F2E-D04E-80173F0F54A9}"/>
               </a:ext>
             </a:extLst>
           </p:cNvPr>
@@ -9138,7 +9058,7 @@
         </p:nvSpPr>
         <p:spPr>
           <a:xfrm>
-            <a:off x="10694737" y="5623905"/>
+            <a:off x="10694737" y="4421409"/>
             <a:ext cx="1039756" cy="385595"/>
           </a:xfrm>
           <a:prstGeom prst="rect">
@@ -9205,10 +9125,91 @@
           </a:p>
         </p:txBody>
       </p:sp>
+      <p:sp>
+        <p:nvSpPr>
+          <p:cNvPr id="14" name="Rechteck 13">
+            <a:extLst>
+              <a:ext uri="{FF2B5EF4-FFF2-40B4-BE49-F238E27FC236}">
+                <a16:creationId xmlns:a16="http://schemas.microsoft.com/office/drawing/2014/main" id="{CB03D2B8-D6C7-EEFE-E62A-006204019118}"/>
+              </a:ext>
+            </a:extLst>
+          </p:cNvPr>
+          <p:cNvSpPr/>
+          <p:nvPr/>
+        </p:nvSpPr>
+        <p:spPr>
+          <a:xfrm>
+            <a:off x="10694738" y="4939635"/>
+            <a:ext cx="1039756" cy="395580"/>
+          </a:xfrm>
+          <a:prstGeom prst="rect">
+            <a:avLst/>
+          </a:prstGeom>
+          <a:solidFill>
+            <a:srgbClr val="00B0F0"/>
+          </a:solidFill>
+        </p:spPr>
+        <p:style>
+          <a:lnRef idx="2">
+            <a:schemeClr val="accent1">
+              <a:shade val="50000"/>
+            </a:schemeClr>
+          </a:lnRef>
+          <a:fillRef idx="1">
+            <a:schemeClr val="accent1"/>
+          </a:fillRef>
+          <a:effectRef idx="0">
+            <a:schemeClr val="accent1"/>
+          </a:effectRef>
+          <a:fontRef idx="minor">
+            <a:schemeClr val="lt1"/>
+          </a:fontRef>
+        </p:style>
+        <p:txBody>
+          <a:bodyPr rtlCol="0" anchor="ctr"/>
+          <a:lstStyle/>
+          <a:p>
+            <a:pPr marL="0" marR="0" lvl="0" indent="0" algn="ctr" defTabSz="914400" rtl="0" eaLnBrk="1" fontAlgn="auto" latinLnBrk="0" hangingPunct="1">
+              <a:lnSpc>
+                <a:spcPct val="100000"/>
+              </a:lnSpc>
+              <a:spcBef>
+                <a:spcPts val="0"/>
+              </a:spcBef>
+              <a:spcAft>
+                <a:spcPts val="0"/>
+              </a:spcAft>
+              <a:buClrTx/>
+              <a:buSzTx/>
+              <a:buFontTx/>
+              <a:buNone/>
+              <a:tabLst/>
+              <a:defRPr/>
+            </a:pPr>
+            <a:r>
+              <a:rPr kumimoji="0" lang="en-US" sz="1800" b="0" i="0" u="none" strike="noStrike" kern="1200" cap="none" spc="0" normalizeH="0" baseline="0" noProof="0" dirty="0">
+                <a:ln>
+                  <a:noFill/>
+                </a:ln>
+                <a:solidFill>
+                  <a:prstClr val="white"/>
+                </a:solidFill>
+                <a:effectLst/>
+                <a:uLnTx/>
+                <a:uFillTx/>
+                <a:latin typeface="Calibri" panose="020F0502020204030204"/>
+                <a:ea typeface="+mn-ea"/>
+                <a:cs typeface="+mn-cs"/>
+              </a:rPr>
+              <a:t>IG Call</a:t>
+            </a:r>
+          </a:p>
+        </p:txBody>
+      </p:sp>
     </p:spTree>
     <p:extLst>
       <p:ext uri="{BB962C8B-B14F-4D97-AF65-F5344CB8AC3E}">
-        <p14:creationId xmlns:p14="http://schemas.microsoft.com/office/powerpoint/2010/main" val="203644873"/>
+        <p14:creationId xmlns:p14="http://schemas.microsoft.com/office/powerpoint/2010/main" val="2612311365"/>
       </p:ext>
     </p:extLst>
   </p:cSld>
@@ -9258,7 +9259,7 @@
           <a:p>
             <a:r>
               <a:rPr lang="en-US" dirty="0"/>
-              <a:t>Proposal Schedule Week 4</a:t>
+              <a:t>Proposal Schedule Week 3</a:t>
             </a:r>
           </a:p>
         </p:txBody>
@@ -9528,7 +9529,7 @@
                 <a:ea typeface="+mn-ea"/>
                 <a:cs typeface="+mn-cs"/>
               </a:rPr>
-              <a:t>Security</a:t>
+              <a:t>Main</a:t>
             </a:r>
           </a:p>
         </p:txBody>
@@ -9609,17 +9610,17 @@
                 <a:ea typeface="+mn-ea"/>
                 <a:cs typeface="+mn-cs"/>
               </a:rPr>
-              <a:t>API</a:t>
-            </a:r>
-          </a:p>
-        </p:txBody>
-      </p:sp>
-      <p:sp>
-        <p:nvSpPr>
-          <p:cNvPr id="3" name="Rechteck 2">
-            <a:extLst>
-              <a:ext uri="{FF2B5EF4-FFF2-40B4-BE49-F238E27FC236}">
-                <a16:creationId xmlns:a16="http://schemas.microsoft.com/office/drawing/2014/main" id="{44C6979C-64C8-E434-D8B2-51331720D2CF}"/>
+              <a:t>Binding Call</a:t>
+            </a:r>
+          </a:p>
+        </p:txBody>
+      </p:sp>
+      <p:sp>
+        <p:nvSpPr>
+          <p:cNvPr id="9" name="Rechteck 8">
+            <a:extLst>
+              <a:ext uri="{FF2B5EF4-FFF2-40B4-BE49-F238E27FC236}">
+                <a16:creationId xmlns:a16="http://schemas.microsoft.com/office/drawing/2014/main" id="{A9F5852E-F489-4F63-94D8-7BB18AEBFC76}"/>
               </a:ext>
             </a:extLst>
           </p:cNvPr>
@@ -9628,14 +9629,14 @@
         </p:nvSpPr>
         <p:spPr>
           <a:xfrm>
-            <a:off x="5060516" y="4375963"/>
-            <a:ext cx="1490597" cy="563671"/>
+            <a:off x="2054268" y="4375962"/>
+            <a:ext cx="1363249" cy="563671"/>
           </a:xfrm>
           <a:prstGeom prst="rect">
             <a:avLst/>
           </a:prstGeom>
           <a:solidFill>
-            <a:srgbClr val="00B0F0"/>
+            <a:srgbClr val="FF0000"/>
           </a:solidFill>
         </p:spPr>
         <p:style>
@@ -9690,6 +9691,655 @@
                 <a:ea typeface="+mn-ea"/>
                 <a:cs typeface="+mn-cs"/>
               </a:rPr>
+              <a:t>Chairs</a:t>
+            </a:r>
+          </a:p>
+        </p:txBody>
+      </p:sp>
+      <p:sp>
+        <p:nvSpPr>
+          <p:cNvPr id="10" name="Rechteck 9">
+            <a:extLst>
+              <a:ext uri="{FF2B5EF4-FFF2-40B4-BE49-F238E27FC236}">
+                <a16:creationId xmlns:a16="http://schemas.microsoft.com/office/drawing/2014/main" id="{74D29720-E4F9-DB44-DF75-17BEAAA13A13}"/>
+              </a:ext>
+            </a:extLst>
+          </p:cNvPr>
+          <p:cNvSpPr/>
+          <p:nvPr/>
+        </p:nvSpPr>
+        <p:spPr>
+          <a:xfrm>
+            <a:off x="10697290" y="5137736"/>
+            <a:ext cx="1039756" cy="395580"/>
+          </a:xfrm>
+          <a:prstGeom prst="rect">
+            <a:avLst/>
+          </a:prstGeom>
+        </p:spPr>
+        <p:style>
+          <a:lnRef idx="2">
+            <a:schemeClr val="accent1">
+              <a:shade val="50000"/>
+            </a:schemeClr>
+          </a:lnRef>
+          <a:fillRef idx="1">
+            <a:schemeClr val="accent1"/>
+          </a:fillRef>
+          <a:effectRef idx="0">
+            <a:schemeClr val="accent1"/>
+          </a:effectRef>
+          <a:fontRef idx="minor">
+            <a:schemeClr val="lt1"/>
+          </a:fontRef>
+        </p:style>
+        <p:txBody>
+          <a:bodyPr rtlCol="0" anchor="ctr"/>
+          <a:lstStyle/>
+          <a:p>
+            <a:pPr marL="0" marR="0" lvl="0" indent="0" algn="ctr" defTabSz="914400" rtl="0" eaLnBrk="1" fontAlgn="auto" latinLnBrk="0" hangingPunct="1">
+              <a:lnSpc>
+                <a:spcPct val="100000"/>
+              </a:lnSpc>
+              <a:spcBef>
+                <a:spcPts val="0"/>
+              </a:spcBef>
+              <a:spcAft>
+                <a:spcPts val="0"/>
+              </a:spcAft>
+              <a:buClrTx/>
+              <a:buSzTx/>
+              <a:buFontTx/>
+              <a:buNone/>
+              <a:tabLst/>
+              <a:defRPr/>
+            </a:pPr>
+            <a:r>
+              <a:rPr kumimoji="0" lang="en-US" sz="1800" b="0" i="0" u="none" strike="noStrike" kern="1200" cap="none" spc="0" normalizeH="0" baseline="0" noProof="0" dirty="0">
+                <a:ln>
+                  <a:noFill/>
+                </a:ln>
+                <a:solidFill>
+                  <a:prstClr val="white"/>
+                </a:solidFill>
+                <a:effectLst/>
+                <a:uLnTx/>
+                <a:uFillTx/>
+                <a:latin typeface="Calibri" panose="020F0502020204030204"/>
+                <a:ea typeface="+mn-ea"/>
+                <a:cs typeface="+mn-cs"/>
+              </a:rPr>
+              <a:t>REC</a:t>
+            </a:r>
+          </a:p>
+        </p:txBody>
+      </p:sp>
+      <p:sp>
+        <p:nvSpPr>
+          <p:cNvPr id="11" name="Rechteck 10">
+            <a:extLst>
+              <a:ext uri="{FF2B5EF4-FFF2-40B4-BE49-F238E27FC236}">
+                <a16:creationId xmlns:a16="http://schemas.microsoft.com/office/drawing/2014/main" id="{2EF67DE7-EA62-6CFC-5CE4-6CCFECC15813}"/>
+              </a:ext>
+            </a:extLst>
+          </p:cNvPr>
+          <p:cNvSpPr/>
+          <p:nvPr/>
+        </p:nvSpPr>
+        <p:spPr>
+          <a:xfrm>
+            <a:off x="10694737" y="5623905"/>
+            <a:ext cx="1039756" cy="385595"/>
+          </a:xfrm>
+          <a:prstGeom prst="rect">
+            <a:avLst/>
+          </a:prstGeom>
+          <a:solidFill>
+            <a:srgbClr val="FFC000"/>
+          </a:solidFill>
+        </p:spPr>
+        <p:style>
+          <a:lnRef idx="2">
+            <a:schemeClr val="accent1">
+              <a:shade val="50000"/>
+            </a:schemeClr>
+          </a:lnRef>
+          <a:fillRef idx="1">
+            <a:schemeClr val="accent1"/>
+          </a:fillRef>
+          <a:effectRef idx="0">
+            <a:schemeClr val="accent1"/>
+          </a:effectRef>
+          <a:fontRef idx="minor">
+            <a:schemeClr val="lt1"/>
+          </a:fontRef>
+        </p:style>
+        <p:txBody>
+          <a:bodyPr rtlCol="0" anchor="ctr"/>
+          <a:lstStyle/>
+          <a:p>
+            <a:pPr marL="0" marR="0" lvl="0" indent="0" algn="ctr" defTabSz="914400" rtl="0" eaLnBrk="1" fontAlgn="auto" latinLnBrk="0" hangingPunct="1">
+              <a:lnSpc>
+                <a:spcPct val="100000"/>
+              </a:lnSpc>
+              <a:spcBef>
+                <a:spcPts val="0"/>
+              </a:spcBef>
+              <a:spcAft>
+                <a:spcPts val="0"/>
+              </a:spcAft>
+              <a:buClrTx/>
+              <a:buSzTx/>
+              <a:buFontTx/>
+              <a:buNone/>
+              <a:tabLst/>
+              <a:defRPr/>
+            </a:pPr>
+            <a:r>
+              <a:rPr kumimoji="0" lang="en-US" sz="1800" b="0" i="0" u="none" strike="noStrike" kern="1200" cap="none" spc="0" normalizeH="0" baseline="0" noProof="0" dirty="0">
+                <a:ln>
+                  <a:noFill/>
+                </a:ln>
+                <a:solidFill>
+                  <a:prstClr val="white"/>
+                </a:solidFill>
+                <a:effectLst/>
+                <a:uLnTx/>
+                <a:uFillTx/>
+                <a:latin typeface="Calibri" panose="020F0502020204030204"/>
+                <a:ea typeface="+mn-ea"/>
+                <a:cs typeface="+mn-cs"/>
+              </a:rPr>
+              <a:t>Note</a:t>
+            </a:r>
+          </a:p>
+        </p:txBody>
+      </p:sp>
+    </p:spTree>
+    <p:extLst>
+      <p:ext uri="{BB962C8B-B14F-4D97-AF65-F5344CB8AC3E}">
+        <p14:creationId xmlns:p14="http://schemas.microsoft.com/office/powerpoint/2010/main" val="203644873"/>
+      </p:ext>
+    </p:extLst>
+  </p:cSld>
+  <p:clrMapOvr>
+    <a:masterClrMapping/>
+  </p:clrMapOvr>
+</p:sld>
+</file>
+
+<file path=ppt/slides/slide13.xml><?xml version="1.0" encoding="utf-8"?>
+<p:sld xmlns:a="http://schemas.openxmlformats.org/drawingml/2006/main" xmlns:r="http://schemas.openxmlformats.org/officeDocument/2006/relationships" xmlns:p="http://schemas.openxmlformats.org/presentationml/2006/main">
+  <p:cSld>
+    <p:spTree>
+      <p:nvGrpSpPr>
+        <p:cNvPr id="1" name=""/>
+        <p:cNvGrpSpPr/>
+        <p:nvPr/>
+      </p:nvGrpSpPr>
+      <p:grpSpPr>
+        <a:xfrm>
+          <a:off x="0" y="0"/>
+          <a:ext cx="0" cy="0"/>
+          <a:chOff x="0" y="0"/>
+          <a:chExt cx="0" cy="0"/>
+        </a:xfrm>
+      </p:grpSpPr>
+      <p:sp>
+        <p:nvSpPr>
+          <p:cNvPr id="2" name="Titel 1">
+            <a:extLst>
+              <a:ext uri="{FF2B5EF4-FFF2-40B4-BE49-F238E27FC236}">
+                <a16:creationId xmlns:a16="http://schemas.microsoft.com/office/drawing/2014/main" id="{E425F142-2BD7-42F1-8947-6A18B9A6A999}"/>
+              </a:ext>
+            </a:extLst>
+          </p:cNvPr>
+          <p:cNvSpPr>
+            <a:spLocks noGrp="1"/>
+          </p:cNvSpPr>
+          <p:nvPr>
+            <p:ph type="title"/>
+          </p:nvPr>
+        </p:nvSpPr>
+        <p:spPr/>
+        <p:txBody>
+          <a:bodyPr/>
+          <a:lstStyle/>
+          <a:p>
+            <a:r>
+              <a:rPr lang="en-US" dirty="0"/>
+              <a:t>Proposal Schedule Week 4</a:t>
+            </a:r>
+          </a:p>
+        </p:txBody>
+      </p:sp>
+      <p:pic>
+        <p:nvPicPr>
+          <p:cNvPr id="4" name="Grafik 3">
+            <a:extLst>
+              <a:ext uri="{FF2B5EF4-FFF2-40B4-BE49-F238E27FC236}">
+                <a16:creationId xmlns:a16="http://schemas.microsoft.com/office/drawing/2014/main" id="{DEC74382-2494-0B9B-6254-7CCF4219A3C7}"/>
+              </a:ext>
+            </a:extLst>
+          </p:cNvPr>
+          <p:cNvPicPr>
+            <a:picLocks noChangeAspect="1"/>
+          </p:cNvPicPr>
+          <p:nvPr/>
+        </p:nvPicPr>
+        <p:blipFill>
+          <a:blip r:embed="rId2"/>
+          <a:stretch>
+            <a:fillRect/>
+          </a:stretch>
+        </p:blipFill>
+        <p:spPr>
+          <a:xfrm>
+            <a:off x="1032353" y="2039534"/>
+            <a:ext cx="9782987" cy="4286110"/>
+          </a:xfrm>
+          <a:prstGeom prst="rect">
+            <a:avLst/>
+          </a:prstGeom>
+        </p:spPr>
+      </p:pic>
+      <p:sp>
+        <p:nvSpPr>
+          <p:cNvPr id="5" name="Rechteck 4">
+            <a:extLst>
+              <a:ext uri="{FF2B5EF4-FFF2-40B4-BE49-F238E27FC236}">
+                <a16:creationId xmlns:a16="http://schemas.microsoft.com/office/drawing/2014/main" id="{53B015B8-DA22-6EF0-C2BA-1E7422C08584}"/>
+              </a:ext>
+            </a:extLst>
+          </p:cNvPr>
+          <p:cNvSpPr/>
+          <p:nvPr/>
+        </p:nvSpPr>
+        <p:spPr>
+          <a:xfrm>
+            <a:off x="1954060" y="2868460"/>
+            <a:ext cx="8861279" cy="3457184"/>
+          </a:xfrm>
+          <a:prstGeom prst="rect">
+            <a:avLst/>
+          </a:prstGeom>
+          <a:solidFill>
+            <a:schemeClr val="bg1"/>
+          </a:solidFill>
+          <a:ln>
+            <a:noFill/>
+          </a:ln>
+        </p:spPr>
+        <p:style>
+          <a:lnRef idx="2">
+            <a:schemeClr val="accent1">
+              <a:shade val="50000"/>
+            </a:schemeClr>
+          </a:lnRef>
+          <a:fillRef idx="1">
+            <a:schemeClr val="accent1"/>
+          </a:fillRef>
+          <a:effectRef idx="0">
+            <a:schemeClr val="accent1"/>
+          </a:effectRef>
+          <a:fontRef idx="minor">
+            <a:schemeClr val="lt1"/>
+          </a:fontRef>
+        </p:style>
+        <p:txBody>
+          <a:bodyPr rtlCol="0" anchor="ctr"/>
+          <a:lstStyle/>
+          <a:p>
+            <a:pPr marL="0" marR="0" lvl="0" indent="0" algn="ctr" defTabSz="914400" rtl="0" eaLnBrk="1" fontAlgn="auto" latinLnBrk="0" hangingPunct="1">
+              <a:lnSpc>
+                <a:spcPct val="100000"/>
+              </a:lnSpc>
+              <a:spcBef>
+                <a:spcPts val="0"/>
+              </a:spcBef>
+              <a:spcAft>
+                <a:spcPts val="0"/>
+              </a:spcAft>
+              <a:buClrTx/>
+              <a:buSzTx/>
+              <a:buFontTx/>
+              <a:buNone/>
+              <a:tabLst/>
+              <a:defRPr/>
+            </a:pPr>
+            <a:endParaRPr kumimoji="0" lang="en-US" sz="1800" b="0" i="0" u="none" strike="noStrike" kern="1200" cap="none" spc="0" normalizeH="0" baseline="0" noProof="0">
+              <a:ln>
+                <a:noFill/>
+              </a:ln>
+              <a:solidFill>
+                <a:prstClr val="white"/>
+              </a:solidFill>
+              <a:effectLst/>
+              <a:uLnTx/>
+              <a:uFillTx/>
+              <a:latin typeface="Calibri" panose="020F0502020204030204"/>
+              <a:ea typeface="+mn-ea"/>
+              <a:cs typeface="+mn-cs"/>
+            </a:endParaRPr>
+          </a:p>
+        </p:txBody>
+      </p:sp>
+      <p:sp>
+        <p:nvSpPr>
+          <p:cNvPr id="6" name="Rechteck 5">
+            <a:extLst>
+              <a:ext uri="{FF2B5EF4-FFF2-40B4-BE49-F238E27FC236}">
+                <a16:creationId xmlns:a16="http://schemas.microsoft.com/office/drawing/2014/main" id="{827DA366-E3F3-8C22-C8C7-1EC7F1A668A7}"/>
+              </a:ext>
+            </a:extLst>
+          </p:cNvPr>
+          <p:cNvSpPr/>
+          <p:nvPr/>
+        </p:nvSpPr>
+        <p:spPr>
+          <a:xfrm>
+            <a:off x="3507288" y="3745282"/>
+            <a:ext cx="1490597" cy="563671"/>
+          </a:xfrm>
+          <a:prstGeom prst="rect">
+            <a:avLst/>
+          </a:prstGeom>
+        </p:spPr>
+        <p:style>
+          <a:lnRef idx="2">
+            <a:schemeClr val="accent1">
+              <a:shade val="50000"/>
+            </a:schemeClr>
+          </a:lnRef>
+          <a:fillRef idx="1">
+            <a:schemeClr val="accent1"/>
+          </a:fillRef>
+          <a:effectRef idx="0">
+            <a:schemeClr val="accent1"/>
+          </a:effectRef>
+          <a:fontRef idx="minor">
+            <a:schemeClr val="lt1"/>
+          </a:fontRef>
+        </p:style>
+        <p:txBody>
+          <a:bodyPr rtlCol="0" anchor="ctr"/>
+          <a:lstStyle/>
+          <a:p>
+            <a:pPr marL="0" marR="0" lvl="0" indent="0" algn="ctr" defTabSz="914400" rtl="0" eaLnBrk="1" fontAlgn="auto" latinLnBrk="0" hangingPunct="1">
+              <a:lnSpc>
+                <a:spcPct val="100000"/>
+              </a:lnSpc>
+              <a:spcBef>
+                <a:spcPts val="0"/>
+              </a:spcBef>
+              <a:spcAft>
+                <a:spcPts val="0"/>
+              </a:spcAft>
+              <a:buClrTx/>
+              <a:buSzTx/>
+              <a:buFontTx/>
+              <a:buNone/>
+              <a:tabLst/>
+              <a:defRPr/>
+            </a:pPr>
+            <a:r>
+              <a:rPr kumimoji="0" lang="en-US" sz="1800" b="0" i="0" u="none" strike="noStrike" kern="1200" cap="none" spc="0" normalizeH="0" baseline="0" noProof="0" dirty="0">
+                <a:ln>
+                  <a:noFill/>
+                </a:ln>
+                <a:solidFill>
+                  <a:prstClr val="white"/>
+                </a:solidFill>
+                <a:effectLst/>
+                <a:uLnTx/>
+                <a:uFillTx/>
+                <a:latin typeface="Calibri" panose="020F0502020204030204"/>
+                <a:ea typeface="+mn-ea"/>
+                <a:cs typeface="+mn-cs"/>
+              </a:rPr>
+              <a:t>TD 2.0</a:t>
+            </a:r>
+          </a:p>
+        </p:txBody>
+      </p:sp>
+      <p:sp>
+        <p:nvSpPr>
+          <p:cNvPr id="7" name="Rechteck 6">
+            <a:extLst>
+              <a:ext uri="{FF2B5EF4-FFF2-40B4-BE49-F238E27FC236}">
+                <a16:creationId xmlns:a16="http://schemas.microsoft.com/office/drawing/2014/main" id="{3EB0A2DD-007E-61A4-FA88-0207E13590CE}"/>
+              </a:ext>
+            </a:extLst>
+          </p:cNvPr>
+          <p:cNvSpPr/>
+          <p:nvPr/>
+        </p:nvSpPr>
+        <p:spPr>
+          <a:xfrm>
+            <a:off x="3507287" y="4375963"/>
+            <a:ext cx="1490597" cy="563671"/>
+          </a:xfrm>
+          <a:prstGeom prst="rect">
+            <a:avLst/>
+          </a:prstGeom>
+          <a:solidFill>
+            <a:srgbClr val="FFC000"/>
+          </a:solidFill>
+        </p:spPr>
+        <p:style>
+          <a:lnRef idx="2">
+            <a:schemeClr val="accent1">
+              <a:shade val="50000"/>
+            </a:schemeClr>
+          </a:lnRef>
+          <a:fillRef idx="1">
+            <a:schemeClr val="accent1"/>
+          </a:fillRef>
+          <a:effectRef idx="0">
+            <a:schemeClr val="accent1"/>
+          </a:effectRef>
+          <a:fontRef idx="minor">
+            <a:schemeClr val="lt1"/>
+          </a:fontRef>
+        </p:style>
+        <p:txBody>
+          <a:bodyPr rtlCol="0" anchor="ctr"/>
+          <a:lstStyle/>
+          <a:p>
+            <a:pPr marL="0" marR="0" lvl="0" indent="0" algn="ctr" defTabSz="914400" rtl="0" eaLnBrk="1" fontAlgn="auto" latinLnBrk="0" hangingPunct="1">
+              <a:lnSpc>
+                <a:spcPct val="100000"/>
+              </a:lnSpc>
+              <a:spcBef>
+                <a:spcPts val="0"/>
+              </a:spcBef>
+              <a:spcAft>
+                <a:spcPts val="0"/>
+              </a:spcAft>
+              <a:buClrTx/>
+              <a:buSzTx/>
+              <a:buFontTx/>
+              <a:buNone/>
+              <a:tabLst/>
+              <a:defRPr/>
+            </a:pPr>
+            <a:r>
+              <a:rPr kumimoji="0" lang="en-US" sz="1800" b="0" i="0" u="none" strike="noStrike" kern="1200" cap="none" spc="0" normalizeH="0" baseline="0" noProof="0" dirty="0">
+                <a:ln>
+                  <a:noFill/>
+                </a:ln>
+                <a:solidFill>
+                  <a:prstClr val="white"/>
+                </a:solidFill>
+                <a:effectLst/>
+                <a:uLnTx/>
+                <a:uFillTx/>
+                <a:latin typeface="Calibri" panose="020F0502020204030204"/>
+                <a:ea typeface="+mn-ea"/>
+                <a:cs typeface="+mn-cs"/>
+              </a:rPr>
+              <a:t>Security</a:t>
+            </a:r>
+          </a:p>
+        </p:txBody>
+      </p:sp>
+      <p:sp>
+        <p:nvSpPr>
+          <p:cNvPr id="8" name="Rechteck 7">
+            <a:extLst>
+              <a:ext uri="{FF2B5EF4-FFF2-40B4-BE49-F238E27FC236}">
+                <a16:creationId xmlns:a16="http://schemas.microsoft.com/office/drawing/2014/main" id="{8D236083-C461-1137-82B6-810952C2C169}"/>
+              </a:ext>
+            </a:extLst>
+          </p:cNvPr>
+          <p:cNvSpPr/>
+          <p:nvPr/>
+        </p:nvSpPr>
+        <p:spPr>
+          <a:xfrm>
+            <a:off x="5060516" y="3745282"/>
+            <a:ext cx="1490597" cy="563671"/>
+          </a:xfrm>
+          <a:prstGeom prst="rect">
+            <a:avLst/>
+          </a:prstGeom>
+          <a:solidFill>
+            <a:srgbClr val="FFC000"/>
+          </a:solidFill>
+        </p:spPr>
+        <p:style>
+          <a:lnRef idx="2">
+            <a:schemeClr val="accent1">
+              <a:shade val="50000"/>
+            </a:schemeClr>
+          </a:lnRef>
+          <a:fillRef idx="1">
+            <a:schemeClr val="accent1"/>
+          </a:fillRef>
+          <a:effectRef idx="0">
+            <a:schemeClr val="accent1"/>
+          </a:effectRef>
+          <a:fontRef idx="minor">
+            <a:schemeClr val="lt1"/>
+          </a:fontRef>
+        </p:style>
+        <p:txBody>
+          <a:bodyPr rtlCol="0" anchor="ctr"/>
+          <a:lstStyle/>
+          <a:p>
+            <a:pPr marL="0" marR="0" lvl="0" indent="0" algn="ctr" defTabSz="914400" rtl="0" eaLnBrk="1" fontAlgn="auto" latinLnBrk="0" hangingPunct="1">
+              <a:lnSpc>
+                <a:spcPct val="100000"/>
+              </a:lnSpc>
+              <a:spcBef>
+                <a:spcPts val="0"/>
+              </a:spcBef>
+              <a:spcAft>
+                <a:spcPts val="0"/>
+              </a:spcAft>
+              <a:buClrTx/>
+              <a:buSzTx/>
+              <a:buFontTx/>
+              <a:buNone/>
+              <a:tabLst/>
+              <a:defRPr/>
+            </a:pPr>
+            <a:r>
+              <a:rPr kumimoji="0" lang="en-US" sz="1800" b="0" i="0" u="none" strike="noStrike" kern="1200" cap="none" spc="0" normalizeH="0" baseline="0" noProof="0" dirty="0">
+                <a:ln>
+                  <a:noFill/>
+                </a:ln>
+                <a:solidFill>
+                  <a:prstClr val="white"/>
+                </a:solidFill>
+                <a:effectLst/>
+                <a:uLnTx/>
+                <a:uFillTx/>
+                <a:latin typeface="Calibri" panose="020F0502020204030204"/>
+                <a:ea typeface="+mn-ea"/>
+                <a:cs typeface="+mn-cs"/>
+              </a:rPr>
+              <a:t>API</a:t>
+            </a:r>
+          </a:p>
+        </p:txBody>
+      </p:sp>
+      <p:sp>
+        <p:nvSpPr>
+          <p:cNvPr id="3" name="Rechteck 2">
+            <a:extLst>
+              <a:ext uri="{FF2B5EF4-FFF2-40B4-BE49-F238E27FC236}">
+                <a16:creationId xmlns:a16="http://schemas.microsoft.com/office/drawing/2014/main" id="{44C6979C-64C8-E434-D8B2-51331720D2CF}"/>
+              </a:ext>
+            </a:extLst>
+          </p:cNvPr>
+          <p:cNvSpPr/>
+          <p:nvPr/>
+        </p:nvSpPr>
+        <p:spPr>
+          <a:xfrm>
+            <a:off x="5060516" y="4375963"/>
+            <a:ext cx="1490597" cy="563671"/>
+          </a:xfrm>
+          <a:prstGeom prst="rect">
+            <a:avLst/>
+          </a:prstGeom>
+          <a:solidFill>
+            <a:srgbClr val="00B0F0"/>
+          </a:solidFill>
+        </p:spPr>
+        <p:style>
+          <a:lnRef idx="2">
+            <a:schemeClr val="accent1">
+              <a:shade val="50000"/>
+            </a:schemeClr>
+          </a:lnRef>
+          <a:fillRef idx="1">
+            <a:schemeClr val="accent1"/>
+          </a:fillRef>
+          <a:effectRef idx="0">
+            <a:schemeClr val="accent1"/>
+          </a:effectRef>
+          <a:fontRef idx="minor">
+            <a:schemeClr val="lt1"/>
+          </a:fontRef>
+        </p:style>
+        <p:txBody>
+          <a:bodyPr rtlCol="0" anchor="ctr"/>
+          <a:lstStyle/>
+          <a:p>
+            <a:pPr marL="0" marR="0" lvl="0" indent="0" algn="ctr" defTabSz="914400" rtl="0" eaLnBrk="1" fontAlgn="auto" latinLnBrk="0" hangingPunct="1">
+              <a:lnSpc>
+                <a:spcPct val="100000"/>
+              </a:lnSpc>
+              <a:spcBef>
+                <a:spcPts val="0"/>
+              </a:spcBef>
+              <a:spcAft>
+                <a:spcPts val="0"/>
+              </a:spcAft>
+              <a:buClrTx/>
+              <a:buSzTx/>
+              <a:buFontTx/>
+              <a:buNone/>
+              <a:tabLst/>
+              <a:defRPr/>
+            </a:pPr>
+            <a:r>
+              <a:rPr kumimoji="0" lang="en-US" sz="1800" b="0" i="0" u="none" strike="noStrike" kern="1200" cap="none" spc="0" normalizeH="0" baseline="0" noProof="0" dirty="0">
+                <a:ln>
+                  <a:noFill/>
+                </a:ln>
+                <a:solidFill>
+                  <a:prstClr val="white"/>
+                </a:solidFill>
+                <a:effectLst/>
+                <a:uLnTx/>
+                <a:uFillTx/>
+                <a:latin typeface="Calibri" panose="020F0502020204030204"/>
+                <a:ea typeface="+mn-ea"/>
+                <a:cs typeface="+mn-cs"/>
+              </a:rPr>
               <a:t>Testing</a:t>
             </a:r>
             <a:br>
@@ -10065,7 +10715,7 @@
 </p:sld>
 </file>
 
-<file path=ppt/slides/slide13.xml><?xml version="1.0" encoding="utf-8"?>
+<file path=ppt/slides/slide14.xml><?xml version="1.0" encoding="utf-8"?>
 <p:sld xmlns:a="http://schemas.openxmlformats.org/drawingml/2006/main" xmlns:r="http://schemas.openxmlformats.org/officeDocument/2006/relationships" xmlns:p="http://schemas.openxmlformats.org/presentationml/2006/main">
   <p:cSld>
     <p:spTree>
@@ -10919,7 +11569,7 @@
           <a:p>
             <a:r>
               <a:rPr lang="en-US" dirty="0"/>
-              <a:t>Agenda (</a:t>
+              <a:t>Planning Agenda Overview (</a:t>
             </a:r>
             <a:r>
               <a:rPr lang="en-US" dirty="0" err="1"/>
@@ -11087,6 +11737,13 @@
             <a:r>
               <a:rPr lang="de-DE" dirty="0"/>
               <a:t>Discovery ?</a:t>
+            </a:r>
+          </a:p>
+          <a:p>
+            <a:pPr lvl="1"/>
+            <a:r>
+              <a:rPr lang="de-DE" dirty="0"/>
+              <a:t>Liaisons ?</a:t>
             </a:r>
           </a:p>
           <a:p>
@@ -11699,7 +12356,14 @@
           <a:p>
             <a:r>
               <a:rPr lang="en-US" dirty="0"/>
-              <a:t>Proposal</a:t>
+              <a:t>What should be new / changed</a:t>
+            </a:r>
+            <a:br>
+              <a:rPr lang="en-US" dirty="0"/>
+            </a:br>
+            <a:r>
+              <a:rPr lang="en-US" dirty="0"/>
+              <a:t>Proposal I / II</a:t>
             </a:r>
           </a:p>
         </p:txBody>
@@ -11722,13 +12386,13 @@
         </p:nvSpPr>
         <p:spPr>
           <a:xfrm>
-            <a:off x="838200" y="1478071"/>
+            <a:off x="838200" y="1947630"/>
             <a:ext cx="10515600" cy="4698892"/>
           </a:xfrm>
         </p:spPr>
         <p:txBody>
           <a:bodyPr>
-            <a:normAutofit fontScale="62500" lnSpcReduction="20000"/>
+            <a:normAutofit fontScale="92500" lnSpcReduction="20000"/>
           </a:bodyPr>
           <a:lstStyle/>
           <a:p>
@@ -11819,38 +12483,9 @@
           </a:p>
           <a:p>
             <a:r>
-              <a:rPr lang="en-US" dirty="0"/>
+              <a:rPr lang="en-US" b="1" dirty="0"/>
               <a:t>Optimize calendar: We should have max. 4 calls in one week </a:t>
             </a:r>
-          </a:p>
-          <a:p>
-            <a:r>
-              <a:rPr lang="en-US" dirty="0"/>
-              <a:t>If needed, a use case or liaison-based call can take place by a pre-defined meeting time (e.g., once a month)</a:t>
-            </a:r>
-          </a:p>
-          <a:p>
-            <a:r>
-              <a:rPr lang="en-US" dirty="0"/>
-              <a:t>Since we do not have someone who can drive the Profile TF, we should pause </a:t>
-            </a:r>
-            <a:r>
-              <a:rPr lang="en-US" dirty="0" err="1"/>
-              <a:t>Profil</a:t>
-            </a:r>
-            <a:r>
-              <a:rPr lang="en-US" dirty="0"/>
-              <a:t> or transform it as Note document</a:t>
-            </a:r>
-          </a:p>
-          <a:p>
-            <a:r>
-              <a:rPr lang="en-US" dirty="0"/>
-              <a:t>Architecture may also considered as Note deliverable in the future (as already discussed in the past and recommended by TAG)</a:t>
-            </a:r>
-          </a:p>
-          <a:p>
-            <a:endParaRPr lang="en-US" dirty="0"/>
           </a:p>
         </p:txBody>
       </p:sp>
@@ -11884,176 +12519,12 @@
           <a:chExt cx="0" cy="0"/>
         </a:xfrm>
       </p:grpSpPr>
-      <p:cxnSp>
-        <p:nvCxnSpPr>
-          <p:cNvPr id="17" name="Gerade Verbindung 16">
-            <a:extLst>
-              <a:ext uri="{FF2B5EF4-FFF2-40B4-BE49-F238E27FC236}">
-                <a16:creationId xmlns:a16="http://schemas.microsoft.com/office/drawing/2014/main" id="{3FCDF3CE-4402-F826-429E-0136DA4165E5}"/>
-              </a:ext>
-            </a:extLst>
-          </p:cNvPr>
-          <p:cNvCxnSpPr>
-            <a:cxnSpLocks/>
-          </p:cNvCxnSpPr>
-          <p:nvPr/>
-        </p:nvCxnSpPr>
-        <p:spPr>
-          <a:xfrm>
-            <a:off x="6322617" y="1302707"/>
-            <a:ext cx="0" cy="4781493"/>
-          </a:xfrm>
-          <a:prstGeom prst="line">
-            <a:avLst/>
-          </a:prstGeom>
-          <a:ln w="12700">
-            <a:prstDash val="dash"/>
-          </a:ln>
-        </p:spPr>
-        <p:style>
-          <a:lnRef idx="1">
-            <a:schemeClr val="accent1"/>
-          </a:lnRef>
-          <a:fillRef idx="0">
-            <a:schemeClr val="accent1"/>
-          </a:fillRef>
-          <a:effectRef idx="0">
-            <a:schemeClr val="accent1"/>
-          </a:effectRef>
-          <a:fontRef idx="minor">
-            <a:schemeClr val="tx1"/>
-          </a:fontRef>
-        </p:style>
-      </p:cxnSp>
-      <p:cxnSp>
-        <p:nvCxnSpPr>
-          <p:cNvPr id="18" name="Gerade Verbindung 17">
-            <a:extLst>
-              <a:ext uri="{FF2B5EF4-FFF2-40B4-BE49-F238E27FC236}">
-                <a16:creationId xmlns:a16="http://schemas.microsoft.com/office/drawing/2014/main" id="{DB38CB00-4B72-E7CA-298F-3E9E7003202D}"/>
-              </a:ext>
-            </a:extLst>
-          </p:cNvPr>
-          <p:cNvCxnSpPr>
-            <a:cxnSpLocks/>
-          </p:cNvCxnSpPr>
-          <p:nvPr/>
-        </p:nvCxnSpPr>
-        <p:spPr>
-          <a:xfrm>
-            <a:off x="3706764" y="1402915"/>
-            <a:ext cx="0" cy="4681285"/>
-          </a:xfrm>
-          <a:prstGeom prst="line">
-            <a:avLst/>
-          </a:prstGeom>
-          <a:ln w="12700">
-            <a:prstDash val="dash"/>
-          </a:ln>
-        </p:spPr>
-        <p:style>
-          <a:lnRef idx="1">
-            <a:schemeClr val="accent1"/>
-          </a:lnRef>
-          <a:fillRef idx="0">
-            <a:schemeClr val="accent1"/>
-          </a:fillRef>
-          <a:effectRef idx="0">
-            <a:schemeClr val="accent1"/>
-          </a:effectRef>
-          <a:fontRef idx="minor">
-            <a:schemeClr val="tx1"/>
-          </a:fontRef>
-        </p:style>
-      </p:cxnSp>
-      <p:cxnSp>
-        <p:nvCxnSpPr>
-          <p:cNvPr id="19" name="Gerade Verbindung 18">
-            <a:extLst>
-              <a:ext uri="{FF2B5EF4-FFF2-40B4-BE49-F238E27FC236}">
-                <a16:creationId xmlns:a16="http://schemas.microsoft.com/office/drawing/2014/main" id="{90ED4177-3080-A210-A1D3-CFCE3C0BD7DD}"/>
-              </a:ext>
-            </a:extLst>
-          </p:cNvPr>
-          <p:cNvCxnSpPr>
-            <a:cxnSpLocks/>
-          </p:cNvCxnSpPr>
-          <p:nvPr/>
-        </p:nvCxnSpPr>
-        <p:spPr>
-          <a:xfrm>
-            <a:off x="748909" y="1402915"/>
-            <a:ext cx="0" cy="4692497"/>
-          </a:xfrm>
-          <a:prstGeom prst="line">
-            <a:avLst/>
-          </a:prstGeom>
-          <a:ln w="12700">
-            <a:prstDash val="dash"/>
-          </a:ln>
-        </p:spPr>
-        <p:style>
-          <a:lnRef idx="1">
-            <a:schemeClr val="accent1"/>
-          </a:lnRef>
-          <a:fillRef idx="0">
-            <a:schemeClr val="accent1"/>
-          </a:fillRef>
-          <a:effectRef idx="0">
-            <a:schemeClr val="accent1"/>
-          </a:effectRef>
-          <a:fontRef idx="minor">
-            <a:schemeClr val="tx1"/>
-          </a:fontRef>
-        </p:style>
-      </p:cxnSp>
-      <p:cxnSp>
-        <p:nvCxnSpPr>
-          <p:cNvPr id="25" name="Gerade Verbindung 24">
-            <a:extLst>
-              <a:ext uri="{FF2B5EF4-FFF2-40B4-BE49-F238E27FC236}">
-                <a16:creationId xmlns:a16="http://schemas.microsoft.com/office/drawing/2014/main" id="{DFF9DD18-D312-A13B-0124-018FD1C20D42}"/>
-              </a:ext>
-            </a:extLst>
-          </p:cNvPr>
-          <p:cNvCxnSpPr>
-            <a:cxnSpLocks/>
-          </p:cNvCxnSpPr>
-          <p:nvPr/>
-        </p:nvCxnSpPr>
-        <p:spPr>
-          <a:xfrm>
-            <a:off x="4934316" y="1313919"/>
-            <a:ext cx="0" cy="4781493"/>
-          </a:xfrm>
-          <a:prstGeom prst="line">
-            <a:avLst/>
-          </a:prstGeom>
-          <a:ln w="12700">
-            <a:prstDash val="dash"/>
-          </a:ln>
-        </p:spPr>
-        <p:style>
-          <a:lnRef idx="1">
-            <a:schemeClr val="accent1"/>
-          </a:lnRef>
-          <a:fillRef idx="0">
-            <a:schemeClr val="accent1"/>
-          </a:fillRef>
-          <a:effectRef idx="0">
-            <a:schemeClr val="accent1"/>
-          </a:effectRef>
-          <a:fontRef idx="minor">
-            <a:schemeClr val="tx1"/>
-          </a:fontRef>
-        </p:style>
-      </p:cxnSp>
       <p:sp>
         <p:nvSpPr>
           <p:cNvPr id="2" name="Titel 1">
             <a:extLst>
               <a:ext uri="{FF2B5EF4-FFF2-40B4-BE49-F238E27FC236}">
-                <a16:creationId xmlns:a16="http://schemas.microsoft.com/office/drawing/2014/main" id="{788B8E25-60A3-D72A-1B5D-9A1DF9B41C75}"/>
+                <a16:creationId xmlns:a16="http://schemas.microsoft.com/office/drawing/2014/main" id="{C7243BC7-19C8-FC02-DC80-4D5FE1141064}"/>
               </a:ext>
             </a:extLst>
           </p:cNvPr>
@@ -12071,1773 +12542,86 @@
           <a:p>
             <a:r>
               <a:rPr lang="en-US" dirty="0"/>
-              <a:t>Roadmap </a:t>
+              <a:t>What should be new / changed</a:t>
+            </a:r>
+            <a:br>
+              <a:rPr lang="en-US" dirty="0"/>
+            </a:br>
+            <a:r>
+              <a:rPr lang="en-US" dirty="0"/>
+              <a:t>Proposal II / II</a:t>
+            </a:r>
+          </a:p>
+        </p:txBody>
+      </p:sp>
+      <p:sp>
+        <p:nvSpPr>
+          <p:cNvPr id="3" name="Inhaltsplatzhalter 2">
+            <a:extLst>
+              <a:ext uri="{FF2B5EF4-FFF2-40B4-BE49-F238E27FC236}">
+                <a16:creationId xmlns:a16="http://schemas.microsoft.com/office/drawing/2014/main" id="{780B2095-A699-0005-E747-5877696EDC75}"/>
+              </a:ext>
+            </a:extLst>
+          </p:cNvPr>
+          <p:cNvSpPr>
+            <a:spLocks noGrp="1"/>
+          </p:cNvSpPr>
+          <p:nvPr>
+            <p:ph idx="1"/>
+          </p:nvPr>
+        </p:nvSpPr>
+        <p:spPr>
+          <a:xfrm>
+            <a:off x="838200" y="1861344"/>
+            <a:ext cx="10515600" cy="4698892"/>
+          </a:xfrm>
+        </p:spPr>
+        <p:txBody>
+          <a:bodyPr>
+            <a:normAutofit/>
+          </a:bodyPr>
+          <a:lstStyle/>
+          <a:p>
+            <a:r>
+              <a:rPr lang="en-US" dirty="0"/>
+              <a:t>If needed, a use case or liaison-based call can take place by a pre-defined meeting time (e.g., once a month)</a:t>
+            </a:r>
+          </a:p>
+          <a:p>
+            <a:r>
+              <a:rPr lang="en-US" dirty="0"/>
+              <a:t>Since we do not have someone who can drive the Profile TF, we should pause </a:t>
             </a:r>
             <a:r>
               <a:rPr lang="en-US" dirty="0" err="1"/>
-              <a:t>WoT</a:t>
+              <a:t>Profil</a:t>
             </a:r>
             <a:r>
               <a:rPr lang="en-US" dirty="0"/>
-              <a:t> 2.0 Deliverables (Draft)</a:t>
-            </a:r>
-          </a:p>
-        </p:txBody>
-      </p:sp>
-      <p:cxnSp>
-        <p:nvCxnSpPr>
-          <p:cNvPr id="5" name="Gerade Verbindung mit Pfeil 4">
-            <a:extLst>
-              <a:ext uri="{FF2B5EF4-FFF2-40B4-BE49-F238E27FC236}">
-                <a16:creationId xmlns:a16="http://schemas.microsoft.com/office/drawing/2014/main" id="{13D5A8CE-0EA3-A8BC-8A02-8FD69DE25DA4}"/>
-              </a:ext>
-            </a:extLst>
-          </p:cNvPr>
-          <p:cNvCxnSpPr>
-            <a:cxnSpLocks/>
-          </p:cNvCxnSpPr>
-          <p:nvPr/>
-        </p:nvCxnSpPr>
-        <p:spPr>
-          <a:xfrm>
-            <a:off x="760288" y="5619961"/>
-            <a:ext cx="10222786" cy="0"/>
-          </a:xfrm>
-          <a:prstGeom prst="straightConnector1">
-            <a:avLst/>
-          </a:prstGeom>
-          <a:ln>
-            <a:tailEnd type="triangle"/>
-          </a:ln>
-        </p:spPr>
-        <p:style>
-          <a:lnRef idx="1">
-            <a:schemeClr val="accent1"/>
-          </a:lnRef>
-          <a:fillRef idx="0">
-            <a:schemeClr val="accent1"/>
-          </a:fillRef>
-          <a:effectRef idx="0">
-            <a:schemeClr val="accent1"/>
-          </a:effectRef>
-          <a:fontRef idx="minor">
-            <a:schemeClr val="tx1"/>
-          </a:fontRef>
-        </p:style>
-      </p:cxnSp>
-      <p:sp>
-        <p:nvSpPr>
-          <p:cNvPr id="7" name="Rechteck 6">
-            <a:extLst>
-              <a:ext uri="{FF2B5EF4-FFF2-40B4-BE49-F238E27FC236}">
-                <a16:creationId xmlns:a16="http://schemas.microsoft.com/office/drawing/2014/main" id="{AAAA95C5-5471-B46C-8712-73295967344E}"/>
-              </a:ext>
-            </a:extLst>
-          </p:cNvPr>
-          <p:cNvSpPr/>
-          <p:nvPr/>
-        </p:nvSpPr>
-        <p:spPr>
-          <a:xfrm>
-            <a:off x="760289" y="4888669"/>
-            <a:ext cx="5562322" cy="513708"/>
-          </a:xfrm>
-          <a:prstGeom prst="rect">
-            <a:avLst/>
-          </a:prstGeom>
-        </p:spPr>
-        <p:style>
-          <a:lnRef idx="2">
-            <a:schemeClr val="accent1">
-              <a:shade val="50000"/>
-            </a:schemeClr>
-          </a:lnRef>
-          <a:fillRef idx="1">
-            <a:schemeClr val="accent1"/>
-          </a:fillRef>
-          <a:effectRef idx="0">
-            <a:schemeClr val="accent1"/>
-          </a:effectRef>
-          <a:fontRef idx="minor">
-            <a:schemeClr val="lt1"/>
-          </a:fontRef>
-        </p:style>
-        <p:txBody>
-          <a:bodyPr rtlCol="0" anchor="ctr"/>
-          <a:lstStyle/>
-          <a:p>
-            <a:pPr marL="0" marR="0" lvl="0" indent="0" algn="ctr" defTabSz="914400" rtl="0" eaLnBrk="1" fontAlgn="auto" latinLnBrk="0" hangingPunct="1">
-              <a:lnSpc>
-                <a:spcPct val="100000"/>
-              </a:lnSpc>
-              <a:spcBef>
-                <a:spcPts val="0"/>
-              </a:spcBef>
-              <a:spcAft>
-                <a:spcPts val="0"/>
-              </a:spcAft>
-              <a:buClrTx/>
-              <a:buSzTx/>
-              <a:buFontTx/>
-              <a:buNone/>
-              <a:tabLst/>
-              <a:defRPr/>
-            </a:pPr>
-            <a:r>
-              <a:rPr kumimoji="0" lang="en-US" sz="1800" b="0" i="0" u="none" strike="noStrike" kern="1200" cap="none" spc="0" normalizeH="0" baseline="0" noProof="0" dirty="0" err="1">
-                <a:ln>
-                  <a:noFill/>
-                </a:ln>
-                <a:solidFill>
-                  <a:prstClr val="white"/>
-                </a:solidFill>
-                <a:effectLst/>
-                <a:uLnTx/>
-                <a:uFillTx/>
-                <a:latin typeface="Calibri" panose="020F0502020204030204"/>
-                <a:ea typeface="+mn-ea"/>
-                <a:cs typeface="+mn-cs"/>
-              </a:rPr>
-              <a:t>WoT</a:t>
-            </a:r>
-            <a:r>
-              <a:rPr kumimoji="0" lang="en-US" sz="1800" b="0" i="0" u="none" strike="noStrike" kern="1200" cap="none" spc="0" normalizeH="0" baseline="0" noProof="0" dirty="0">
-                <a:ln>
-                  <a:noFill/>
-                </a:ln>
-                <a:solidFill>
-                  <a:prstClr val="white"/>
-                </a:solidFill>
-                <a:effectLst/>
-                <a:uLnTx/>
-                <a:uFillTx/>
-                <a:latin typeface="Calibri" panose="020F0502020204030204"/>
-                <a:ea typeface="+mn-ea"/>
-                <a:cs typeface="+mn-cs"/>
-              </a:rPr>
-              <a:t> Thing Description 2.0</a:t>
-            </a:r>
-          </a:p>
-        </p:txBody>
-      </p:sp>
-      <p:sp>
-        <p:nvSpPr>
-          <p:cNvPr id="9" name="Rechteck 8">
-            <a:extLst>
-              <a:ext uri="{FF2B5EF4-FFF2-40B4-BE49-F238E27FC236}">
-                <a16:creationId xmlns:a16="http://schemas.microsoft.com/office/drawing/2014/main" id="{DE4FCA72-B10B-1D02-D6A3-463769A9E42B}"/>
-              </a:ext>
-            </a:extLst>
-          </p:cNvPr>
-          <p:cNvSpPr/>
-          <p:nvPr/>
-        </p:nvSpPr>
-        <p:spPr>
-          <a:xfrm>
-            <a:off x="746359" y="2855690"/>
-            <a:ext cx="2960403" cy="472611"/>
-          </a:xfrm>
-          <a:prstGeom prst="rect">
-            <a:avLst/>
-          </a:prstGeom>
-          <a:solidFill>
-            <a:srgbClr val="FFC000"/>
-          </a:solidFill>
-          <a:ln w="63500">
-            <a:solidFill>
-              <a:srgbClr val="00B050"/>
-            </a:solidFill>
-          </a:ln>
-        </p:spPr>
-        <p:style>
-          <a:lnRef idx="2">
-            <a:schemeClr val="accent1">
-              <a:shade val="50000"/>
-            </a:schemeClr>
-          </a:lnRef>
-          <a:fillRef idx="1">
-            <a:schemeClr val="accent1"/>
-          </a:fillRef>
-          <a:effectRef idx="0">
-            <a:schemeClr val="accent1"/>
-          </a:effectRef>
-          <a:fontRef idx="minor">
-            <a:schemeClr val="lt1"/>
-          </a:fontRef>
-        </p:style>
-        <p:txBody>
-          <a:bodyPr rtlCol="0" anchor="ctr"/>
-          <a:lstStyle/>
-          <a:p>
-            <a:pPr marL="0" marR="0" lvl="0" indent="0" algn="ctr" defTabSz="914400" rtl="0" eaLnBrk="1" fontAlgn="auto" latinLnBrk="0" hangingPunct="1">
-              <a:lnSpc>
-                <a:spcPct val="100000"/>
-              </a:lnSpc>
-              <a:spcBef>
-                <a:spcPts val="0"/>
-              </a:spcBef>
-              <a:spcAft>
-                <a:spcPts val="0"/>
-              </a:spcAft>
-              <a:buClrTx/>
-              <a:buSzTx/>
-              <a:buFontTx/>
-              <a:buNone/>
-              <a:tabLst/>
-              <a:defRPr/>
-            </a:pPr>
-            <a:r>
-              <a:rPr kumimoji="0" lang="en-US" sz="1800" b="0" i="0" u="none" strike="noStrike" kern="1200" cap="none" spc="0" normalizeH="0" baseline="0" noProof="0" dirty="0">
-                <a:ln>
-                  <a:noFill/>
-                </a:ln>
-                <a:solidFill>
-                  <a:prstClr val="white"/>
-                </a:solidFill>
-                <a:effectLst/>
-                <a:uLnTx/>
-                <a:uFillTx/>
-                <a:latin typeface="Calibri" panose="020F0502020204030204"/>
-                <a:ea typeface="+mn-ea"/>
-                <a:cs typeface="+mn-cs"/>
-              </a:rPr>
-              <a:t>OPC UA Binding</a:t>
-            </a:r>
-          </a:p>
-        </p:txBody>
-      </p:sp>
-      <p:sp>
-        <p:nvSpPr>
-          <p:cNvPr id="10" name="Textfeld 9">
-            <a:extLst>
-              <a:ext uri="{FF2B5EF4-FFF2-40B4-BE49-F238E27FC236}">
-                <a16:creationId xmlns:a16="http://schemas.microsoft.com/office/drawing/2014/main" id="{CE5A8601-BF8F-9AF2-810F-6496066E4ECB}"/>
-              </a:ext>
-            </a:extLst>
-          </p:cNvPr>
-          <p:cNvSpPr txBox="1"/>
-          <p:nvPr/>
-        </p:nvSpPr>
-        <p:spPr>
-          <a:xfrm>
-            <a:off x="296824" y="6101018"/>
-            <a:ext cx="1365567" cy="646331"/>
-          </a:xfrm>
-          <a:prstGeom prst="rect">
-            <a:avLst/>
-          </a:prstGeom>
-          <a:noFill/>
-        </p:spPr>
-        <p:txBody>
-          <a:bodyPr wrap="none" rtlCol="0">
-            <a:spAutoFit/>
-          </a:bodyPr>
-          <a:lstStyle/>
-          <a:p>
-            <a:pPr marL="0" marR="0" lvl="0" indent="0" algn="l" defTabSz="914400" rtl="0" eaLnBrk="1" fontAlgn="auto" latinLnBrk="0" hangingPunct="1">
-              <a:lnSpc>
-                <a:spcPct val="100000"/>
-              </a:lnSpc>
-              <a:spcBef>
-                <a:spcPts val="0"/>
-              </a:spcBef>
-              <a:spcAft>
-                <a:spcPts val="0"/>
-              </a:spcAft>
-              <a:buClrTx/>
-              <a:buSzTx/>
-              <a:buFontTx/>
-              <a:buNone/>
-              <a:tabLst/>
-              <a:defRPr/>
-            </a:pPr>
-            <a:r>
-              <a:rPr kumimoji="0" lang="en-US" sz="1800" b="0" i="0" u="none" strike="noStrike" kern="1200" cap="none" spc="0" normalizeH="0" baseline="0" noProof="0" dirty="0">
-                <a:ln>
-                  <a:noFill/>
-                </a:ln>
-                <a:solidFill>
-                  <a:prstClr val="black"/>
-                </a:solidFill>
-                <a:effectLst/>
-                <a:uLnTx/>
-                <a:uFillTx/>
-                <a:latin typeface="Calibri" panose="020F0502020204030204"/>
-                <a:ea typeface="+mn-ea"/>
-                <a:cs typeface="+mn-cs"/>
-              </a:rPr>
-              <a:t>Start charter</a:t>
-            </a:r>
-            <a:br>
-              <a:rPr kumimoji="0" lang="en-US" sz="1800" b="0" i="0" u="none" strike="noStrike" kern="1200" cap="none" spc="0" normalizeH="0" baseline="0" noProof="0" dirty="0">
-                <a:ln>
-                  <a:noFill/>
-                </a:ln>
-                <a:solidFill>
-                  <a:prstClr val="black"/>
-                </a:solidFill>
-                <a:effectLst/>
-                <a:uLnTx/>
-                <a:uFillTx/>
-                <a:latin typeface="Calibri" panose="020F0502020204030204"/>
-                <a:ea typeface="+mn-ea"/>
-                <a:cs typeface="+mn-cs"/>
-              </a:rPr>
-            </a:br>
-            <a:r>
-              <a:rPr kumimoji="0" lang="en-US" sz="1800" b="0" i="0" u="none" strike="noStrike" kern="1200" cap="none" spc="0" normalizeH="0" baseline="0" noProof="0" dirty="0">
-                <a:ln>
-                  <a:noFill/>
-                </a:ln>
-                <a:solidFill>
-                  <a:prstClr val="black"/>
-                </a:solidFill>
-                <a:effectLst/>
-                <a:uLnTx/>
-                <a:uFillTx/>
-                <a:latin typeface="Calibri" panose="020F0502020204030204"/>
-                <a:ea typeface="+mn-ea"/>
-                <a:cs typeface="+mn-cs"/>
-              </a:rPr>
-              <a:t>Q3 2023</a:t>
-            </a:r>
-          </a:p>
-        </p:txBody>
-      </p:sp>
-      <p:sp>
-        <p:nvSpPr>
-          <p:cNvPr id="11" name="Textfeld 10">
-            <a:extLst>
-              <a:ext uri="{FF2B5EF4-FFF2-40B4-BE49-F238E27FC236}">
-                <a16:creationId xmlns:a16="http://schemas.microsoft.com/office/drawing/2014/main" id="{79C90D26-D8C5-F3D4-9C95-30F69A86CF11}"/>
-              </a:ext>
-            </a:extLst>
-          </p:cNvPr>
-          <p:cNvSpPr txBox="1"/>
-          <p:nvPr/>
-        </p:nvSpPr>
-        <p:spPr>
-          <a:xfrm>
-            <a:off x="4374155" y="6101018"/>
-            <a:ext cx="978153" cy="369332"/>
-          </a:xfrm>
-          <a:prstGeom prst="rect">
-            <a:avLst/>
-          </a:prstGeom>
-          <a:noFill/>
-        </p:spPr>
-        <p:txBody>
-          <a:bodyPr wrap="none" rtlCol="0">
-            <a:spAutoFit/>
-          </a:bodyPr>
-          <a:lstStyle/>
-          <a:p>
-            <a:pPr marL="0" marR="0" lvl="0" indent="0" algn="l" defTabSz="914400" rtl="0" eaLnBrk="1" fontAlgn="auto" latinLnBrk="0" hangingPunct="1">
-              <a:lnSpc>
-                <a:spcPct val="100000"/>
-              </a:lnSpc>
-              <a:spcBef>
-                <a:spcPts val="0"/>
-              </a:spcBef>
-              <a:spcAft>
-                <a:spcPts val="0"/>
-              </a:spcAft>
-              <a:buClrTx/>
-              <a:buSzTx/>
-              <a:buFontTx/>
-              <a:buNone/>
-              <a:tabLst/>
-              <a:defRPr/>
-            </a:pPr>
-            <a:r>
-              <a:rPr kumimoji="0" lang="en-US" sz="1800" b="0" i="0" u="none" strike="noStrike" kern="1200" cap="none" spc="0" normalizeH="0" baseline="0" noProof="0" dirty="0">
-                <a:ln>
-                  <a:noFill/>
-                </a:ln>
-                <a:solidFill>
-                  <a:prstClr val="black"/>
-                </a:solidFill>
-                <a:effectLst/>
-                <a:uLnTx/>
-                <a:uFillTx/>
-                <a:latin typeface="Calibri" panose="020F0502020204030204"/>
-                <a:ea typeface="+mn-ea"/>
-                <a:cs typeface="+mn-cs"/>
-              </a:rPr>
-              <a:t>Q3 2024</a:t>
-            </a:r>
-          </a:p>
-        </p:txBody>
-      </p:sp>
-      <p:sp>
-        <p:nvSpPr>
-          <p:cNvPr id="12" name="Textfeld 11">
-            <a:extLst>
-              <a:ext uri="{FF2B5EF4-FFF2-40B4-BE49-F238E27FC236}">
-                <a16:creationId xmlns:a16="http://schemas.microsoft.com/office/drawing/2014/main" id="{97E1D9C7-F7DF-9749-5781-47E9944BD409}"/>
-              </a:ext>
-            </a:extLst>
-          </p:cNvPr>
-          <p:cNvSpPr txBox="1"/>
-          <p:nvPr/>
-        </p:nvSpPr>
-        <p:spPr>
-          <a:xfrm>
-            <a:off x="5871681" y="6095412"/>
-            <a:ext cx="1061509" cy="369332"/>
-          </a:xfrm>
-          <a:prstGeom prst="rect">
-            <a:avLst/>
-          </a:prstGeom>
-          <a:noFill/>
-        </p:spPr>
-        <p:txBody>
-          <a:bodyPr wrap="none" rtlCol="0">
-            <a:spAutoFit/>
-          </a:bodyPr>
-          <a:lstStyle/>
-          <a:p>
-            <a:pPr marL="0" marR="0" lvl="0" indent="0" algn="l" defTabSz="914400" rtl="0" eaLnBrk="1" fontAlgn="auto" latinLnBrk="0" hangingPunct="1">
-              <a:lnSpc>
-                <a:spcPct val="100000"/>
-              </a:lnSpc>
-              <a:spcBef>
-                <a:spcPts val="0"/>
-              </a:spcBef>
-              <a:spcAft>
-                <a:spcPts val="0"/>
-              </a:spcAft>
-              <a:buClrTx/>
-              <a:buSzTx/>
-              <a:buFontTx/>
-              <a:buNone/>
-              <a:tabLst/>
-              <a:defRPr/>
-            </a:pPr>
-            <a:r>
-              <a:rPr kumimoji="0" lang="en-US" sz="1800" b="0" i="0" u="none" strike="noStrike" kern="1200" cap="none" spc="0" normalizeH="0" baseline="0" noProof="0" dirty="0">
-                <a:ln>
-                  <a:noFill/>
-                </a:ln>
-                <a:solidFill>
-                  <a:prstClr val="black"/>
-                </a:solidFill>
-                <a:effectLst/>
-                <a:uLnTx/>
-                <a:uFillTx/>
-                <a:latin typeface="Calibri" panose="020F0502020204030204"/>
-                <a:ea typeface="+mn-ea"/>
-                <a:cs typeface="+mn-cs"/>
-              </a:rPr>
-              <a:t>End 2024</a:t>
-            </a:r>
-          </a:p>
-        </p:txBody>
-      </p:sp>
-      <p:sp>
-        <p:nvSpPr>
-          <p:cNvPr id="13" name="Textfeld 12">
-            <a:extLst>
-              <a:ext uri="{FF2B5EF4-FFF2-40B4-BE49-F238E27FC236}">
-                <a16:creationId xmlns:a16="http://schemas.microsoft.com/office/drawing/2014/main" id="{8EF98922-392F-14A6-A129-4E6431B15DB9}"/>
-              </a:ext>
-            </a:extLst>
-          </p:cNvPr>
-          <p:cNvSpPr txBox="1"/>
-          <p:nvPr/>
-        </p:nvSpPr>
-        <p:spPr>
-          <a:xfrm>
-            <a:off x="2919577" y="6084200"/>
-            <a:ext cx="978153" cy="369332"/>
-          </a:xfrm>
-          <a:prstGeom prst="rect">
-            <a:avLst/>
-          </a:prstGeom>
-          <a:noFill/>
-        </p:spPr>
-        <p:txBody>
-          <a:bodyPr wrap="none" rtlCol="0">
-            <a:spAutoFit/>
-          </a:bodyPr>
-          <a:lstStyle/>
-          <a:p>
-            <a:pPr marL="0" marR="0" lvl="0" indent="0" algn="l" defTabSz="914400" rtl="0" eaLnBrk="1" fontAlgn="auto" latinLnBrk="0" hangingPunct="1">
-              <a:lnSpc>
-                <a:spcPct val="100000"/>
-              </a:lnSpc>
-              <a:spcBef>
-                <a:spcPts val="0"/>
-              </a:spcBef>
-              <a:spcAft>
-                <a:spcPts val="0"/>
-              </a:spcAft>
-              <a:buClrTx/>
-              <a:buSzTx/>
-              <a:buFontTx/>
-              <a:buNone/>
-              <a:tabLst/>
-              <a:defRPr/>
-            </a:pPr>
-            <a:r>
-              <a:rPr kumimoji="0" lang="en-US" sz="1800" b="0" i="0" u="none" strike="noStrike" kern="1200" cap="none" spc="0" normalizeH="0" baseline="0" noProof="0" dirty="0">
-                <a:ln>
-                  <a:noFill/>
-                </a:ln>
-                <a:solidFill>
-                  <a:prstClr val="black"/>
-                </a:solidFill>
-                <a:effectLst/>
-                <a:uLnTx/>
-                <a:uFillTx/>
-                <a:latin typeface="Calibri" panose="020F0502020204030204"/>
-                <a:ea typeface="+mn-ea"/>
-                <a:cs typeface="+mn-cs"/>
-              </a:rPr>
-              <a:t>Q1 2024</a:t>
-            </a:r>
-          </a:p>
-        </p:txBody>
-      </p:sp>
-      <p:sp>
-        <p:nvSpPr>
-          <p:cNvPr id="24" name="Rechteck 23">
-            <a:extLst>
-              <a:ext uri="{FF2B5EF4-FFF2-40B4-BE49-F238E27FC236}">
-                <a16:creationId xmlns:a16="http://schemas.microsoft.com/office/drawing/2014/main" id="{0D6FBAC2-D3D4-7A86-3690-BD718B53E09E}"/>
-              </a:ext>
-            </a:extLst>
-          </p:cNvPr>
-          <p:cNvSpPr/>
-          <p:nvPr/>
-        </p:nvSpPr>
-        <p:spPr>
-          <a:xfrm>
-            <a:off x="4920851" y="4239642"/>
-            <a:ext cx="4084423" cy="513708"/>
-          </a:xfrm>
-          <a:prstGeom prst="rect">
-            <a:avLst/>
-          </a:prstGeom>
-        </p:spPr>
-        <p:style>
-          <a:lnRef idx="2">
-            <a:schemeClr val="accent1">
-              <a:shade val="50000"/>
-            </a:schemeClr>
-          </a:lnRef>
-          <a:fillRef idx="1">
-            <a:schemeClr val="accent1"/>
-          </a:fillRef>
-          <a:effectRef idx="0">
-            <a:schemeClr val="accent1"/>
-          </a:effectRef>
-          <a:fontRef idx="minor">
-            <a:schemeClr val="lt1"/>
-          </a:fontRef>
-        </p:style>
-        <p:txBody>
-          <a:bodyPr rtlCol="0" anchor="ctr"/>
-          <a:lstStyle/>
-          <a:p>
-            <a:pPr marL="0" marR="0" lvl="0" indent="0" algn="ctr" defTabSz="914400" rtl="0" eaLnBrk="1" fontAlgn="auto" latinLnBrk="0" hangingPunct="1">
-              <a:lnSpc>
-                <a:spcPct val="100000"/>
-              </a:lnSpc>
-              <a:spcBef>
-                <a:spcPts val="0"/>
-              </a:spcBef>
-              <a:spcAft>
-                <a:spcPts val="0"/>
-              </a:spcAft>
-              <a:buClrTx/>
-              <a:buSzTx/>
-              <a:buFontTx/>
-              <a:buNone/>
-              <a:tabLst/>
-              <a:defRPr/>
-            </a:pPr>
-            <a:r>
-              <a:rPr kumimoji="0" lang="en-US" sz="1800" b="0" i="0" u="none" strike="noStrike" kern="1200" cap="none" spc="0" normalizeH="0" baseline="0" noProof="0" dirty="0" err="1">
-                <a:ln>
-                  <a:noFill/>
-                </a:ln>
-                <a:solidFill>
-                  <a:prstClr val="white"/>
-                </a:solidFill>
-                <a:effectLst/>
-                <a:uLnTx/>
-                <a:uFillTx/>
-                <a:latin typeface="Calibri" panose="020F0502020204030204"/>
-                <a:ea typeface="+mn-ea"/>
-                <a:cs typeface="+mn-cs"/>
-              </a:rPr>
-              <a:t>WoT</a:t>
-            </a:r>
-            <a:r>
-              <a:rPr kumimoji="0" lang="en-US" sz="1800" b="0" i="0" u="none" strike="noStrike" kern="1200" cap="none" spc="0" normalizeH="0" baseline="0" noProof="0" dirty="0">
-                <a:ln>
-                  <a:noFill/>
-                </a:ln>
-                <a:solidFill>
-                  <a:prstClr val="white"/>
-                </a:solidFill>
-                <a:effectLst/>
-                <a:uLnTx/>
-                <a:uFillTx/>
-                <a:latin typeface="Calibri" panose="020F0502020204030204"/>
-                <a:ea typeface="+mn-ea"/>
-                <a:cs typeface="+mn-cs"/>
-              </a:rPr>
-              <a:t> Discovery 2.0</a:t>
-            </a:r>
-          </a:p>
-        </p:txBody>
-      </p:sp>
-      <p:cxnSp>
-        <p:nvCxnSpPr>
-          <p:cNvPr id="26" name="Gerade Verbindung 25">
-            <a:extLst>
-              <a:ext uri="{FF2B5EF4-FFF2-40B4-BE49-F238E27FC236}">
-                <a16:creationId xmlns:a16="http://schemas.microsoft.com/office/drawing/2014/main" id="{5E38AC99-87FA-9814-7EF1-C0EECBB0350E}"/>
-              </a:ext>
-            </a:extLst>
-          </p:cNvPr>
-          <p:cNvCxnSpPr>
-            <a:cxnSpLocks/>
-          </p:cNvCxnSpPr>
-          <p:nvPr/>
-        </p:nvCxnSpPr>
-        <p:spPr>
-          <a:xfrm>
-            <a:off x="9030788" y="1292267"/>
-            <a:ext cx="0" cy="4781493"/>
-          </a:xfrm>
-          <a:prstGeom prst="line">
-            <a:avLst/>
-          </a:prstGeom>
-          <a:ln w="12700">
-            <a:prstDash val="dash"/>
-          </a:ln>
-        </p:spPr>
-        <p:style>
-          <a:lnRef idx="1">
-            <a:schemeClr val="accent1"/>
-          </a:lnRef>
-          <a:fillRef idx="0">
-            <a:schemeClr val="accent1"/>
-          </a:fillRef>
-          <a:effectRef idx="0">
-            <a:schemeClr val="accent1"/>
-          </a:effectRef>
-          <a:fontRef idx="minor">
-            <a:schemeClr val="tx1"/>
-          </a:fontRef>
-        </p:style>
-      </p:cxnSp>
-      <p:sp>
-        <p:nvSpPr>
-          <p:cNvPr id="27" name="Textfeld 26">
-            <a:extLst>
-              <a:ext uri="{FF2B5EF4-FFF2-40B4-BE49-F238E27FC236}">
-                <a16:creationId xmlns:a16="http://schemas.microsoft.com/office/drawing/2014/main" id="{BE1B71BC-C9DD-8DC6-3F0B-2147B554A757}"/>
-              </a:ext>
-            </a:extLst>
-          </p:cNvPr>
-          <p:cNvSpPr txBox="1"/>
-          <p:nvPr/>
-        </p:nvSpPr>
-        <p:spPr>
-          <a:xfrm>
-            <a:off x="8470627" y="6079366"/>
-            <a:ext cx="1273810" cy="646331"/>
-          </a:xfrm>
-          <a:prstGeom prst="rect">
-            <a:avLst/>
-          </a:prstGeom>
-          <a:noFill/>
-        </p:spPr>
-        <p:txBody>
-          <a:bodyPr wrap="none" rtlCol="0">
-            <a:spAutoFit/>
-          </a:bodyPr>
-          <a:lstStyle/>
-          <a:p>
-            <a:pPr marL="0" marR="0" lvl="0" indent="0" algn="l" defTabSz="914400" rtl="0" eaLnBrk="1" fontAlgn="auto" latinLnBrk="0" hangingPunct="1">
-              <a:lnSpc>
-                <a:spcPct val="100000"/>
-              </a:lnSpc>
-              <a:spcBef>
-                <a:spcPts val="0"/>
-              </a:spcBef>
-              <a:spcAft>
-                <a:spcPts val="0"/>
-              </a:spcAft>
-              <a:buClrTx/>
-              <a:buSzTx/>
-              <a:buFontTx/>
-              <a:buNone/>
-              <a:tabLst/>
-              <a:defRPr/>
-            </a:pPr>
-            <a:r>
-              <a:rPr kumimoji="0" lang="en-US" sz="1800" b="0" i="0" u="none" strike="noStrike" kern="1200" cap="none" spc="0" normalizeH="0" baseline="0" noProof="0" dirty="0">
-                <a:ln>
-                  <a:noFill/>
-                </a:ln>
-                <a:solidFill>
-                  <a:prstClr val="black"/>
-                </a:solidFill>
-                <a:effectLst/>
-                <a:uLnTx/>
-                <a:uFillTx/>
-                <a:latin typeface="Calibri" panose="020F0502020204030204"/>
-                <a:ea typeface="+mn-ea"/>
-                <a:cs typeface="+mn-cs"/>
-              </a:rPr>
-              <a:t>End charter</a:t>
-            </a:r>
-            <a:br>
-              <a:rPr kumimoji="0" lang="en-US" sz="1800" b="0" i="0" u="none" strike="noStrike" kern="1200" cap="none" spc="0" normalizeH="0" baseline="0" noProof="0" dirty="0">
-                <a:ln>
-                  <a:noFill/>
-                </a:ln>
-                <a:solidFill>
-                  <a:prstClr val="black"/>
-                </a:solidFill>
-                <a:effectLst/>
-                <a:uLnTx/>
-                <a:uFillTx/>
-                <a:latin typeface="Calibri" panose="020F0502020204030204"/>
-                <a:ea typeface="+mn-ea"/>
-                <a:cs typeface="+mn-cs"/>
-              </a:rPr>
-            </a:br>
-            <a:r>
-              <a:rPr kumimoji="0" lang="en-US" sz="1800" b="0" i="0" u="none" strike="noStrike" kern="1200" cap="none" spc="0" normalizeH="0" baseline="0" noProof="0" dirty="0">
-                <a:ln>
-                  <a:noFill/>
-                </a:ln>
-                <a:solidFill>
-                  <a:prstClr val="black"/>
-                </a:solidFill>
-                <a:effectLst/>
-                <a:uLnTx/>
-                <a:uFillTx/>
-                <a:latin typeface="Calibri" panose="020F0502020204030204"/>
-                <a:ea typeface="+mn-ea"/>
-                <a:cs typeface="+mn-cs"/>
-              </a:rPr>
-              <a:t>Q3 2025</a:t>
-            </a:r>
-          </a:p>
-        </p:txBody>
-      </p:sp>
-      <p:sp>
-        <p:nvSpPr>
-          <p:cNvPr id="28" name="Rechteck 27">
-            <a:extLst>
-              <a:ext uri="{FF2B5EF4-FFF2-40B4-BE49-F238E27FC236}">
-                <a16:creationId xmlns:a16="http://schemas.microsoft.com/office/drawing/2014/main" id="{A32E2F57-EB0A-1568-E696-BC4188A1DF33}"/>
-              </a:ext>
-            </a:extLst>
-          </p:cNvPr>
-          <p:cNvSpPr/>
-          <p:nvPr/>
-        </p:nvSpPr>
-        <p:spPr>
-          <a:xfrm>
-            <a:off x="6322611" y="3607992"/>
-            <a:ext cx="2720224" cy="472611"/>
-          </a:xfrm>
-          <a:prstGeom prst="rect">
-            <a:avLst/>
-          </a:prstGeom>
-          <a:solidFill>
-            <a:srgbClr val="FFC000"/>
-          </a:solidFill>
-        </p:spPr>
-        <p:style>
-          <a:lnRef idx="2">
-            <a:schemeClr val="accent1">
-              <a:shade val="50000"/>
-            </a:schemeClr>
-          </a:lnRef>
-          <a:fillRef idx="1">
-            <a:schemeClr val="accent1"/>
-          </a:fillRef>
-          <a:effectRef idx="0">
-            <a:schemeClr val="accent1"/>
-          </a:effectRef>
-          <a:fontRef idx="minor">
-            <a:schemeClr val="lt1"/>
-          </a:fontRef>
-        </p:style>
-        <p:txBody>
-          <a:bodyPr rtlCol="0" anchor="ctr"/>
-          <a:lstStyle/>
-          <a:p>
-            <a:pPr marL="0" marR="0" lvl="0" indent="0" algn="ctr" defTabSz="914400" rtl="0" eaLnBrk="1" fontAlgn="auto" latinLnBrk="0" hangingPunct="1">
-              <a:lnSpc>
-                <a:spcPct val="100000"/>
-              </a:lnSpc>
-              <a:spcBef>
-                <a:spcPts val="0"/>
-              </a:spcBef>
-              <a:spcAft>
-                <a:spcPts val="0"/>
-              </a:spcAft>
-              <a:buClrTx/>
-              <a:buSzTx/>
-              <a:buFontTx/>
-              <a:buNone/>
-              <a:tabLst/>
-              <a:defRPr/>
-            </a:pPr>
-            <a:r>
-              <a:rPr kumimoji="0" lang="en-US" sz="1800" b="0" i="0" u="none" strike="noStrike" kern="1200" cap="none" spc="0" normalizeH="0" baseline="0" noProof="0" dirty="0" err="1">
-                <a:ln>
-                  <a:noFill/>
-                </a:ln>
-                <a:solidFill>
-                  <a:prstClr val="white"/>
-                </a:solidFill>
-                <a:effectLst/>
-                <a:uLnTx/>
-                <a:uFillTx/>
-                <a:latin typeface="Calibri" panose="020F0502020204030204"/>
-                <a:ea typeface="+mn-ea"/>
-                <a:cs typeface="+mn-cs"/>
-              </a:rPr>
-              <a:t>WoT</a:t>
-            </a:r>
-            <a:r>
-              <a:rPr kumimoji="0" lang="en-US" sz="1800" b="0" i="0" u="none" strike="noStrike" kern="1200" cap="none" spc="0" normalizeH="0" baseline="0" noProof="0" dirty="0">
-                <a:ln>
-                  <a:noFill/>
-                </a:ln>
-                <a:solidFill>
-                  <a:prstClr val="white"/>
-                </a:solidFill>
-                <a:effectLst/>
-                <a:uLnTx/>
-                <a:uFillTx/>
-                <a:latin typeface="Calibri" panose="020F0502020204030204"/>
-                <a:ea typeface="+mn-ea"/>
-                <a:cs typeface="+mn-cs"/>
-              </a:rPr>
-              <a:t> Architecture</a:t>
-            </a:r>
-          </a:p>
-        </p:txBody>
-      </p:sp>
-      <p:sp>
-        <p:nvSpPr>
-          <p:cNvPr id="29" name="Rechteck 28">
-            <a:extLst>
-              <a:ext uri="{FF2B5EF4-FFF2-40B4-BE49-F238E27FC236}">
-                <a16:creationId xmlns:a16="http://schemas.microsoft.com/office/drawing/2014/main" id="{C2F108B9-7602-9486-A2A5-E8BDE3AC0448}"/>
-              </a:ext>
-            </a:extLst>
-          </p:cNvPr>
-          <p:cNvSpPr/>
-          <p:nvPr/>
-        </p:nvSpPr>
-        <p:spPr>
-          <a:xfrm>
-            <a:off x="760288" y="4273242"/>
-            <a:ext cx="1851016" cy="472611"/>
-          </a:xfrm>
-          <a:prstGeom prst="rect">
-            <a:avLst/>
-          </a:prstGeom>
-          <a:solidFill>
-            <a:srgbClr val="FFC000"/>
-          </a:solidFill>
-        </p:spPr>
-        <p:style>
-          <a:lnRef idx="2">
-            <a:schemeClr val="accent1">
-              <a:shade val="50000"/>
-            </a:schemeClr>
-          </a:lnRef>
-          <a:fillRef idx="1">
-            <a:schemeClr val="accent1"/>
-          </a:fillRef>
-          <a:effectRef idx="0">
-            <a:schemeClr val="accent1"/>
-          </a:effectRef>
-          <a:fontRef idx="minor">
-            <a:schemeClr val="lt1"/>
-          </a:fontRef>
-        </p:style>
-        <p:txBody>
-          <a:bodyPr rtlCol="0" anchor="ctr"/>
-          <a:lstStyle/>
-          <a:p>
-            <a:pPr marL="0" marR="0" lvl="0" indent="0" algn="ctr" defTabSz="914400" rtl="0" eaLnBrk="1" fontAlgn="auto" latinLnBrk="0" hangingPunct="1">
-              <a:lnSpc>
-                <a:spcPct val="100000"/>
-              </a:lnSpc>
-              <a:spcBef>
-                <a:spcPts val="0"/>
-              </a:spcBef>
-              <a:spcAft>
-                <a:spcPts val="0"/>
-              </a:spcAft>
-              <a:buClrTx/>
-              <a:buSzTx/>
-              <a:buFontTx/>
-              <a:buNone/>
-              <a:tabLst/>
-              <a:defRPr/>
-            </a:pPr>
-            <a:r>
-              <a:rPr kumimoji="0" lang="en-US" sz="1800" b="0" i="0" u="none" strike="noStrike" kern="1200" cap="none" spc="0" normalizeH="0" baseline="0" noProof="0" dirty="0" err="1">
-                <a:ln>
-                  <a:noFill/>
-                </a:ln>
-                <a:solidFill>
-                  <a:prstClr val="white"/>
-                </a:solidFill>
-                <a:effectLst/>
-                <a:uLnTx/>
-                <a:uFillTx/>
-                <a:latin typeface="Calibri" panose="020F0502020204030204"/>
-                <a:ea typeface="+mn-ea"/>
-                <a:cs typeface="+mn-cs"/>
-              </a:rPr>
-              <a:t>WoT</a:t>
-            </a:r>
-            <a:r>
-              <a:rPr kumimoji="0" lang="en-US" sz="1800" b="0" i="0" u="none" strike="noStrike" kern="1200" cap="none" spc="0" normalizeH="0" baseline="0" noProof="0" dirty="0">
-                <a:ln>
-                  <a:noFill/>
-                </a:ln>
-                <a:solidFill>
-                  <a:prstClr val="white"/>
-                </a:solidFill>
-                <a:effectLst/>
-                <a:uLnTx/>
-                <a:uFillTx/>
-                <a:latin typeface="Calibri" panose="020F0502020204030204"/>
-                <a:ea typeface="+mn-ea"/>
-                <a:cs typeface="+mn-cs"/>
-              </a:rPr>
-              <a:t> Profile 1.0?</a:t>
-            </a:r>
-          </a:p>
-        </p:txBody>
-      </p:sp>
-      <p:sp>
-        <p:nvSpPr>
-          <p:cNvPr id="30" name="Rechteck 29">
-            <a:extLst>
-              <a:ext uri="{FF2B5EF4-FFF2-40B4-BE49-F238E27FC236}">
-                <a16:creationId xmlns:a16="http://schemas.microsoft.com/office/drawing/2014/main" id="{166B103D-81AB-D42A-0C3C-DD2FD8F2AE7A}"/>
-              </a:ext>
-            </a:extLst>
-          </p:cNvPr>
-          <p:cNvSpPr/>
-          <p:nvPr/>
-        </p:nvSpPr>
-        <p:spPr>
-          <a:xfrm>
-            <a:off x="10221251" y="841309"/>
-            <a:ext cx="1514343" cy="395580"/>
-          </a:xfrm>
-          <a:prstGeom prst="rect">
-            <a:avLst/>
-          </a:prstGeom>
-        </p:spPr>
-        <p:style>
-          <a:lnRef idx="2">
-            <a:schemeClr val="accent1">
-              <a:shade val="50000"/>
-            </a:schemeClr>
-          </a:lnRef>
-          <a:fillRef idx="1">
-            <a:schemeClr val="accent1"/>
-          </a:fillRef>
-          <a:effectRef idx="0">
-            <a:schemeClr val="accent1"/>
-          </a:effectRef>
-          <a:fontRef idx="minor">
-            <a:schemeClr val="lt1"/>
-          </a:fontRef>
-        </p:style>
-        <p:txBody>
-          <a:bodyPr rtlCol="0" anchor="ctr"/>
-          <a:lstStyle/>
-          <a:p>
-            <a:pPr marL="0" marR="0" lvl="0" indent="0" algn="ctr" defTabSz="914400" rtl="0" eaLnBrk="1" fontAlgn="auto" latinLnBrk="0" hangingPunct="1">
-              <a:lnSpc>
-                <a:spcPct val="100000"/>
-              </a:lnSpc>
-              <a:spcBef>
-                <a:spcPts val="0"/>
-              </a:spcBef>
-              <a:spcAft>
-                <a:spcPts val="0"/>
-              </a:spcAft>
-              <a:buClrTx/>
-              <a:buSzTx/>
-              <a:buFontTx/>
-              <a:buNone/>
-              <a:tabLst/>
-              <a:defRPr/>
-            </a:pPr>
-            <a:r>
-              <a:rPr kumimoji="0" lang="en-US" sz="1800" b="0" i="0" u="none" strike="noStrike" kern="1200" cap="none" spc="0" normalizeH="0" baseline="0" noProof="0" dirty="0">
-                <a:ln>
-                  <a:noFill/>
-                </a:ln>
-                <a:solidFill>
-                  <a:prstClr val="white"/>
-                </a:solidFill>
-                <a:effectLst/>
-                <a:uLnTx/>
-                <a:uFillTx/>
-                <a:latin typeface="Calibri" panose="020F0502020204030204"/>
-                <a:ea typeface="+mn-ea"/>
-                <a:cs typeface="+mn-cs"/>
-              </a:rPr>
-              <a:t>REC</a:t>
-            </a:r>
-          </a:p>
-        </p:txBody>
-      </p:sp>
-      <p:sp>
-        <p:nvSpPr>
-          <p:cNvPr id="31" name="Rechteck 30">
-            <a:extLst>
-              <a:ext uri="{FF2B5EF4-FFF2-40B4-BE49-F238E27FC236}">
-                <a16:creationId xmlns:a16="http://schemas.microsoft.com/office/drawing/2014/main" id="{1E3618A0-1A21-6EB1-0252-1BFE1FD5DBC2}"/>
-              </a:ext>
-            </a:extLst>
-          </p:cNvPr>
-          <p:cNvSpPr/>
-          <p:nvPr/>
-        </p:nvSpPr>
-        <p:spPr>
-          <a:xfrm>
-            <a:off x="10221252" y="1327478"/>
-            <a:ext cx="1514343" cy="385595"/>
-          </a:xfrm>
-          <a:prstGeom prst="rect">
-            <a:avLst/>
-          </a:prstGeom>
-          <a:solidFill>
-            <a:srgbClr val="FFC000"/>
-          </a:solidFill>
-        </p:spPr>
-        <p:style>
-          <a:lnRef idx="2">
-            <a:schemeClr val="accent1">
-              <a:shade val="50000"/>
-            </a:schemeClr>
-          </a:lnRef>
-          <a:fillRef idx="1">
-            <a:schemeClr val="accent1"/>
-          </a:fillRef>
-          <a:effectRef idx="0">
-            <a:schemeClr val="accent1"/>
-          </a:effectRef>
-          <a:fontRef idx="minor">
-            <a:schemeClr val="lt1"/>
-          </a:fontRef>
-        </p:style>
-        <p:txBody>
-          <a:bodyPr rtlCol="0" anchor="ctr"/>
-          <a:lstStyle/>
-          <a:p>
-            <a:pPr marL="0" marR="0" lvl="0" indent="0" algn="ctr" defTabSz="914400" rtl="0" eaLnBrk="1" fontAlgn="auto" latinLnBrk="0" hangingPunct="1">
-              <a:lnSpc>
-                <a:spcPct val="100000"/>
-              </a:lnSpc>
-              <a:spcBef>
-                <a:spcPts val="0"/>
-              </a:spcBef>
-              <a:spcAft>
-                <a:spcPts val="0"/>
-              </a:spcAft>
-              <a:buClrTx/>
-              <a:buSzTx/>
-              <a:buFontTx/>
-              <a:buNone/>
-              <a:tabLst/>
-              <a:defRPr/>
-            </a:pPr>
-            <a:r>
-              <a:rPr kumimoji="0" lang="en-US" sz="1800" b="0" i="0" u="none" strike="noStrike" kern="1200" cap="none" spc="0" normalizeH="0" baseline="0" noProof="0" dirty="0">
-                <a:ln>
-                  <a:noFill/>
-                </a:ln>
-                <a:solidFill>
-                  <a:prstClr val="white"/>
-                </a:solidFill>
-                <a:effectLst/>
-                <a:uLnTx/>
-                <a:uFillTx/>
-                <a:latin typeface="Calibri" panose="020F0502020204030204"/>
-                <a:ea typeface="+mn-ea"/>
-                <a:cs typeface="+mn-cs"/>
-              </a:rPr>
-              <a:t>Note</a:t>
-            </a:r>
-          </a:p>
-        </p:txBody>
-      </p:sp>
-      <p:sp>
-        <p:nvSpPr>
-          <p:cNvPr id="32" name="Rechteck 31">
-            <a:extLst>
-              <a:ext uri="{FF2B5EF4-FFF2-40B4-BE49-F238E27FC236}">
-                <a16:creationId xmlns:a16="http://schemas.microsoft.com/office/drawing/2014/main" id="{DAA73720-1C39-F6AB-6846-EC7E0F3D7E68}"/>
-              </a:ext>
-            </a:extLst>
-          </p:cNvPr>
-          <p:cNvSpPr/>
-          <p:nvPr/>
-        </p:nvSpPr>
-        <p:spPr>
-          <a:xfrm>
-            <a:off x="5686832" y="1496015"/>
-            <a:ext cx="3339779" cy="472611"/>
-          </a:xfrm>
-          <a:prstGeom prst="rect">
-            <a:avLst/>
-          </a:prstGeom>
-          <a:solidFill>
-            <a:srgbClr val="FFC000"/>
-          </a:solidFill>
-        </p:spPr>
-        <p:style>
-          <a:lnRef idx="2">
-            <a:schemeClr val="accent1">
-              <a:shade val="50000"/>
-            </a:schemeClr>
-          </a:lnRef>
-          <a:fillRef idx="1">
-            <a:schemeClr val="accent1"/>
-          </a:fillRef>
-          <a:effectRef idx="0">
-            <a:schemeClr val="accent1"/>
-          </a:effectRef>
-          <a:fontRef idx="minor">
-            <a:schemeClr val="lt1"/>
-          </a:fontRef>
-        </p:style>
-        <p:txBody>
-          <a:bodyPr rtlCol="0" anchor="ctr"/>
-          <a:lstStyle/>
-          <a:p>
-            <a:pPr marL="0" marR="0" lvl="0" indent="0" algn="ctr" defTabSz="914400" rtl="0" eaLnBrk="1" fontAlgn="auto" latinLnBrk="0" hangingPunct="1">
-              <a:lnSpc>
-                <a:spcPct val="100000"/>
-              </a:lnSpc>
-              <a:spcBef>
-                <a:spcPts val="0"/>
-              </a:spcBef>
-              <a:spcAft>
-                <a:spcPts val="0"/>
-              </a:spcAft>
-              <a:buClrTx/>
-              <a:buSzTx/>
-              <a:buFontTx/>
-              <a:buNone/>
-              <a:tabLst/>
-              <a:defRPr/>
-            </a:pPr>
-            <a:r>
-              <a:rPr kumimoji="0" lang="en-US" sz="1800" b="0" i="0" u="none" strike="noStrike" kern="1200" cap="none" spc="0" normalizeH="0" baseline="0" noProof="0" dirty="0" err="1">
-                <a:ln>
-                  <a:noFill/>
-                </a:ln>
-                <a:solidFill>
-                  <a:prstClr val="white"/>
-                </a:solidFill>
-                <a:effectLst/>
-                <a:uLnTx/>
-                <a:uFillTx/>
-                <a:latin typeface="Calibri" panose="020F0502020204030204"/>
-                <a:ea typeface="+mn-ea"/>
-                <a:cs typeface="+mn-cs"/>
-              </a:rPr>
-              <a:t>WoT</a:t>
-            </a:r>
-            <a:r>
-              <a:rPr kumimoji="0" lang="en-US" sz="1800" b="0" i="0" u="none" strike="noStrike" kern="1200" cap="none" spc="0" normalizeH="0" baseline="0" noProof="0" dirty="0">
-                <a:ln>
-                  <a:noFill/>
-                </a:ln>
-                <a:solidFill>
-                  <a:prstClr val="white"/>
-                </a:solidFill>
-                <a:effectLst/>
-                <a:uLnTx/>
-                <a:uFillTx/>
-                <a:latin typeface="Calibri" panose="020F0502020204030204"/>
-                <a:ea typeface="+mn-ea"/>
-                <a:cs typeface="+mn-cs"/>
-              </a:rPr>
-              <a:t> API</a:t>
-            </a:r>
-          </a:p>
-        </p:txBody>
-      </p:sp>
-      <p:sp>
-        <p:nvSpPr>
-          <p:cNvPr id="33" name="Rechteck 32">
-            <a:extLst>
-              <a:ext uri="{FF2B5EF4-FFF2-40B4-BE49-F238E27FC236}">
-                <a16:creationId xmlns:a16="http://schemas.microsoft.com/office/drawing/2014/main" id="{BCC09D88-3F5E-ADE6-506D-5DA456C2D40D}"/>
-              </a:ext>
-            </a:extLst>
-          </p:cNvPr>
-          <p:cNvSpPr/>
-          <p:nvPr/>
-        </p:nvSpPr>
-        <p:spPr>
-          <a:xfrm>
-            <a:off x="760288" y="2154264"/>
-            <a:ext cx="5562322" cy="472611"/>
-          </a:xfrm>
-          <a:prstGeom prst="rect">
-            <a:avLst/>
-          </a:prstGeom>
-          <a:solidFill>
-            <a:srgbClr val="FFC000"/>
-          </a:solidFill>
-        </p:spPr>
-        <p:style>
-          <a:lnRef idx="2">
-            <a:schemeClr val="accent1">
-              <a:shade val="50000"/>
-            </a:schemeClr>
-          </a:lnRef>
-          <a:fillRef idx="1">
-            <a:schemeClr val="accent1"/>
-          </a:fillRef>
-          <a:effectRef idx="0">
-            <a:schemeClr val="accent1"/>
-          </a:effectRef>
-          <a:fontRef idx="minor">
-            <a:schemeClr val="lt1"/>
-          </a:fontRef>
-        </p:style>
-        <p:txBody>
-          <a:bodyPr rtlCol="0" anchor="ctr"/>
-          <a:lstStyle/>
-          <a:p>
-            <a:pPr marL="0" marR="0" lvl="0" indent="0" algn="ctr" defTabSz="914400" rtl="0" eaLnBrk="1" fontAlgn="auto" latinLnBrk="0" hangingPunct="1">
-              <a:lnSpc>
-                <a:spcPct val="100000"/>
-              </a:lnSpc>
-              <a:spcBef>
-                <a:spcPts val="0"/>
-              </a:spcBef>
-              <a:spcAft>
-                <a:spcPts val="0"/>
-              </a:spcAft>
-              <a:buClrTx/>
-              <a:buSzTx/>
-              <a:buFontTx/>
-              <a:buNone/>
-              <a:tabLst/>
-              <a:defRPr/>
-            </a:pPr>
-            <a:r>
-              <a:rPr kumimoji="0" lang="en-US" sz="1800" b="0" i="0" u="none" strike="noStrike" kern="1200" cap="none" spc="0" normalizeH="0" baseline="0" noProof="0" dirty="0">
-                <a:ln>
-                  <a:noFill/>
-                </a:ln>
-                <a:solidFill>
-                  <a:prstClr val="white"/>
-                </a:solidFill>
-                <a:effectLst/>
-                <a:uLnTx/>
-                <a:uFillTx/>
-                <a:latin typeface="Calibri" panose="020F0502020204030204"/>
-                <a:ea typeface="+mn-ea"/>
-                <a:cs typeface="+mn-cs"/>
-              </a:rPr>
-              <a:t>Security</a:t>
-            </a:r>
-          </a:p>
-        </p:txBody>
-      </p:sp>
-      <p:sp>
-        <p:nvSpPr>
-          <p:cNvPr id="37" name="Explosion 2 36">
-            <a:extLst>
-              <a:ext uri="{FF2B5EF4-FFF2-40B4-BE49-F238E27FC236}">
-                <a16:creationId xmlns:a16="http://schemas.microsoft.com/office/drawing/2014/main" id="{20DD0A0A-61B6-D914-D2B3-3E6DA5B88017}"/>
-              </a:ext>
-            </a:extLst>
-          </p:cNvPr>
-          <p:cNvSpPr/>
-          <p:nvPr/>
-        </p:nvSpPr>
-        <p:spPr>
-          <a:xfrm>
-            <a:off x="4632848" y="5245745"/>
-            <a:ext cx="726239" cy="456399"/>
-          </a:xfrm>
-          <a:prstGeom prst="irregularSeal2">
-            <a:avLst/>
-          </a:prstGeom>
-          <a:solidFill>
-            <a:srgbClr val="92D050"/>
-          </a:solidFill>
-        </p:spPr>
-        <p:style>
-          <a:lnRef idx="2">
-            <a:schemeClr val="accent1">
-              <a:shade val="50000"/>
-            </a:schemeClr>
-          </a:lnRef>
-          <a:fillRef idx="1">
-            <a:schemeClr val="accent1"/>
-          </a:fillRef>
-          <a:effectRef idx="0">
-            <a:schemeClr val="accent1"/>
-          </a:effectRef>
-          <a:fontRef idx="minor">
-            <a:schemeClr val="lt1"/>
-          </a:fontRef>
-        </p:style>
-        <p:txBody>
-          <a:bodyPr rtlCol="0" anchor="ctr"/>
-          <a:lstStyle/>
-          <a:p>
-            <a:pPr marL="0" marR="0" lvl="0" indent="0" algn="ctr" defTabSz="914400" rtl="0" eaLnBrk="1" fontAlgn="auto" latinLnBrk="0" hangingPunct="1">
-              <a:lnSpc>
-                <a:spcPct val="100000"/>
-              </a:lnSpc>
-              <a:spcBef>
-                <a:spcPts val="0"/>
-              </a:spcBef>
-              <a:spcAft>
-                <a:spcPts val="0"/>
-              </a:spcAft>
-              <a:buClrTx/>
-              <a:buSzTx/>
-              <a:buFontTx/>
-              <a:buNone/>
-              <a:tabLst/>
-              <a:defRPr/>
-            </a:pPr>
-            <a:endParaRPr kumimoji="0" lang="en-US" sz="900" b="0" i="0" u="none" strike="noStrike" kern="1200" cap="none" spc="0" normalizeH="0" baseline="0" noProof="0" dirty="0">
-              <a:ln>
-                <a:noFill/>
-              </a:ln>
-              <a:solidFill>
-                <a:prstClr val="white"/>
-              </a:solidFill>
-              <a:effectLst/>
-              <a:uLnTx/>
-              <a:uFillTx/>
-              <a:latin typeface="Calibri" panose="020F0502020204030204"/>
-              <a:ea typeface="+mn-ea"/>
-              <a:cs typeface="+mn-cs"/>
-            </a:endParaRPr>
-          </a:p>
-        </p:txBody>
-      </p:sp>
-      <p:sp>
-        <p:nvSpPr>
-          <p:cNvPr id="38" name="Textfeld 37">
-            <a:extLst>
-              <a:ext uri="{FF2B5EF4-FFF2-40B4-BE49-F238E27FC236}">
-                <a16:creationId xmlns:a16="http://schemas.microsoft.com/office/drawing/2014/main" id="{324ED430-E776-A038-6EF0-9B255B99B67F}"/>
-              </a:ext>
-            </a:extLst>
-          </p:cNvPr>
-          <p:cNvSpPr txBox="1"/>
-          <p:nvPr/>
-        </p:nvSpPr>
-        <p:spPr>
-          <a:xfrm>
-            <a:off x="4605414" y="5293420"/>
-            <a:ext cx="726237" cy="507831"/>
-          </a:xfrm>
-          <a:prstGeom prst="rect">
-            <a:avLst/>
-          </a:prstGeom>
-          <a:noFill/>
-        </p:spPr>
-        <p:txBody>
-          <a:bodyPr wrap="square" rtlCol="0">
-            <a:spAutoFit/>
-          </a:bodyPr>
-          <a:lstStyle/>
-          <a:p>
-            <a:pPr marL="0" marR="0" lvl="0" indent="0" algn="ctr" defTabSz="914400" rtl="0" eaLnBrk="1" fontAlgn="auto" latinLnBrk="0" hangingPunct="1">
-              <a:lnSpc>
-                <a:spcPct val="100000"/>
-              </a:lnSpc>
-              <a:spcBef>
-                <a:spcPts val="0"/>
-              </a:spcBef>
-              <a:spcAft>
-                <a:spcPts val="0"/>
-              </a:spcAft>
-              <a:buClrTx/>
-              <a:buSzTx/>
-              <a:buFontTx/>
-              <a:buNone/>
-              <a:tabLst/>
-              <a:defRPr/>
-            </a:pPr>
-            <a:r>
-              <a:rPr kumimoji="0" lang="en-US" sz="900" b="1" i="0" u="none" strike="noStrike" kern="1200" cap="none" spc="0" normalizeH="0" baseline="0" noProof="0" dirty="0">
-                <a:ln>
-                  <a:noFill/>
-                </a:ln>
-                <a:solidFill>
-                  <a:prstClr val="black"/>
-                </a:solidFill>
-                <a:effectLst/>
-                <a:uLnTx/>
-                <a:uFillTx/>
-                <a:latin typeface="Calibri" panose="020F0502020204030204"/>
-                <a:ea typeface="+mn-ea"/>
-                <a:cs typeface="+mn-cs"/>
-              </a:rPr>
-              <a:t>CR </a:t>
-            </a:r>
-            <a:br>
-              <a:rPr kumimoji="0" lang="en-US" sz="900" b="1" i="0" u="none" strike="noStrike" kern="1200" cap="none" spc="0" normalizeH="0" baseline="0" noProof="0" dirty="0">
-                <a:ln>
-                  <a:noFill/>
-                </a:ln>
-                <a:solidFill>
-                  <a:prstClr val="black"/>
-                </a:solidFill>
-                <a:effectLst/>
-                <a:uLnTx/>
-                <a:uFillTx/>
-                <a:latin typeface="Calibri" panose="020F0502020204030204"/>
-                <a:ea typeface="+mn-ea"/>
-                <a:cs typeface="+mn-cs"/>
-              </a:rPr>
-            </a:br>
-            <a:r>
-              <a:rPr kumimoji="0" lang="en-US" sz="900" b="1" i="0" u="none" strike="noStrike" kern="1200" cap="none" spc="0" normalizeH="0" baseline="0" noProof="0" dirty="0">
-                <a:ln>
-                  <a:noFill/>
-                </a:ln>
-                <a:solidFill>
-                  <a:prstClr val="black"/>
-                </a:solidFill>
-                <a:effectLst/>
-                <a:uLnTx/>
-                <a:uFillTx/>
-                <a:latin typeface="Calibri" panose="020F0502020204030204"/>
-                <a:ea typeface="+mn-ea"/>
-                <a:cs typeface="+mn-cs"/>
-              </a:rPr>
-              <a:t>Candidate</a:t>
-            </a:r>
-          </a:p>
-          <a:p>
-            <a:pPr marL="0" marR="0" lvl="0" indent="0" algn="ctr" defTabSz="914400" rtl="0" eaLnBrk="1" fontAlgn="auto" latinLnBrk="0" hangingPunct="1">
-              <a:lnSpc>
-                <a:spcPct val="100000"/>
-              </a:lnSpc>
-              <a:spcBef>
-                <a:spcPts val="0"/>
-              </a:spcBef>
-              <a:spcAft>
-                <a:spcPts val="0"/>
-              </a:spcAft>
-              <a:buClrTx/>
-              <a:buSzTx/>
-              <a:buFontTx/>
-              <a:buNone/>
-              <a:tabLst/>
-              <a:defRPr/>
-            </a:pPr>
-            <a:endParaRPr kumimoji="0" lang="en-US" sz="900" b="1" i="0" u="none" strike="noStrike" kern="1200" cap="none" spc="0" normalizeH="0" baseline="0" noProof="0" dirty="0">
-              <a:ln>
-                <a:noFill/>
-              </a:ln>
-              <a:solidFill>
-                <a:prstClr val="black"/>
-              </a:solidFill>
-              <a:effectLst/>
-              <a:uLnTx/>
-              <a:uFillTx/>
-              <a:latin typeface="Calibri" panose="020F0502020204030204"/>
-              <a:ea typeface="+mn-ea"/>
-              <a:cs typeface="+mn-cs"/>
-            </a:endParaRPr>
-          </a:p>
-        </p:txBody>
-      </p:sp>
-      <p:sp>
-        <p:nvSpPr>
-          <p:cNvPr id="39" name="Rechteck 38">
-            <a:extLst>
-              <a:ext uri="{FF2B5EF4-FFF2-40B4-BE49-F238E27FC236}">
-                <a16:creationId xmlns:a16="http://schemas.microsoft.com/office/drawing/2014/main" id="{9521EF62-2FEF-8F6E-0049-1BEFA03634A6}"/>
-              </a:ext>
-            </a:extLst>
-          </p:cNvPr>
-          <p:cNvSpPr/>
-          <p:nvPr/>
-        </p:nvSpPr>
-        <p:spPr>
-          <a:xfrm>
-            <a:off x="10221253" y="1901243"/>
-            <a:ext cx="1514352" cy="472611"/>
-          </a:xfrm>
-          <a:prstGeom prst="rect">
-            <a:avLst/>
-          </a:prstGeom>
-          <a:solidFill>
-            <a:srgbClr val="FFC000"/>
-          </a:solidFill>
-          <a:ln w="63500">
-            <a:solidFill>
-              <a:srgbClr val="00B050"/>
-            </a:solidFill>
-          </a:ln>
-        </p:spPr>
-        <p:style>
-          <a:lnRef idx="2">
-            <a:schemeClr val="accent1">
-              <a:shade val="50000"/>
-            </a:schemeClr>
-          </a:lnRef>
-          <a:fillRef idx="1">
-            <a:schemeClr val="accent1"/>
-          </a:fillRef>
-          <a:effectRef idx="0">
-            <a:schemeClr val="accent1"/>
-          </a:effectRef>
-          <a:fontRef idx="minor">
-            <a:schemeClr val="lt1"/>
-          </a:fontRef>
-        </p:style>
-        <p:txBody>
-          <a:bodyPr rtlCol="0" anchor="ctr"/>
-          <a:lstStyle/>
-          <a:p>
-            <a:pPr marL="0" marR="0" lvl="0" indent="0" algn="ctr" defTabSz="914400" rtl="0" eaLnBrk="1" fontAlgn="auto" latinLnBrk="0" hangingPunct="1">
-              <a:lnSpc>
-                <a:spcPct val="100000"/>
-              </a:lnSpc>
-              <a:spcBef>
-                <a:spcPts val="0"/>
-              </a:spcBef>
-              <a:spcAft>
-                <a:spcPts val="0"/>
-              </a:spcAft>
-              <a:buClrTx/>
-              <a:buSzTx/>
-              <a:buFontTx/>
-              <a:buNone/>
-              <a:tabLst/>
-              <a:defRPr/>
-            </a:pPr>
-            <a:r>
-              <a:rPr kumimoji="0" lang="en-US" sz="1800" b="0" i="0" u="none" strike="noStrike" kern="1200" cap="none" spc="0" normalizeH="0" baseline="0" noProof="0" dirty="0">
-                <a:ln>
-                  <a:noFill/>
-                </a:ln>
-                <a:solidFill>
-                  <a:prstClr val="white"/>
-                </a:solidFill>
-                <a:effectLst/>
-                <a:uLnTx/>
-                <a:uFillTx/>
-                <a:latin typeface="Calibri" panose="020F0502020204030204"/>
-                <a:ea typeface="+mn-ea"/>
-                <a:cs typeface="+mn-cs"/>
-              </a:rPr>
-              <a:t>Note + Liaison </a:t>
-            </a:r>
-          </a:p>
-        </p:txBody>
-      </p:sp>
-      <p:sp>
-        <p:nvSpPr>
-          <p:cNvPr id="3" name="Rechteck 2">
-            <a:extLst>
-              <a:ext uri="{FF2B5EF4-FFF2-40B4-BE49-F238E27FC236}">
-                <a16:creationId xmlns:a16="http://schemas.microsoft.com/office/drawing/2014/main" id="{DE27325D-CA89-9BB7-928A-7CED26F55CA0}"/>
-              </a:ext>
-            </a:extLst>
-          </p:cNvPr>
-          <p:cNvSpPr/>
-          <p:nvPr/>
-        </p:nvSpPr>
-        <p:spPr>
-          <a:xfrm>
-            <a:off x="753087" y="3448552"/>
-            <a:ext cx="2960403" cy="472611"/>
-          </a:xfrm>
-          <a:prstGeom prst="rect">
-            <a:avLst/>
-          </a:prstGeom>
-          <a:solidFill>
-            <a:srgbClr val="FFC000"/>
-          </a:solidFill>
-          <a:ln w="63500">
-            <a:solidFill>
-              <a:srgbClr val="00B050"/>
-            </a:solidFill>
-          </a:ln>
-        </p:spPr>
-        <p:style>
-          <a:lnRef idx="2">
-            <a:schemeClr val="accent1">
-              <a:shade val="50000"/>
-            </a:schemeClr>
-          </a:lnRef>
-          <a:fillRef idx="1">
-            <a:schemeClr val="accent1"/>
-          </a:fillRef>
-          <a:effectRef idx="0">
-            <a:schemeClr val="accent1"/>
-          </a:effectRef>
-          <a:fontRef idx="minor">
-            <a:schemeClr val="lt1"/>
-          </a:fontRef>
-        </p:style>
-        <p:txBody>
-          <a:bodyPr rtlCol="0" anchor="ctr"/>
-          <a:lstStyle/>
-          <a:p>
-            <a:pPr marL="0" marR="0" lvl="0" indent="0" algn="ctr" defTabSz="914400" rtl="0" eaLnBrk="1" fontAlgn="auto" latinLnBrk="0" hangingPunct="1">
-              <a:lnSpc>
-                <a:spcPct val="100000"/>
-              </a:lnSpc>
-              <a:spcBef>
-                <a:spcPts val="0"/>
-              </a:spcBef>
-              <a:spcAft>
-                <a:spcPts val="0"/>
-              </a:spcAft>
-              <a:buClrTx/>
-              <a:buSzTx/>
-              <a:buFontTx/>
-              <a:buNone/>
-              <a:tabLst/>
-              <a:defRPr/>
-            </a:pPr>
-            <a:r>
-              <a:rPr kumimoji="0" lang="en-US" sz="1800" b="0" i="0" u="none" strike="noStrike" kern="1200" cap="none" spc="0" normalizeH="0" baseline="0" noProof="0" dirty="0">
-                <a:ln>
-                  <a:noFill/>
-                </a:ln>
-                <a:solidFill>
-                  <a:prstClr val="white"/>
-                </a:solidFill>
-                <a:effectLst/>
-                <a:uLnTx/>
-                <a:uFillTx/>
-                <a:latin typeface="Calibri" panose="020F0502020204030204"/>
-                <a:ea typeface="+mn-ea"/>
-                <a:cs typeface="+mn-cs"/>
-              </a:rPr>
-              <a:t>BACnet Binding</a:t>
-            </a:r>
-          </a:p>
-        </p:txBody>
-      </p:sp>
-      <p:sp>
-        <p:nvSpPr>
-          <p:cNvPr id="4" name="Rechteck 3">
-            <a:extLst>
-              <a:ext uri="{FF2B5EF4-FFF2-40B4-BE49-F238E27FC236}">
-                <a16:creationId xmlns:a16="http://schemas.microsoft.com/office/drawing/2014/main" id="{C6677BCF-5BBF-E17E-9CC4-512096B1CFA2}"/>
-              </a:ext>
-            </a:extLst>
-          </p:cNvPr>
-          <p:cNvSpPr/>
-          <p:nvPr/>
-        </p:nvSpPr>
-        <p:spPr>
-          <a:xfrm>
-            <a:off x="3965075" y="2861880"/>
-            <a:ext cx="2960403" cy="472611"/>
-          </a:xfrm>
-          <a:prstGeom prst="rect">
-            <a:avLst/>
-          </a:prstGeom>
-          <a:solidFill>
-            <a:srgbClr val="FFC000"/>
-          </a:solidFill>
-          <a:ln w="63500">
-            <a:solidFill>
-              <a:srgbClr val="00B050"/>
-            </a:solidFill>
-          </a:ln>
-        </p:spPr>
-        <p:style>
-          <a:lnRef idx="2">
-            <a:schemeClr val="accent1">
-              <a:shade val="50000"/>
-            </a:schemeClr>
-          </a:lnRef>
-          <a:fillRef idx="1">
-            <a:schemeClr val="accent1"/>
-          </a:fillRef>
-          <a:effectRef idx="0">
-            <a:schemeClr val="accent1"/>
-          </a:effectRef>
-          <a:fontRef idx="minor">
-            <a:schemeClr val="lt1"/>
-          </a:fontRef>
-        </p:style>
-        <p:txBody>
-          <a:bodyPr rtlCol="0" anchor="ctr"/>
-          <a:lstStyle/>
-          <a:p>
-            <a:pPr marL="0" marR="0" lvl="0" indent="0" algn="ctr" defTabSz="914400" rtl="0" eaLnBrk="1" fontAlgn="auto" latinLnBrk="0" hangingPunct="1">
-              <a:lnSpc>
-                <a:spcPct val="100000"/>
-              </a:lnSpc>
-              <a:spcBef>
-                <a:spcPts val="0"/>
-              </a:spcBef>
-              <a:spcAft>
-                <a:spcPts val="0"/>
-              </a:spcAft>
-              <a:buClrTx/>
-              <a:buSzTx/>
-              <a:buFontTx/>
-              <a:buNone/>
-              <a:tabLst/>
-              <a:defRPr/>
-            </a:pPr>
-            <a:r>
-              <a:rPr kumimoji="0" lang="en-US" sz="1800" b="0" i="0" u="none" strike="noStrike" kern="1200" cap="none" spc="0" normalizeH="0" baseline="0" noProof="0" dirty="0">
-                <a:ln>
-                  <a:noFill/>
-                </a:ln>
-                <a:solidFill>
-                  <a:prstClr val="white"/>
-                </a:solidFill>
-                <a:effectLst/>
-                <a:uLnTx/>
-                <a:uFillTx/>
-                <a:latin typeface="Calibri" panose="020F0502020204030204"/>
-                <a:ea typeface="+mn-ea"/>
-                <a:cs typeface="+mn-cs"/>
-              </a:rPr>
-              <a:t>Matter Binding ?</a:t>
-            </a:r>
+              <a:t> or transform it as Note document</a:t>
+            </a:r>
+          </a:p>
+          <a:p>
+            <a:r>
+              <a:rPr lang="en-US" dirty="0"/>
+              <a:t>Architecture may also considered as Note deliverable in the future (as already discussed in the past and recommended by TAG)</a:t>
+            </a:r>
+          </a:p>
+          <a:p>
+            <a:r>
+              <a:rPr lang="en-US" dirty="0"/>
+              <a:t>Define feature Milestones in each deliverables</a:t>
+            </a:r>
+          </a:p>
+          <a:p>
+            <a:endParaRPr lang="en-US" dirty="0"/>
           </a:p>
         </p:txBody>
       </p:sp>
     </p:spTree>
     <p:extLst>
       <p:ext uri="{BB962C8B-B14F-4D97-AF65-F5344CB8AC3E}">
-        <p14:creationId xmlns:p14="http://schemas.microsoft.com/office/powerpoint/2010/main" val="2248077143"/>
+        <p14:creationId xmlns:p14="http://schemas.microsoft.com/office/powerpoint/2010/main" val="2665957138"/>
       </p:ext>
     </p:extLst>
   </p:cSld>
@@ -13864,12 +12648,176 @@
           <a:chExt cx="0" cy="0"/>
         </a:xfrm>
       </p:grpSpPr>
+      <p:cxnSp>
+        <p:nvCxnSpPr>
+          <p:cNvPr id="17" name="Gerade Verbindung 16">
+            <a:extLst>
+              <a:ext uri="{FF2B5EF4-FFF2-40B4-BE49-F238E27FC236}">
+                <a16:creationId xmlns:a16="http://schemas.microsoft.com/office/drawing/2014/main" id="{3FCDF3CE-4402-F826-429E-0136DA4165E5}"/>
+              </a:ext>
+            </a:extLst>
+          </p:cNvPr>
+          <p:cNvCxnSpPr>
+            <a:cxnSpLocks/>
+          </p:cNvCxnSpPr>
+          <p:nvPr/>
+        </p:nvCxnSpPr>
+        <p:spPr>
+          <a:xfrm>
+            <a:off x="6322617" y="1302707"/>
+            <a:ext cx="0" cy="4781493"/>
+          </a:xfrm>
+          <a:prstGeom prst="line">
+            <a:avLst/>
+          </a:prstGeom>
+          <a:ln w="12700">
+            <a:prstDash val="dash"/>
+          </a:ln>
+        </p:spPr>
+        <p:style>
+          <a:lnRef idx="1">
+            <a:schemeClr val="accent1"/>
+          </a:lnRef>
+          <a:fillRef idx="0">
+            <a:schemeClr val="accent1"/>
+          </a:fillRef>
+          <a:effectRef idx="0">
+            <a:schemeClr val="accent1"/>
+          </a:effectRef>
+          <a:fontRef idx="minor">
+            <a:schemeClr val="tx1"/>
+          </a:fontRef>
+        </p:style>
+      </p:cxnSp>
+      <p:cxnSp>
+        <p:nvCxnSpPr>
+          <p:cNvPr id="18" name="Gerade Verbindung 17">
+            <a:extLst>
+              <a:ext uri="{FF2B5EF4-FFF2-40B4-BE49-F238E27FC236}">
+                <a16:creationId xmlns:a16="http://schemas.microsoft.com/office/drawing/2014/main" id="{DB38CB00-4B72-E7CA-298F-3E9E7003202D}"/>
+              </a:ext>
+            </a:extLst>
+          </p:cNvPr>
+          <p:cNvCxnSpPr>
+            <a:cxnSpLocks/>
+          </p:cNvCxnSpPr>
+          <p:nvPr/>
+        </p:nvCxnSpPr>
+        <p:spPr>
+          <a:xfrm>
+            <a:off x="3706764" y="1402915"/>
+            <a:ext cx="0" cy="4681285"/>
+          </a:xfrm>
+          <a:prstGeom prst="line">
+            <a:avLst/>
+          </a:prstGeom>
+          <a:ln w="12700">
+            <a:prstDash val="dash"/>
+          </a:ln>
+        </p:spPr>
+        <p:style>
+          <a:lnRef idx="1">
+            <a:schemeClr val="accent1"/>
+          </a:lnRef>
+          <a:fillRef idx="0">
+            <a:schemeClr val="accent1"/>
+          </a:fillRef>
+          <a:effectRef idx="0">
+            <a:schemeClr val="accent1"/>
+          </a:effectRef>
+          <a:fontRef idx="minor">
+            <a:schemeClr val="tx1"/>
+          </a:fontRef>
+        </p:style>
+      </p:cxnSp>
+      <p:cxnSp>
+        <p:nvCxnSpPr>
+          <p:cNvPr id="19" name="Gerade Verbindung 18">
+            <a:extLst>
+              <a:ext uri="{FF2B5EF4-FFF2-40B4-BE49-F238E27FC236}">
+                <a16:creationId xmlns:a16="http://schemas.microsoft.com/office/drawing/2014/main" id="{90ED4177-3080-A210-A1D3-CFCE3C0BD7DD}"/>
+              </a:ext>
+            </a:extLst>
+          </p:cNvPr>
+          <p:cNvCxnSpPr>
+            <a:cxnSpLocks/>
+          </p:cNvCxnSpPr>
+          <p:nvPr/>
+        </p:nvCxnSpPr>
+        <p:spPr>
+          <a:xfrm>
+            <a:off x="748909" y="1402915"/>
+            <a:ext cx="0" cy="4692497"/>
+          </a:xfrm>
+          <a:prstGeom prst="line">
+            <a:avLst/>
+          </a:prstGeom>
+          <a:ln w="12700">
+            <a:prstDash val="dash"/>
+          </a:ln>
+        </p:spPr>
+        <p:style>
+          <a:lnRef idx="1">
+            <a:schemeClr val="accent1"/>
+          </a:lnRef>
+          <a:fillRef idx="0">
+            <a:schemeClr val="accent1"/>
+          </a:fillRef>
+          <a:effectRef idx="0">
+            <a:schemeClr val="accent1"/>
+          </a:effectRef>
+          <a:fontRef idx="minor">
+            <a:schemeClr val="tx1"/>
+          </a:fontRef>
+        </p:style>
+      </p:cxnSp>
+      <p:cxnSp>
+        <p:nvCxnSpPr>
+          <p:cNvPr id="25" name="Gerade Verbindung 24">
+            <a:extLst>
+              <a:ext uri="{FF2B5EF4-FFF2-40B4-BE49-F238E27FC236}">
+                <a16:creationId xmlns:a16="http://schemas.microsoft.com/office/drawing/2014/main" id="{DFF9DD18-D312-A13B-0124-018FD1C20D42}"/>
+              </a:ext>
+            </a:extLst>
+          </p:cNvPr>
+          <p:cNvCxnSpPr>
+            <a:cxnSpLocks/>
+          </p:cNvCxnSpPr>
+          <p:nvPr/>
+        </p:nvCxnSpPr>
+        <p:spPr>
+          <a:xfrm>
+            <a:off x="4934316" y="1313919"/>
+            <a:ext cx="0" cy="4781493"/>
+          </a:xfrm>
+          <a:prstGeom prst="line">
+            <a:avLst/>
+          </a:prstGeom>
+          <a:ln w="12700">
+            <a:prstDash val="dash"/>
+          </a:ln>
+        </p:spPr>
+        <p:style>
+          <a:lnRef idx="1">
+            <a:schemeClr val="accent1"/>
+          </a:lnRef>
+          <a:fillRef idx="0">
+            <a:schemeClr val="accent1"/>
+          </a:fillRef>
+          <a:effectRef idx="0">
+            <a:schemeClr val="accent1"/>
+          </a:effectRef>
+          <a:fontRef idx="minor">
+            <a:schemeClr val="tx1"/>
+          </a:fontRef>
+        </p:style>
+      </p:cxnSp>
       <p:sp>
         <p:nvSpPr>
           <p:cNvPr id="2" name="Titel 1">
             <a:extLst>
               <a:ext uri="{FF2B5EF4-FFF2-40B4-BE49-F238E27FC236}">
-                <a16:creationId xmlns:a16="http://schemas.microsoft.com/office/drawing/2014/main" id="{E425F142-2BD7-42F1-8947-6A18B9A6A999}"/>
+                <a16:creationId xmlns:a16="http://schemas.microsoft.com/office/drawing/2014/main" id="{788B8E25-60A3-D72A-1B5D-9A1DF9B41C75}"/>
               </a:ext>
             </a:extLst>
           </p:cNvPr>
@@ -13887,67 +12835,80 @@
           <a:p>
             <a:r>
               <a:rPr lang="en-US" dirty="0"/>
-              <a:t>Proposal Schedule Week 1</a:t>
-            </a:r>
-          </a:p>
-        </p:txBody>
-      </p:sp>
-      <p:pic>
-        <p:nvPicPr>
-          <p:cNvPr id="4" name="Grafik 3">
-            <a:extLst>
-              <a:ext uri="{FF2B5EF4-FFF2-40B4-BE49-F238E27FC236}">
-                <a16:creationId xmlns:a16="http://schemas.microsoft.com/office/drawing/2014/main" id="{DEC74382-2494-0B9B-6254-7CCF4219A3C7}"/>
-              </a:ext>
-            </a:extLst>
-          </p:cNvPr>
-          <p:cNvPicPr>
-            <a:picLocks noChangeAspect="1"/>
-          </p:cNvPicPr>
+              <a:t>Roadmap </a:t>
+            </a:r>
+            <a:r>
+              <a:rPr lang="en-US" dirty="0" err="1"/>
+              <a:t>WoT</a:t>
+            </a:r>
+            <a:r>
+              <a:rPr lang="en-US" dirty="0"/>
+              <a:t> 2.0 Deliverables (Draft)</a:t>
+            </a:r>
+          </a:p>
+        </p:txBody>
+      </p:sp>
+      <p:cxnSp>
+        <p:nvCxnSpPr>
+          <p:cNvPr id="5" name="Gerade Verbindung mit Pfeil 4">
+            <a:extLst>
+              <a:ext uri="{FF2B5EF4-FFF2-40B4-BE49-F238E27FC236}">
+                <a16:creationId xmlns:a16="http://schemas.microsoft.com/office/drawing/2014/main" id="{13D5A8CE-0EA3-A8BC-8A02-8FD69DE25DA4}"/>
+              </a:ext>
+            </a:extLst>
+          </p:cNvPr>
+          <p:cNvCxnSpPr>
+            <a:cxnSpLocks/>
+          </p:cNvCxnSpPr>
           <p:nvPr/>
-        </p:nvPicPr>
-        <p:blipFill>
-          <a:blip r:embed="rId2"/>
-          <a:stretch>
-            <a:fillRect/>
-          </a:stretch>
-        </p:blipFill>
-        <p:spPr>
-          <a:xfrm>
-            <a:off x="1032353" y="2039534"/>
-            <a:ext cx="9782987" cy="4286110"/>
+        </p:nvCxnSpPr>
+        <p:spPr>
+          <a:xfrm>
+            <a:off x="760288" y="5619961"/>
+            <a:ext cx="10222786" cy="0"/>
+          </a:xfrm>
+          <a:prstGeom prst="straightConnector1">
+            <a:avLst/>
+          </a:prstGeom>
+          <a:ln>
+            <a:tailEnd type="triangle"/>
+          </a:ln>
+        </p:spPr>
+        <p:style>
+          <a:lnRef idx="1">
+            <a:schemeClr val="accent1"/>
+          </a:lnRef>
+          <a:fillRef idx="0">
+            <a:schemeClr val="accent1"/>
+          </a:fillRef>
+          <a:effectRef idx="0">
+            <a:schemeClr val="accent1"/>
+          </a:effectRef>
+          <a:fontRef idx="minor">
+            <a:schemeClr val="tx1"/>
+          </a:fontRef>
+        </p:style>
+      </p:cxnSp>
+      <p:sp>
+        <p:nvSpPr>
+          <p:cNvPr id="7" name="Rechteck 6">
+            <a:extLst>
+              <a:ext uri="{FF2B5EF4-FFF2-40B4-BE49-F238E27FC236}">
+                <a16:creationId xmlns:a16="http://schemas.microsoft.com/office/drawing/2014/main" id="{AAAA95C5-5471-B46C-8712-73295967344E}"/>
+              </a:ext>
+            </a:extLst>
+          </p:cNvPr>
+          <p:cNvSpPr/>
+          <p:nvPr/>
+        </p:nvSpPr>
+        <p:spPr>
+          <a:xfrm>
+            <a:off x="760289" y="4888669"/>
+            <a:ext cx="5562322" cy="513708"/>
           </a:xfrm>
           <a:prstGeom prst="rect">
             <a:avLst/>
           </a:prstGeom>
-        </p:spPr>
-      </p:pic>
-      <p:sp>
-        <p:nvSpPr>
-          <p:cNvPr id="5" name="Rechteck 4">
-            <a:extLst>
-              <a:ext uri="{FF2B5EF4-FFF2-40B4-BE49-F238E27FC236}">
-                <a16:creationId xmlns:a16="http://schemas.microsoft.com/office/drawing/2014/main" id="{53B015B8-DA22-6EF0-C2BA-1E7422C08584}"/>
-              </a:ext>
-            </a:extLst>
-          </p:cNvPr>
-          <p:cNvSpPr/>
-          <p:nvPr/>
-        </p:nvSpPr>
-        <p:spPr>
-          <a:xfrm>
-            <a:off x="1954060" y="2868460"/>
-            <a:ext cx="8861279" cy="3457184"/>
-          </a:xfrm>
-          <a:prstGeom prst="rect">
-            <a:avLst/>
-          </a:prstGeom>
-          <a:solidFill>
-            <a:schemeClr val="bg1"/>
-          </a:solidFill>
-          <a:ln>
-            <a:noFill/>
-          </a:ln>
         </p:spPr>
         <p:style>
           <a:lnRef idx="2">
@@ -13986,29 +12947,49 @@
               <a:tabLst/>
               <a:defRPr/>
             </a:pPr>
-            <a:endParaRPr kumimoji="0" lang="en-US" sz="1800" b="0" i="0" u="none" strike="noStrike" kern="1200" cap="none" spc="0" normalizeH="0" baseline="0" noProof="0">
-              <a:ln>
-                <a:noFill/>
-              </a:ln>
-              <a:solidFill>
-                <a:prstClr val="white"/>
-              </a:solidFill>
-              <a:effectLst/>
-              <a:uLnTx/>
-              <a:uFillTx/>
-              <a:latin typeface="Calibri" panose="020F0502020204030204"/>
-              <a:ea typeface="+mn-ea"/>
-              <a:cs typeface="+mn-cs"/>
-            </a:endParaRPr>
-          </a:p>
-        </p:txBody>
-      </p:sp>
-      <p:sp>
-        <p:nvSpPr>
-          <p:cNvPr id="6" name="Rechteck 5">
-            <a:extLst>
-              <a:ext uri="{FF2B5EF4-FFF2-40B4-BE49-F238E27FC236}">
-                <a16:creationId xmlns:a16="http://schemas.microsoft.com/office/drawing/2014/main" id="{827DA366-E3F3-8C22-C8C7-1EC7F1A668A7}"/>
+            <a:r>
+              <a:rPr kumimoji="0" lang="en-US" sz="1800" b="0" i="0" u="none" strike="noStrike" kern="1200" cap="none" spc="0" normalizeH="0" baseline="0" noProof="0" dirty="0" err="1">
+                <a:ln>
+                  <a:noFill/>
+                </a:ln>
+                <a:solidFill>
+                  <a:prstClr val="white"/>
+                </a:solidFill>
+                <a:effectLst/>
+                <a:uLnTx/>
+                <a:uFillTx/>
+                <a:latin typeface="Calibri" panose="020F0502020204030204"/>
+                <a:ea typeface="+mn-ea"/>
+                <a:cs typeface="+mn-cs"/>
+              </a:rPr>
+              <a:t>WoT</a:t>
+            </a:r>
+            <a:r>
+              <a:rPr kumimoji="0" lang="en-US" sz="1800" b="0" i="0" u="none" strike="noStrike" kern="1200" cap="none" spc="0" normalizeH="0" baseline="0" noProof="0" dirty="0">
+                <a:ln>
+                  <a:noFill/>
+                </a:ln>
+                <a:solidFill>
+                  <a:prstClr val="white"/>
+                </a:solidFill>
+                <a:effectLst/>
+                <a:uLnTx/>
+                <a:uFillTx/>
+                <a:latin typeface="Calibri" panose="020F0502020204030204"/>
+                <a:ea typeface="+mn-ea"/>
+                <a:cs typeface="+mn-cs"/>
+              </a:rPr>
+              <a:t> Thing Description 2.0</a:t>
+            </a:r>
+          </a:p>
+        </p:txBody>
+      </p:sp>
+      <p:sp>
+        <p:nvSpPr>
+          <p:cNvPr id="9" name="Rechteck 8">
+            <a:extLst>
+              <a:ext uri="{FF2B5EF4-FFF2-40B4-BE49-F238E27FC236}">
+                <a16:creationId xmlns:a16="http://schemas.microsoft.com/office/drawing/2014/main" id="{DE4FCA72-B10B-1D02-D6A3-463769A9E42B}"/>
               </a:ext>
             </a:extLst>
           </p:cNvPr>
@@ -14017,12 +12998,20 @@
         </p:nvSpPr>
         <p:spPr>
           <a:xfrm>
-            <a:off x="3507288" y="3745282"/>
-            <a:ext cx="1490597" cy="563671"/>
+            <a:off x="746359" y="2855690"/>
+            <a:ext cx="2960403" cy="472611"/>
           </a:xfrm>
           <a:prstGeom prst="rect">
             <a:avLst/>
           </a:prstGeom>
+          <a:solidFill>
+            <a:srgbClr val="FFC000"/>
+          </a:solidFill>
+          <a:ln w="63500">
+            <a:solidFill>
+              <a:srgbClr val="00B050"/>
+            </a:solidFill>
+          </a:ln>
         </p:spPr>
         <p:style>
           <a:lnRef idx="2">
@@ -14076,34 +13065,324 @@
                 <a:ea typeface="+mn-ea"/>
                 <a:cs typeface="+mn-cs"/>
               </a:rPr>
-              <a:t>TD 2.0</a:t>
-            </a:r>
-          </a:p>
-        </p:txBody>
-      </p:sp>
-      <p:sp>
-        <p:nvSpPr>
-          <p:cNvPr id="7" name="Rechteck 6">
-            <a:extLst>
-              <a:ext uri="{FF2B5EF4-FFF2-40B4-BE49-F238E27FC236}">
-                <a16:creationId xmlns:a16="http://schemas.microsoft.com/office/drawing/2014/main" id="{3EB0A2DD-007E-61A4-FA88-0207E13590CE}"/>
-              </a:ext>
-            </a:extLst>
-          </p:cNvPr>
-          <p:cNvSpPr/>
+              <a:t>OPC UA Binding</a:t>
+            </a:r>
+          </a:p>
+        </p:txBody>
+      </p:sp>
+      <p:sp>
+        <p:nvSpPr>
+          <p:cNvPr id="10" name="Textfeld 9">
+            <a:extLst>
+              <a:ext uri="{FF2B5EF4-FFF2-40B4-BE49-F238E27FC236}">
+                <a16:creationId xmlns:a16="http://schemas.microsoft.com/office/drawing/2014/main" id="{CE5A8601-BF8F-9AF2-810F-6496066E4ECB}"/>
+              </a:ext>
+            </a:extLst>
+          </p:cNvPr>
+          <p:cNvSpPr txBox="1"/>
           <p:nvPr/>
         </p:nvSpPr>
         <p:spPr>
           <a:xfrm>
-            <a:off x="3507287" y="4375963"/>
-            <a:ext cx="1490597" cy="563671"/>
+            <a:off x="296824" y="6101018"/>
+            <a:ext cx="1365567" cy="646331"/>
           </a:xfrm>
           <a:prstGeom prst="rect">
             <a:avLst/>
           </a:prstGeom>
-          <a:solidFill>
-            <a:srgbClr val="FFC000"/>
-          </a:solidFill>
+          <a:noFill/>
+        </p:spPr>
+        <p:txBody>
+          <a:bodyPr wrap="none" rtlCol="0">
+            <a:spAutoFit/>
+          </a:bodyPr>
+          <a:lstStyle/>
+          <a:p>
+            <a:pPr marL="0" marR="0" lvl="0" indent="0" algn="l" defTabSz="914400" rtl="0" eaLnBrk="1" fontAlgn="auto" latinLnBrk="0" hangingPunct="1">
+              <a:lnSpc>
+                <a:spcPct val="100000"/>
+              </a:lnSpc>
+              <a:spcBef>
+                <a:spcPts val="0"/>
+              </a:spcBef>
+              <a:spcAft>
+                <a:spcPts val="0"/>
+              </a:spcAft>
+              <a:buClrTx/>
+              <a:buSzTx/>
+              <a:buFontTx/>
+              <a:buNone/>
+              <a:tabLst/>
+              <a:defRPr/>
+            </a:pPr>
+            <a:r>
+              <a:rPr kumimoji="0" lang="en-US" sz="1800" b="0" i="0" u="none" strike="noStrike" kern="1200" cap="none" spc="0" normalizeH="0" baseline="0" noProof="0" dirty="0">
+                <a:ln>
+                  <a:noFill/>
+                </a:ln>
+                <a:solidFill>
+                  <a:prstClr val="black"/>
+                </a:solidFill>
+                <a:effectLst/>
+                <a:uLnTx/>
+                <a:uFillTx/>
+                <a:latin typeface="Calibri" panose="020F0502020204030204"/>
+                <a:ea typeface="+mn-ea"/>
+                <a:cs typeface="+mn-cs"/>
+              </a:rPr>
+              <a:t>Start charter</a:t>
+            </a:r>
+            <a:br>
+              <a:rPr kumimoji="0" lang="en-US" sz="1800" b="0" i="0" u="none" strike="noStrike" kern="1200" cap="none" spc="0" normalizeH="0" baseline="0" noProof="0" dirty="0">
+                <a:ln>
+                  <a:noFill/>
+                </a:ln>
+                <a:solidFill>
+                  <a:prstClr val="black"/>
+                </a:solidFill>
+                <a:effectLst/>
+                <a:uLnTx/>
+                <a:uFillTx/>
+                <a:latin typeface="Calibri" panose="020F0502020204030204"/>
+                <a:ea typeface="+mn-ea"/>
+                <a:cs typeface="+mn-cs"/>
+              </a:rPr>
+            </a:br>
+            <a:r>
+              <a:rPr kumimoji="0" lang="en-US" sz="1800" b="0" i="0" u="none" strike="noStrike" kern="1200" cap="none" spc="0" normalizeH="0" baseline="0" noProof="0" dirty="0">
+                <a:ln>
+                  <a:noFill/>
+                </a:ln>
+                <a:solidFill>
+                  <a:prstClr val="black"/>
+                </a:solidFill>
+                <a:effectLst/>
+                <a:uLnTx/>
+                <a:uFillTx/>
+                <a:latin typeface="Calibri" panose="020F0502020204030204"/>
+                <a:ea typeface="+mn-ea"/>
+                <a:cs typeface="+mn-cs"/>
+              </a:rPr>
+              <a:t>Q3 2023</a:t>
+            </a:r>
+          </a:p>
+        </p:txBody>
+      </p:sp>
+      <p:sp>
+        <p:nvSpPr>
+          <p:cNvPr id="11" name="Textfeld 10">
+            <a:extLst>
+              <a:ext uri="{FF2B5EF4-FFF2-40B4-BE49-F238E27FC236}">
+                <a16:creationId xmlns:a16="http://schemas.microsoft.com/office/drawing/2014/main" id="{79C90D26-D8C5-F3D4-9C95-30F69A86CF11}"/>
+              </a:ext>
+            </a:extLst>
+          </p:cNvPr>
+          <p:cNvSpPr txBox="1"/>
+          <p:nvPr/>
+        </p:nvSpPr>
+        <p:spPr>
+          <a:xfrm>
+            <a:off x="4374155" y="6101018"/>
+            <a:ext cx="978153" cy="369332"/>
+          </a:xfrm>
+          <a:prstGeom prst="rect">
+            <a:avLst/>
+          </a:prstGeom>
+          <a:noFill/>
+        </p:spPr>
+        <p:txBody>
+          <a:bodyPr wrap="none" rtlCol="0">
+            <a:spAutoFit/>
+          </a:bodyPr>
+          <a:lstStyle/>
+          <a:p>
+            <a:pPr marL="0" marR="0" lvl="0" indent="0" algn="l" defTabSz="914400" rtl="0" eaLnBrk="1" fontAlgn="auto" latinLnBrk="0" hangingPunct="1">
+              <a:lnSpc>
+                <a:spcPct val="100000"/>
+              </a:lnSpc>
+              <a:spcBef>
+                <a:spcPts val="0"/>
+              </a:spcBef>
+              <a:spcAft>
+                <a:spcPts val="0"/>
+              </a:spcAft>
+              <a:buClrTx/>
+              <a:buSzTx/>
+              <a:buFontTx/>
+              <a:buNone/>
+              <a:tabLst/>
+              <a:defRPr/>
+            </a:pPr>
+            <a:r>
+              <a:rPr kumimoji="0" lang="en-US" sz="1800" b="0" i="0" u="none" strike="noStrike" kern="1200" cap="none" spc="0" normalizeH="0" baseline="0" noProof="0" dirty="0">
+                <a:ln>
+                  <a:noFill/>
+                </a:ln>
+                <a:solidFill>
+                  <a:prstClr val="black"/>
+                </a:solidFill>
+                <a:effectLst/>
+                <a:uLnTx/>
+                <a:uFillTx/>
+                <a:latin typeface="Calibri" panose="020F0502020204030204"/>
+                <a:ea typeface="+mn-ea"/>
+                <a:cs typeface="+mn-cs"/>
+              </a:rPr>
+              <a:t>Q3 2024</a:t>
+            </a:r>
+          </a:p>
+        </p:txBody>
+      </p:sp>
+      <p:sp>
+        <p:nvSpPr>
+          <p:cNvPr id="12" name="Textfeld 11">
+            <a:extLst>
+              <a:ext uri="{FF2B5EF4-FFF2-40B4-BE49-F238E27FC236}">
+                <a16:creationId xmlns:a16="http://schemas.microsoft.com/office/drawing/2014/main" id="{97E1D9C7-F7DF-9749-5781-47E9944BD409}"/>
+              </a:ext>
+            </a:extLst>
+          </p:cNvPr>
+          <p:cNvSpPr txBox="1"/>
+          <p:nvPr/>
+        </p:nvSpPr>
+        <p:spPr>
+          <a:xfrm>
+            <a:off x="5871681" y="6095412"/>
+            <a:ext cx="1061509" cy="369332"/>
+          </a:xfrm>
+          <a:prstGeom prst="rect">
+            <a:avLst/>
+          </a:prstGeom>
+          <a:noFill/>
+        </p:spPr>
+        <p:txBody>
+          <a:bodyPr wrap="none" rtlCol="0">
+            <a:spAutoFit/>
+          </a:bodyPr>
+          <a:lstStyle/>
+          <a:p>
+            <a:pPr marL="0" marR="0" lvl="0" indent="0" algn="l" defTabSz="914400" rtl="0" eaLnBrk="1" fontAlgn="auto" latinLnBrk="0" hangingPunct="1">
+              <a:lnSpc>
+                <a:spcPct val="100000"/>
+              </a:lnSpc>
+              <a:spcBef>
+                <a:spcPts val="0"/>
+              </a:spcBef>
+              <a:spcAft>
+                <a:spcPts val="0"/>
+              </a:spcAft>
+              <a:buClrTx/>
+              <a:buSzTx/>
+              <a:buFontTx/>
+              <a:buNone/>
+              <a:tabLst/>
+              <a:defRPr/>
+            </a:pPr>
+            <a:r>
+              <a:rPr kumimoji="0" lang="en-US" sz="1800" b="0" i="0" u="none" strike="noStrike" kern="1200" cap="none" spc="0" normalizeH="0" baseline="0" noProof="0" dirty="0">
+                <a:ln>
+                  <a:noFill/>
+                </a:ln>
+                <a:solidFill>
+                  <a:prstClr val="black"/>
+                </a:solidFill>
+                <a:effectLst/>
+                <a:uLnTx/>
+                <a:uFillTx/>
+                <a:latin typeface="Calibri" panose="020F0502020204030204"/>
+                <a:ea typeface="+mn-ea"/>
+                <a:cs typeface="+mn-cs"/>
+              </a:rPr>
+              <a:t>End 2024</a:t>
+            </a:r>
+          </a:p>
+        </p:txBody>
+      </p:sp>
+      <p:sp>
+        <p:nvSpPr>
+          <p:cNvPr id="13" name="Textfeld 12">
+            <a:extLst>
+              <a:ext uri="{FF2B5EF4-FFF2-40B4-BE49-F238E27FC236}">
+                <a16:creationId xmlns:a16="http://schemas.microsoft.com/office/drawing/2014/main" id="{8EF98922-392F-14A6-A129-4E6431B15DB9}"/>
+              </a:ext>
+            </a:extLst>
+          </p:cNvPr>
+          <p:cNvSpPr txBox="1"/>
+          <p:nvPr/>
+        </p:nvSpPr>
+        <p:spPr>
+          <a:xfrm>
+            <a:off x="2919577" y="6084200"/>
+            <a:ext cx="978153" cy="369332"/>
+          </a:xfrm>
+          <a:prstGeom prst="rect">
+            <a:avLst/>
+          </a:prstGeom>
+          <a:noFill/>
+        </p:spPr>
+        <p:txBody>
+          <a:bodyPr wrap="none" rtlCol="0">
+            <a:spAutoFit/>
+          </a:bodyPr>
+          <a:lstStyle/>
+          <a:p>
+            <a:pPr marL="0" marR="0" lvl="0" indent="0" algn="l" defTabSz="914400" rtl="0" eaLnBrk="1" fontAlgn="auto" latinLnBrk="0" hangingPunct="1">
+              <a:lnSpc>
+                <a:spcPct val="100000"/>
+              </a:lnSpc>
+              <a:spcBef>
+                <a:spcPts val="0"/>
+              </a:spcBef>
+              <a:spcAft>
+                <a:spcPts val="0"/>
+              </a:spcAft>
+              <a:buClrTx/>
+              <a:buSzTx/>
+              <a:buFontTx/>
+              <a:buNone/>
+              <a:tabLst/>
+              <a:defRPr/>
+            </a:pPr>
+            <a:r>
+              <a:rPr kumimoji="0" lang="en-US" sz="1800" b="0" i="0" u="none" strike="noStrike" kern="1200" cap="none" spc="0" normalizeH="0" baseline="0" noProof="0" dirty="0">
+                <a:ln>
+                  <a:noFill/>
+                </a:ln>
+                <a:solidFill>
+                  <a:prstClr val="black"/>
+                </a:solidFill>
+                <a:effectLst/>
+                <a:uLnTx/>
+                <a:uFillTx/>
+                <a:latin typeface="Calibri" panose="020F0502020204030204"/>
+                <a:ea typeface="+mn-ea"/>
+                <a:cs typeface="+mn-cs"/>
+              </a:rPr>
+              <a:t>Q1 2024</a:t>
+            </a:r>
+          </a:p>
+        </p:txBody>
+      </p:sp>
+      <p:sp>
+        <p:nvSpPr>
+          <p:cNvPr id="24" name="Rechteck 23">
+            <a:extLst>
+              <a:ext uri="{FF2B5EF4-FFF2-40B4-BE49-F238E27FC236}">
+                <a16:creationId xmlns:a16="http://schemas.microsoft.com/office/drawing/2014/main" id="{0D6FBAC2-D3D4-7A86-3690-BD718B53E09E}"/>
+              </a:ext>
+            </a:extLst>
+          </p:cNvPr>
+          <p:cNvSpPr/>
+          <p:nvPr/>
+        </p:nvSpPr>
+        <p:spPr>
+          <a:xfrm>
+            <a:off x="4920851" y="4239642"/>
+            <a:ext cx="4084423" cy="513708"/>
+          </a:xfrm>
+          <a:prstGeom prst="rect">
+            <a:avLst/>
+          </a:prstGeom>
         </p:spPr>
         <p:style>
           <a:lnRef idx="2">
@@ -14143,6 +13422,23 @@
               <a:defRPr/>
             </a:pPr>
             <a:r>
+              <a:rPr kumimoji="0" lang="en-US" sz="1800" b="0" i="0" u="none" strike="noStrike" kern="1200" cap="none" spc="0" normalizeH="0" baseline="0" noProof="0" dirty="0" err="1">
+                <a:ln>
+                  <a:noFill/>
+                </a:ln>
+                <a:solidFill>
+                  <a:prstClr val="white"/>
+                </a:solidFill>
+                <a:effectLst/>
+                <a:uLnTx/>
+                <a:uFillTx/>
+                <a:latin typeface="Calibri" panose="020F0502020204030204"/>
+                <a:ea typeface="+mn-ea"/>
+                <a:cs typeface="+mn-cs"/>
+              </a:rPr>
+              <a:t>WoT</a:t>
+            </a:r>
+            <a:r>
               <a:rPr kumimoji="0" lang="en-US" sz="1800" b="0" i="0" u="none" strike="noStrike" kern="1200" cap="none" spc="0" normalizeH="0" baseline="0" noProof="0" dirty="0">
                 <a:ln>
                   <a:noFill/>
@@ -14157,17 +13453,156 @@
                 <a:ea typeface="+mn-ea"/>
                 <a:cs typeface="+mn-cs"/>
               </a:rPr>
-              <a:t>Main</a:t>
-            </a:r>
-          </a:p>
-        </p:txBody>
-      </p:sp>
-      <p:sp>
-        <p:nvSpPr>
-          <p:cNvPr id="8" name="Rechteck 7">
-            <a:extLst>
-              <a:ext uri="{FF2B5EF4-FFF2-40B4-BE49-F238E27FC236}">
-                <a16:creationId xmlns:a16="http://schemas.microsoft.com/office/drawing/2014/main" id="{8D236083-C461-1137-82B6-810952C2C169}"/>
+              <a:t> Discovery 2.0</a:t>
+            </a:r>
+          </a:p>
+        </p:txBody>
+      </p:sp>
+      <p:cxnSp>
+        <p:nvCxnSpPr>
+          <p:cNvPr id="26" name="Gerade Verbindung 25">
+            <a:extLst>
+              <a:ext uri="{FF2B5EF4-FFF2-40B4-BE49-F238E27FC236}">
+                <a16:creationId xmlns:a16="http://schemas.microsoft.com/office/drawing/2014/main" id="{5E38AC99-87FA-9814-7EF1-C0EECBB0350E}"/>
+              </a:ext>
+            </a:extLst>
+          </p:cNvPr>
+          <p:cNvCxnSpPr>
+            <a:cxnSpLocks/>
+          </p:cNvCxnSpPr>
+          <p:nvPr/>
+        </p:nvCxnSpPr>
+        <p:spPr>
+          <a:xfrm>
+            <a:off x="9030788" y="1292267"/>
+            <a:ext cx="0" cy="4781493"/>
+          </a:xfrm>
+          <a:prstGeom prst="line">
+            <a:avLst/>
+          </a:prstGeom>
+          <a:ln w="12700">
+            <a:prstDash val="dash"/>
+          </a:ln>
+        </p:spPr>
+        <p:style>
+          <a:lnRef idx="1">
+            <a:schemeClr val="accent1"/>
+          </a:lnRef>
+          <a:fillRef idx="0">
+            <a:schemeClr val="accent1"/>
+          </a:fillRef>
+          <a:effectRef idx="0">
+            <a:schemeClr val="accent1"/>
+          </a:effectRef>
+          <a:fontRef idx="minor">
+            <a:schemeClr val="tx1"/>
+          </a:fontRef>
+        </p:style>
+      </p:cxnSp>
+      <p:sp>
+        <p:nvSpPr>
+          <p:cNvPr id="27" name="Textfeld 26">
+            <a:extLst>
+              <a:ext uri="{FF2B5EF4-FFF2-40B4-BE49-F238E27FC236}">
+                <a16:creationId xmlns:a16="http://schemas.microsoft.com/office/drawing/2014/main" id="{BE1B71BC-C9DD-8DC6-3F0B-2147B554A757}"/>
+              </a:ext>
+            </a:extLst>
+          </p:cNvPr>
+          <p:cNvSpPr txBox="1"/>
+          <p:nvPr/>
+        </p:nvSpPr>
+        <p:spPr>
+          <a:xfrm>
+            <a:off x="8470627" y="6079366"/>
+            <a:ext cx="1273810" cy="646331"/>
+          </a:xfrm>
+          <a:prstGeom prst="rect">
+            <a:avLst/>
+          </a:prstGeom>
+          <a:noFill/>
+        </p:spPr>
+        <p:txBody>
+          <a:bodyPr wrap="none" rtlCol="0">
+            <a:spAutoFit/>
+          </a:bodyPr>
+          <a:lstStyle/>
+          <a:p>
+            <a:pPr marL="0" marR="0" lvl="0" indent="0" algn="l" defTabSz="914400" rtl="0" eaLnBrk="1" fontAlgn="auto" latinLnBrk="0" hangingPunct="1">
+              <a:lnSpc>
+                <a:spcPct val="100000"/>
+              </a:lnSpc>
+              <a:spcBef>
+                <a:spcPts val="0"/>
+              </a:spcBef>
+              <a:spcAft>
+                <a:spcPts val="0"/>
+              </a:spcAft>
+              <a:buClrTx/>
+              <a:buSzTx/>
+              <a:buFontTx/>
+              <a:buNone/>
+              <a:tabLst/>
+              <a:defRPr/>
+            </a:pPr>
+            <a:r>
+              <a:rPr kumimoji="0" lang="en-US" sz="1800" b="0" i="0" u="none" strike="noStrike" kern="1200" cap="none" spc="0" normalizeH="0" baseline="0" noProof="0" dirty="0">
+                <a:ln>
+                  <a:noFill/>
+                </a:ln>
+                <a:solidFill>
+                  <a:prstClr val="black"/>
+                </a:solidFill>
+                <a:effectLst/>
+                <a:uLnTx/>
+                <a:uFillTx/>
+                <a:latin typeface="Calibri" panose="020F0502020204030204"/>
+                <a:ea typeface="+mn-ea"/>
+                <a:cs typeface="+mn-cs"/>
+              </a:rPr>
+              <a:t>End charter</a:t>
+            </a:r>
+            <a:br>
+              <a:rPr kumimoji="0" lang="en-US" sz="1800" b="0" i="0" u="none" strike="noStrike" kern="1200" cap="none" spc="0" normalizeH="0" baseline="0" noProof="0" dirty="0">
+                <a:ln>
+                  <a:noFill/>
+                </a:ln>
+                <a:solidFill>
+                  <a:prstClr val="black"/>
+                </a:solidFill>
+                <a:effectLst/>
+                <a:uLnTx/>
+                <a:uFillTx/>
+                <a:latin typeface="Calibri" panose="020F0502020204030204"/>
+                <a:ea typeface="+mn-ea"/>
+                <a:cs typeface="+mn-cs"/>
+              </a:rPr>
+            </a:br>
+            <a:r>
+              <a:rPr kumimoji="0" lang="en-US" sz="1800" b="0" i="0" u="none" strike="noStrike" kern="1200" cap="none" spc="0" normalizeH="0" baseline="0" noProof="0" dirty="0">
+                <a:ln>
+                  <a:noFill/>
+                </a:ln>
+                <a:solidFill>
+                  <a:prstClr val="black"/>
+                </a:solidFill>
+                <a:effectLst/>
+                <a:uLnTx/>
+                <a:uFillTx/>
+                <a:latin typeface="Calibri" panose="020F0502020204030204"/>
+                <a:ea typeface="+mn-ea"/>
+                <a:cs typeface="+mn-cs"/>
+              </a:rPr>
+              <a:t>Q3 2025</a:t>
+            </a:r>
+          </a:p>
+        </p:txBody>
+      </p:sp>
+      <p:sp>
+        <p:nvSpPr>
+          <p:cNvPr id="28" name="Rechteck 27">
+            <a:extLst>
+              <a:ext uri="{FF2B5EF4-FFF2-40B4-BE49-F238E27FC236}">
+                <a16:creationId xmlns:a16="http://schemas.microsoft.com/office/drawing/2014/main" id="{A32E2F57-EB0A-1568-E696-BC4188A1DF33}"/>
               </a:ext>
             </a:extLst>
           </p:cNvPr>
@@ -14176,8 +13611,8 @@
         </p:nvSpPr>
         <p:spPr>
           <a:xfrm>
-            <a:off x="5060516" y="3745282"/>
-            <a:ext cx="1490597" cy="563671"/>
+            <a:off x="6322611" y="3607992"/>
+            <a:ext cx="2720224" cy="472611"/>
           </a:xfrm>
           <a:prstGeom prst="rect">
             <a:avLst/>
@@ -14224,6 +13659,23 @@
               <a:defRPr/>
             </a:pPr>
             <a:r>
+              <a:rPr kumimoji="0" lang="en-US" sz="1800" b="0" i="0" u="none" strike="noStrike" kern="1200" cap="none" spc="0" normalizeH="0" baseline="0" noProof="0" dirty="0" err="1">
+                <a:ln>
+                  <a:noFill/>
+                </a:ln>
+                <a:solidFill>
+                  <a:prstClr val="white"/>
+                </a:solidFill>
+                <a:effectLst/>
+                <a:uLnTx/>
+                <a:uFillTx/>
+                <a:latin typeface="Calibri" panose="020F0502020204030204"/>
+                <a:ea typeface="+mn-ea"/>
+                <a:cs typeface="+mn-cs"/>
+              </a:rPr>
+              <a:t>WoT</a:t>
+            </a:r>
+            <a:r>
               <a:rPr kumimoji="0" lang="en-US" sz="1800" b="0" i="0" u="none" strike="noStrike" kern="1200" cap="none" spc="0" normalizeH="0" baseline="0" noProof="0" dirty="0">
                 <a:ln>
                   <a:noFill/>
@@ -14238,17 +13690,17 @@
                 <a:ea typeface="+mn-ea"/>
                 <a:cs typeface="+mn-cs"/>
               </a:rPr>
-              <a:t>Binding Call</a:t>
-            </a:r>
-          </a:p>
-        </p:txBody>
-      </p:sp>
-      <p:sp>
-        <p:nvSpPr>
-          <p:cNvPr id="9" name="Rechteck 8">
-            <a:extLst>
-              <a:ext uri="{FF2B5EF4-FFF2-40B4-BE49-F238E27FC236}">
-                <a16:creationId xmlns:a16="http://schemas.microsoft.com/office/drawing/2014/main" id="{A9F5852E-F489-4F63-94D8-7BB18AEBFC76}"/>
+              <a:t> Architecture</a:t>
+            </a:r>
+          </a:p>
+        </p:txBody>
+      </p:sp>
+      <p:sp>
+        <p:nvSpPr>
+          <p:cNvPr id="29" name="Rechteck 28">
+            <a:extLst>
+              <a:ext uri="{FF2B5EF4-FFF2-40B4-BE49-F238E27FC236}">
+                <a16:creationId xmlns:a16="http://schemas.microsoft.com/office/drawing/2014/main" id="{C2F108B9-7602-9486-A2A5-E8BDE3AC0448}"/>
               </a:ext>
             </a:extLst>
           </p:cNvPr>
@@ -14257,14 +13709,14 @@
         </p:nvSpPr>
         <p:spPr>
           <a:xfrm>
-            <a:off x="2054268" y="4375962"/>
-            <a:ext cx="1363249" cy="563671"/>
+            <a:off x="760288" y="4273242"/>
+            <a:ext cx="1851016" cy="472611"/>
           </a:xfrm>
           <a:prstGeom prst="rect">
             <a:avLst/>
           </a:prstGeom>
           <a:solidFill>
-            <a:srgbClr val="FF0000"/>
+            <a:srgbClr val="FFC000"/>
           </a:solidFill>
         </p:spPr>
         <p:style>
@@ -14305,6 +13757,23 @@
               <a:defRPr/>
             </a:pPr>
             <a:r>
+              <a:rPr kumimoji="0" lang="en-US" sz="1800" b="0" i="0" u="none" strike="noStrike" kern="1200" cap="none" spc="0" normalizeH="0" baseline="0" noProof="0" dirty="0" err="1">
+                <a:ln>
+                  <a:noFill/>
+                </a:ln>
+                <a:solidFill>
+                  <a:prstClr val="white"/>
+                </a:solidFill>
+                <a:effectLst/>
+                <a:uLnTx/>
+                <a:uFillTx/>
+                <a:latin typeface="Calibri" panose="020F0502020204030204"/>
+                <a:ea typeface="+mn-ea"/>
+                <a:cs typeface="+mn-cs"/>
+              </a:rPr>
+              <a:t>WoT</a:t>
+            </a:r>
+            <a:r>
               <a:rPr kumimoji="0" lang="en-US" sz="1800" b="0" i="0" u="none" strike="noStrike" kern="1200" cap="none" spc="0" normalizeH="0" baseline="0" noProof="0" dirty="0">
                 <a:ln>
                   <a:noFill/>
@@ -14319,17 +13788,17 @@
                 <a:ea typeface="+mn-ea"/>
                 <a:cs typeface="+mn-cs"/>
               </a:rPr>
-              <a:t>Chairs</a:t>
-            </a:r>
-          </a:p>
-        </p:txBody>
-      </p:sp>
-      <p:sp>
-        <p:nvSpPr>
-          <p:cNvPr id="10" name="Rechteck 9">
-            <a:extLst>
-              <a:ext uri="{FF2B5EF4-FFF2-40B4-BE49-F238E27FC236}">
-                <a16:creationId xmlns:a16="http://schemas.microsoft.com/office/drawing/2014/main" id="{74D29720-E4F9-DB44-DF75-17BEAAA13A13}"/>
+              <a:t> Profile 1.0?</a:t>
+            </a:r>
+          </a:p>
+        </p:txBody>
+      </p:sp>
+      <p:sp>
+        <p:nvSpPr>
+          <p:cNvPr id="30" name="Rechteck 29">
+            <a:extLst>
+              <a:ext uri="{FF2B5EF4-FFF2-40B4-BE49-F238E27FC236}">
+                <a16:creationId xmlns:a16="http://schemas.microsoft.com/office/drawing/2014/main" id="{166B103D-81AB-D42A-0C3C-DD2FD8F2AE7A}"/>
               </a:ext>
             </a:extLst>
           </p:cNvPr>
@@ -14338,8 +13807,8 @@
         </p:nvSpPr>
         <p:spPr>
           <a:xfrm>
-            <a:off x="10697290" y="5137736"/>
-            <a:ext cx="1039756" cy="395580"/>
+            <a:off x="10221251" y="841309"/>
+            <a:ext cx="1514343" cy="395580"/>
           </a:xfrm>
           <a:prstGeom prst="rect">
             <a:avLst/>
@@ -14404,10 +13873,10 @@
       </p:sp>
       <p:sp>
         <p:nvSpPr>
-          <p:cNvPr id="11" name="Rechteck 10">
-            <a:extLst>
-              <a:ext uri="{FF2B5EF4-FFF2-40B4-BE49-F238E27FC236}">
-                <a16:creationId xmlns:a16="http://schemas.microsoft.com/office/drawing/2014/main" id="{2EF67DE7-EA62-6CFC-5CE4-6CCFECC15813}"/>
+          <p:cNvPr id="31" name="Rechteck 30">
+            <a:extLst>
+              <a:ext uri="{FF2B5EF4-FFF2-40B4-BE49-F238E27FC236}">
+                <a16:creationId xmlns:a16="http://schemas.microsoft.com/office/drawing/2014/main" id="{1E3618A0-1A21-6EB1-0252-1BFE1FD5DBC2}"/>
               </a:ext>
             </a:extLst>
           </p:cNvPr>
@@ -14416,8 +13885,8 @@
         </p:nvSpPr>
         <p:spPr>
           <a:xfrm>
-            <a:off x="10694737" y="5623905"/>
-            <a:ext cx="1039756" cy="385595"/>
+            <a:off x="10221252" y="1327478"/>
+            <a:ext cx="1514343" cy="385595"/>
           </a:xfrm>
           <a:prstGeom prst="rect">
             <a:avLst/>
@@ -14483,10 +13952,1396 @@
           </a:p>
         </p:txBody>
       </p:sp>
+      <p:sp>
+        <p:nvSpPr>
+          <p:cNvPr id="32" name="Rechteck 31">
+            <a:extLst>
+              <a:ext uri="{FF2B5EF4-FFF2-40B4-BE49-F238E27FC236}">
+                <a16:creationId xmlns:a16="http://schemas.microsoft.com/office/drawing/2014/main" id="{DAA73720-1C39-F6AB-6846-EC7E0F3D7E68}"/>
+              </a:ext>
+            </a:extLst>
+          </p:cNvPr>
+          <p:cNvSpPr/>
+          <p:nvPr/>
+        </p:nvSpPr>
+        <p:spPr>
+          <a:xfrm>
+            <a:off x="5686832" y="1496015"/>
+            <a:ext cx="3339779" cy="472611"/>
+          </a:xfrm>
+          <a:prstGeom prst="rect">
+            <a:avLst/>
+          </a:prstGeom>
+          <a:solidFill>
+            <a:srgbClr val="FFC000"/>
+          </a:solidFill>
+        </p:spPr>
+        <p:style>
+          <a:lnRef idx="2">
+            <a:schemeClr val="accent1">
+              <a:shade val="50000"/>
+            </a:schemeClr>
+          </a:lnRef>
+          <a:fillRef idx="1">
+            <a:schemeClr val="accent1"/>
+          </a:fillRef>
+          <a:effectRef idx="0">
+            <a:schemeClr val="accent1"/>
+          </a:effectRef>
+          <a:fontRef idx="minor">
+            <a:schemeClr val="lt1"/>
+          </a:fontRef>
+        </p:style>
+        <p:txBody>
+          <a:bodyPr rtlCol="0" anchor="ctr"/>
+          <a:lstStyle/>
+          <a:p>
+            <a:pPr marL="0" marR="0" lvl="0" indent="0" algn="ctr" defTabSz="914400" rtl="0" eaLnBrk="1" fontAlgn="auto" latinLnBrk="0" hangingPunct="1">
+              <a:lnSpc>
+                <a:spcPct val="100000"/>
+              </a:lnSpc>
+              <a:spcBef>
+                <a:spcPts val="0"/>
+              </a:spcBef>
+              <a:spcAft>
+                <a:spcPts val="0"/>
+              </a:spcAft>
+              <a:buClrTx/>
+              <a:buSzTx/>
+              <a:buFontTx/>
+              <a:buNone/>
+              <a:tabLst/>
+              <a:defRPr/>
+            </a:pPr>
+            <a:r>
+              <a:rPr kumimoji="0" lang="en-US" sz="1800" b="0" i="0" u="none" strike="noStrike" kern="1200" cap="none" spc="0" normalizeH="0" baseline="0" noProof="0" dirty="0" err="1">
+                <a:ln>
+                  <a:noFill/>
+                </a:ln>
+                <a:solidFill>
+                  <a:prstClr val="white"/>
+                </a:solidFill>
+                <a:effectLst/>
+                <a:uLnTx/>
+                <a:uFillTx/>
+                <a:latin typeface="Calibri" panose="020F0502020204030204"/>
+                <a:ea typeface="+mn-ea"/>
+                <a:cs typeface="+mn-cs"/>
+              </a:rPr>
+              <a:t>WoT</a:t>
+            </a:r>
+            <a:r>
+              <a:rPr kumimoji="0" lang="en-US" sz="1800" b="0" i="0" u="none" strike="noStrike" kern="1200" cap="none" spc="0" normalizeH="0" baseline="0" noProof="0" dirty="0">
+                <a:ln>
+                  <a:noFill/>
+                </a:ln>
+                <a:solidFill>
+                  <a:prstClr val="white"/>
+                </a:solidFill>
+                <a:effectLst/>
+                <a:uLnTx/>
+                <a:uFillTx/>
+                <a:latin typeface="Calibri" panose="020F0502020204030204"/>
+                <a:ea typeface="+mn-ea"/>
+                <a:cs typeface="+mn-cs"/>
+              </a:rPr>
+              <a:t> API</a:t>
+            </a:r>
+          </a:p>
+        </p:txBody>
+      </p:sp>
+      <p:sp>
+        <p:nvSpPr>
+          <p:cNvPr id="33" name="Rechteck 32">
+            <a:extLst>
+              <a:ext uri="{FF2B5EF4-FFF2-40B4-BE49-F238E27FC236}">
+                <a16:creationId xmlns:a16="http://schemas.microsoft.com/office/drawing/2014/main" id="{BCC09D88-3F5E-ADE6-506D-5DA456C2D40D}"/>
+              </a:ext>
+            </a:extLst>
+          </p:cNvPr>
+          <p:cNvSpPr/>
+          <p:nvPr/>
+        </p:nvSpPr>
+        <p:spPr>
+          <a:xfrm>
+            <a:off x="760288" y="2154264"/>
+            <a:ext cx="5562322" cy="472611"/>
+          </a:xfrm>
+          <a:prstGeom prst="rect">
+            <a:avLst/>
+          </a:prstGeom>
+          <a:solidFill>
+            <a:srgbClr val="FFC000"/>
+          </a:solidFill>
+        </p:spPr>
+        <p:style>
+          <a:lnRef idx="2">
+            <a:schemeClr val="accent1">
+              <a:shade val="50000"/>
+            </a:schemeClr>
+          </a:lnRef>
+          <a:fillRef idx="1">
+            <a:schemeClr val="accent1"/>
+          </a:fillRef>
+          <a:effectRef idx="0">
+            <a:schemeClr val="accent1"/>
+          </a:effectRef>
+          <a:fontRef idx="minor">
+            <a:schemeClr val="lt1"/>
+          </a:fontRef>
+        </p:style>
+        <p:txBody>
+          <a:bodyPr rtlCol="0" anchor="ctr"/>
+          <a:lstStyle/>
+          <a:p>
+            <a:pPr marL="0" marR="0" lvl="0" indent="0" algn="ctr" defTabSz="914400" rtl="0" eaLnBrk="1" fontAlgn="auto" latinLnBrk="0" hangingPunct="1">
+              <a:lnSpc>
+                <a:spcPct val="100000"/>
+              </a:lnSpc>
+              <a:spcBef>
+                <a:spcPts val="0"/>
+              </a:spcBef>
+              <a:spcAft>
+                <a:spcPts val="0"/>
+              </a:spcAft>
+              <a:buClrTx/>
+              <a:buSzTx/>
+              <a:buFontTx/>
+              <a:buNone/>
+              <a:tabLst/>
+              <a:defRPr/>
+            </a:pPr>
+            <a:r>
+              <a:rPr kumimoji="0" lang="en-US" sz="1800" b="0" i="0" u="none" strike="noStrike" kern="1200" cap="none" spc="0" normalizeH="0" baseline="0" noProof="0" dirty="0">
+                <a:ln>
+                  <a:noFill/>
+                </a:ln>
+                <a:solidFill>
+                  <a:prstClr val="white"/>
+                </a:solidFill>
+                <a:effectLst/>
+                <a:uLnTx/>
+                <a:uFillTx/>
+                <a:latin typeface="Calibri" panose="020F0502020204030204"/>
+                <a:ea typeface="+mn-ea"/>
+                <a:cs typeface="+mn-cs"/>
+              </a:rPr>
+              <a:t>Security</a:t>
+            </a:r>
+          </a:p>
+        </p:txBody>
+      </p:sp>
+      <p:sp>
+        <p:nvSpPr>
+          <p:cNvPr id="37" name="Explosion 2 36">
+            <a:extLst>
+              <a:ext uri="{FF2B5EF4-FFF2-40B4-BE49-F238E27FC236}">
+                <a16:creationId xmlns:a16="http://schemas.microsoft.com/office/drawing/2014/main" id="{20DD0A0A-61B6-D914-D2B3-3E6DA5B88017}"/>
+              </a:ext>
+            </a:extLst>
+          </p:cNvPr>
+          <p:cNvSpPr/>
+          <p:nvPr/>
+        </p:nvSpPr>
+        <p:spPr>
+          <a:xfrm>
+            <a:off x="4598631" y="5037814"/>
+            <a:ext cx="726239" cy="456399"/>
+          </a:xfrm>
+          <a:prstGeom prst="irregularSeal2">
+            <a:avLst/>
+          </a:prstGeom>
+          <a:solidFill>
+            <a:srgbClr val="92D050"/>
+          </a:solidFill>
+        </p:spPr>
+        <p:style>
+          <a:lnRef idx="2">
+            <a:schemeClr val="accent1">
+              <a:shade val="50000"/>
+            </a:schemeClr>
+          </a:lnRef>
+          <a:fillRef idx="1">
+            <a:schemeClr val="accent1"/>
+          </a:fillRef>
+          <a:effectRef idx="0">
+            <a:schemeClr val="accent1"/>
+          </a:effectRef>
+          <a:fontRef idx="minor">
+            <a:schemeClr val="lt1"/>
+          </a:fontRef>
+        </p:style>
+        <p:txBody>
+          <a:bodyPr rtlCol="0" anchor="ctr"/>
+          <a:lstStyle/>
+          <a:p>
+            <a:pPr marL="0" marR="0" lvl="0" indent="0" algn="ctr" defTabSz="914400" rtl="0" eaLnBrk="1" fontAlgn="auto" latinLnBrk="0" hangingPunct="1">
+              <a:lnSpc>
+                <a:spcPct val="100000"/>
+              </a:lnSpc>
+              <a:spcBef>
+                <a:spcPts val="0"/>
+              </a:spcBef>
+              <a:spcAft>
+                <a:spcPts val="0"/>
+              </a:spcAft>
+              <a:buClrTx/>
+              <a:buSzTx/>
+              <a:buFontTx/>
+              <a:buNone/>
+              <a:tabLst/>
+              <a:defRPr/>
+            </a:pPr>
+            <a:endParaRPr kumimoji="0" lang="en-US" sz="900" b="0" i="0" u="none" strike="noStrike" kern="1200" cap="none" spc="0" normalizeH="0" baseline="0" noProof="0" dirty="0">
+              <a:ln>
+                <a:noFill/>
+              </a:ln>
+              <a:solidFill>
+                <a:prstClr val="white"/>
+              </a:solidFill>
+              <a:effectLst/>
+              <a:uLnTx/>
+              <a:uFillTx/>
+              <a:latin typeface="Calibri" panose="020F0502020204030204"/>
+              <a:ea typeface="+mn-ea"/>
+              <a:cs typeface="+mn-cs"/>
+            </a:endParaRPr>
+          </a:p>
+        </p:txBody>
+      </p:sp>
+      <p:sp>
+        <p:nvSpPr>
+          <p:cNvPr id="38" name="Textfeld 37">
+            <a:extLst>
+              <a:ext uri="{FF2B5EF4-FFF2-40B4-BE49-F238E27FC236}">
+                <a16:creationId xmlns:a16="http://schemas.microsoft.com/office/drawing/2014/main" id="{324ED430-E776-A038-6EF0-9B255B99B67F}"/>
+              </a:ext>
+            </a:extLst>
+          </p:cNvPr>
+          <p:cNvSpPr txBox="1"/>
+          <p:nvPr/>
+        </p:nvSpPr>
+        <p:spPr>
+          <a:xfrm>
+            <a:off x="4571197" y="5085489"/>
+            <a:ext cx="726237" cy="507831"/>
+          </a:xfrm>
+          <a:prstGeom prst="rect">
+            <a:avLst/>
+          </a:prstGeom>
+          <a:noFill/>
+        </p:spPr>
+        <p:txBody>
+          <a:bodyPr wrap="square" rtlCol="0">
+            <a:spAutoFit/>
+          </a:bodyPr>
+          <a:lstStyle/>
+          <a:p>
+            <a:pPr marL="0" marR="0" lvl="0" indent="0" algn="ctr" defTabSz="914400" rtl="0" eaLnBrk="1" fontAlgn="auto" latinLnBrk="0" hangingPunct="1">
+              <a:lnSpc>
+                <a:spcPct val="100000"/>
+              </a:lnSpc>
+              <a:spcBef>
+                <a:spcPts val="0"/>
+              </a:spcBef>
+              <a:spcAft>
+                <a:spcPts val="0"/>
+              </a:spcAft>
+              <a:buClrTx/>
+              <a:buSzTx/>
+              <a:buFontTx/>
+              <a:buNone/>
+              <a:tabLst/>
+              <a:defRPr/>
+            </a:pPr>
+            <a:r>
+              <a:rPr kumimoji="0" lang="en-US" sz="900" b="1" i="0" u="none" strike="noStrike" kern="1200" cap="none" spc="0" normalizeH="0" baseline="0" noProof="0" dirty="0">
+                <a:ln>
+                  <a:noFill/>
+                </a:ln>
+                <a:solidFill>
+                  <a:prstClr val="black"/>
+                </a:solidFill>
+                <a:effectLst/>
+                <a:uLnTx/>
+                <a:uFillTx/>
+                <a:latin typeface="Calibri" panose="020F0502020204030204"/>
+                <a:ea typeface="+mn-ea"/>
+                <a:cs typeface="+mn-cs"/>
+              </a:rPr>
+              <a:t>CR </a:t>
+            </a:r>
+            <a:br>
+              <a:rPr kumimoji="0" lang="en-US" sz="900" b="1" i="0" u="none" strike="noStrike" kern="1200" cap="none" spc="0" normalizeH="0" baseline="0" noProof="0" dirty="0">
+                <a:ln>
+                  <a:noFill/>
+                </a:ln>
+                <a:solidFill>
+                  <a:prstClr val="black"/>
+                </a:solidFill>
+                <a:effectLst/>
+                <a:uLnTx/>
+                <a:uFillTx/>
+                <a:latin typeface="Calibri" panose="020F0502020204030204"/>
+                <a:ea typeface="+mn-ea"/>
+                <a:cs typeface="+mn-cs"/>
+              </a:rPr>
+            </a:br>
+            <a:r>
+              <a:rPr kumimoji="0" lang="en-US" sz="900" b="1" i="0" u="none" strike="noStrike" kern="1200" cap="none" spc="0" normalizeH="0" baseline="0" noProof="0" dirty="0">
+                <a:ln>
+                  <a:noFill/>
+                </a:ln>
+                <a:solidFill>
+                  <a:prstClr val="black"/>
+                </a:solidFill>
+                <a:effectLst/>
+                <a:uLnTx/>
+                <a:uFillTx/>
+                <a:latin typeface="Calibri" panose="020F0502020204030204"/>
+                <a:ea typeface="+mn-ea"/>
+                <a:cs typeface="+mn-cs"/>
+              </a:rPr>
+              <a:t>Candidate</a:t>
+            </a:r>
+          </a:p>
+          <a:p>
+            <a:pPr marL="0" marR="0" lvl="0" indent="0" algn="ctr" defTabSz="914400" rtl="0" eaLnBrk="1" fontAlgn="auto" latinLnBrk="0" hangingPunct="1">
+              <a:lnSpc>
+                <a:spcPct val="100000"/>
+              </a:lnSpc>
+              <a:spcBef>
+                <a:spcPts val="0"/>
+              </a:spcBef>
+              <a:spcAft>
+                <a:spcPts val="0"/>
+              </a:spcAft>
+              <a:buClrTx/>
+              <a:buSzTx/>
+              <a:buFontTx/>
+              <a:buNone/>
+              <a:tabLst/>
+              <a:defRPr/>
+            </a:pPr>
+            <a:endParaRPr kumimoji="0" lang="en-US" sz="900" b="1" i="0" u="none" strike="noStrike" kern="1200" cap="none" spc="0" normalizeH="0" baseline="0" noProof="0" dirty="0">
+              <a:ln>
+                <a:noFill/>
+              </a:ln>
+              <a:solidFill>
+                <a:prstClr val="black"/>
+              </a:solidFill>
+              <a:effectLst/>
+              <a:uLnTx/>
+              <a:uFillTx/>
+              <a:latin typeface="Calibri" panose="020F0502020204030204"/>
+              <a:ea typeface="+mn-ea"/>
+              <a:cs typeface="+mn-cs"/>
+            </a:endParaRPr>
+          </a:p>
+        </p:txBody>
+      </p:sp>
+      <p:sp>
+        <p:nvSpPr>
+          <p:cNvPr id="39" name="Rechteck 38">
+            <a:extLst>
+              <a:ext uri="{FF2B5EF4-FFF2-40B4-BE49-F238E27FC236}">
+                <a16:creationId xmlns:a16="http://schemas.microsoft.com/office/drawing/2014/main" id="{9521EF62-2FEF-8F6E-0049-1BEFA03634A6}"/>
+              </a:ext>
+            </a:extLst>
+          </p:cNvPr>
+          <p:cNvSpPr/>
+          <p:nvPr/>
+        </p:nvSpPr>
+        <p:spPr>
+          <a:xfrm>
+            <a:off x="10221253" y="1901243"/>
+            <a:ext cx="1514352" cy="472611"/>
+          </a:xfrm>
+          <a:prstGeom prst="rect">
+            <a:avLst/>
+          </a:prstGeom>
+          <a:solidFill>
+            <a:srgbClr val="FFC000"/>
+          </a:solidFill>
+          <a:ln w="63500">
+            <a:solidFill>
+              <a:srgbClr val="00B050"/>
+            </a:solidFill>
+          </a:ln>
+        </p:spPr>
+        <p:style>
+          <a:lnRef idx="2">
+            <a:schemeClr val="accent1">
+              <a:shade val="50000"/>
+            </a:schemeClr>
+          </a:lnRef>
+          <a:fillRef idx="1">
+            <a:schemeClr val="accent1"/>
+          </a:fillRef>
+          <a:effectRef idx="0">
+            <a:schemeClr val="accent1"/>
+          </a:effectRef>
+          <a:fontRef idx="minor">
+            <a:schemeClr val="lt1"/>
+          </a:fontRef>
+        </p:style>
+        <p:txBody>
+          <a:bodyPr rtlCol="0" anchor="ctr"/>
+          <a:lstStyle/>
+          <a:p>
+            <a:pPr marL="0" marR="0" lvl="0" indent="0" algn="ctr" defTabSz="914400" rtl="0" eaLnBrk="1" fontAlgn="auto" latinLnBrk="0" hangingPunct="1">
+              <a:lnSpc>
+                <a:spcPct val="100000"/>
+              </a:lnSpc>
+              <a:spcBef>
+                <a:spcPts val="0"/>
+              </a:spcBef>
+              <a:spcAft>
+                <a:spcPts val="0"/>
+              </a:spcAft>
+              <a:buClrTx/>
+              <a:buSzTx/>
+              <a:buFontTx/>
+              <a:buNone/>
+              <a:tabLst/>
+              <a:defRPr/>
+            </a:pPr>
+            <a:r>
+              <a:rPr kumimoji="0" lang="en-US" sz="1800" b="0" i="0" u="none" strike="noStrike" kern="1200" cap="none" spc="0" normalizeH="0" baseline="0" noProof="0" dirty="0">
+                <a:ln>
+                  <a:noFill/>
+                </a:ln>
+                <a:solidFill>
+                  <a:prstClr val="white"/>
+                </a:solidFill>
+                <a:effectLst/>
+                <a:uLnTx/>
+                <a:uFillTx/>
+                <a:latin typeface="Calibri" panose="020F0502020204030204"/>
+                <a:ea typeface="+mn-ea"/>
+                <a:cs typeface="+mn-cs"/>
+              </a:rPr>
+              <a:t>Note + Liaison </a:t>
+            </a:r>
+          </a:p>
+        </p:txBody>
+      </p:sp>
+      <p:sp>
+        <p:nvSpPr>
+          <p:cNvPr id="3" name="Rechteck 2">
+            <a:extLst>
+              <a:ext uri="{FF2B5EF4-FFF2-40B4-BE49-F238E27FC236}">
+                <a16:creationId xmlns:a16="http://schemas.microsoft.com/office/drawing/2014/main" id="{DE27325D-CA89-9BB7-928A-7CED26F55CA0}"/>
+              </a:ext>
+            </a:extLst>
+          </p:cNvPr>
+          <p:cNvSpPr/>
+          <p:nvPr/>
+        </p:nvSpPr>
+        <p:spPr>
+          <a:xfrm>
+            <a:off x="753087" y="3448552"/>
+            <a:ext cx="2960403" cy="472611"/>
+          </a:xfrm>
+          <a:prstGeom prst="rect">
+            <a:avLst/>
+          </a:prstGeom>
+          <a:solidFill>
+            <a:srgbClr val="FFC000"/>
+          </a:solidFill>
+          <a:ln w="63500">
+            <a:solidFill>
+              <a:srgbClr val="00B050"/>
+            </a:solidFill>
+          </a:ln>
+        </p:spPr>
+        <p:style>
+          <a:lnRef idx="2">
+            <a:schemeClr val="accent1">
+              <a:shade val="50000"/>
+            </a:schemeClr>
+          </a:lnRef>
+          <a:fillRef idx="1">
+            <a:schemeClr val="accent1"/>
+          </a:fillRef>
+          <a:effectRef idx="0">
+            <a:schemeClr val="accent1"/>
+          </a:effectRef>
+          <a:fontRef idx="minor">
+            <a:schemeClr val="lt1"/>
+          </a:fontRef>
+        </p:style>
+        <p:txBody>
+          <a:bodyPr rtlCol="0" anchor="ctr"/>
+          <a:lstStyle/>
+          <a:p>
+            <a:pPr marL="0" marR="0" lvl="0" indent="0" algn="ctr" defTabSz="914400" rtl="0" eaLnBrk="1" fontAlgn="auto" latinLnBrk="0" hangingPunct="1">
+              <a:lnSpc>
+                <a:spcPct val="100000"/>
+              </a:lnSpc>
+              <a:spcBef>
+                <a:spcPts val="0"/>
+              </a:spcBef>
+              <a:spcAft>
+                <a:spcPts val="0"/>
+              </a:spcAft>
+              <a:buClrTx/>
+              <a:buSzTx/>
+              <a:buFontTx/>
+              <a:buNone/>
+              <a:tabLst/>
+              <a:defRPr/>
+            </a:pPr>
+            <a:r>
+              <a:rPr kumimoji="0" lang="en-US" sz="1800" b="0" i="0" u="none" strike="noStrike" kern="1200" cap="none" spc="0" normalizeH="0" baseline="0" noProof="0" dirty="0">
+                <a:ln>
+                  <a:noFill/>
+                </a:ln>
+                <a:solidFill>
+                  <a:prstClr val="white"/>
+                </a:solidFill>
+                <a:effectLst/>
+                <a:uLnTx/>
+                <a:uFillTx/>
+                <a:latin typeface="Calibri" panose="020F0502020204030204"/>
+                <a:ea typeface="+mn-ea"/>
+                <a:cs typeface="+mn-cs"/>
+              </a:rPr>
+              <a:t>BACnet Binding</a:t>
+            </a:r>
+          </a:p>
+        </p:txBody>
+      </p:sp>
+      <p:sp>
+        <p:nvSpPr>
+          <p:cNvPr id="4" name="Rechteck 3">
+            <a:extLst>
+              <a:ext uri="{FF2B5EF4-FFF2-40B4-BE49-F238E27FC236}">
+                <a16:creationId xmlns:a16="http://schemas.microsoft.com/office/drawing/2014/main" id="{C6677BCF-5BBF-E17E-9CC4-512096B1CFA2}"/>
+              </a:ext>
+            </a:extLst>
+          </p:cNvPr>
+          <p:cNvSpPr/>
+          <p:nvPr/>
+        </p:nvSpPr>
+        <p:spPr>
+          <a:xfrm>
+            <a:off x="3965075" y="2861880"/>
+            <a:ext cx="2960403" cy="472611"/>
+          </a:xfrm>
+          <a:prstGeom prst="rect">
+            <a:avLst/>
+          </a:prstGeom>
+          <a:solidFill>
+            <a:srgbClr val="FFC000"/>
+          </a:solidFill>
+          <a:ln w="63500">
+            <a:solidFill>
+              <a:srgbClr val="00B050"/>
+            </a:solidFill>
+          </a:ln>
+        </p:spPr>
+        <p:style>
+          <a:lnRef idx="2">
+            <a:schemeClr val="accent1">
+              <a:shade val="50000"/>
+            </a:schemeClr>
+          </a:lnRef>
+          <a:fillRef idx="1">
+            <a:schemeClr val="accent1"/>
+          </a:fillRef>
+          <a:effectRef idx="0">
+            <a:schemeClr val="accent1"/>
+          </a:effectRef>
+          <a:fontRef idx="minor">
+            <a:schemeClr val="lt1"/>
+          </a:fontRef>
+        </p:style>
+        <p:txBody>
+          <a:bodyPr rtlCol="0" anchor="ctr"/>
+          <a:lstStyle/>
+          <a:p>
+            <a:pPr marL="0" marR="0" lvl="0" indent="0" algn="ctr" defTabSz="914400" rtl="0" eaLnBrk="1" fontAlgn="auto" latinLnBrk="0" hangingPunct="1">
+              <a:lnSpc>
+                <a:spcPct val="100000"/>
+              </a:lnSpc>
+              <a:spcBef>
+                <a:spcPts val="0"/>
+              </a:spcBef>
+              <a:spcAft>
+                <a:spcPts val="0"/>
+              </a:spcAft>
+              <a:buClrTx/>
+              <a:buSzTx/>
+              <a:buFontTx/>
+              <a:buNone/>
+              <a:tabLst/>
+              <a:defRPr/>
+            </a:pPr>
+            <a:r>
+              <a:rPr kumimoji="0" lang="en-US" sz="1800" b="0" i="0" u="none" strike="noStrike" kern="1200" cap="none" spc="0" normalizeH="0" baseline="0" noProof="0" dirty="0">
+                <a:ln>
+                  <a:noFill/>
+                </a:ln>
+                <a:solidFill>
+                  <a:prstClr val="white"/>
+                </a:solidFill>
+                <a:effectLst/>
+                <a:uLnTx/>
+                <a:uFillTx/>
+                <a:latin typeface="Calibri" panose="020F0502020204030204"/>
+                <a:ea typeface="+mn-ea"/>
+                <a:cs typeface="+mn-cs"/>
+              </a:rPr>
+              <a:t>Matter Binding ?</a:t>
+            </a:r>
+          </a:p>
+        </p:txBody>
+      </p:sp>
+      <p:sp>
+        <p:nvSpPr>
+          <p:cNvPr id="14" name="Explosion 2 13">
+            <a:extLst>
+              <a:ext uri="{FF2B5EF4-FFF2-40B4-BE49-F238E27FC236}">
+                <a16:creationId xmlns:a16="http://schemas.microsoft.com/office/drawing/2014/main" id="{44B018A5-621A-8BD1-9535-06D828E036F0}"/>
+              </a:ext>
+            </a:extLst>
+          </p:cNvPr>
+          <p:cNvSpPr/>
+          <p:nvPr/>
+        </p:nvSpPr>
+        <p:spPr>
+          <a:xfrm>
+            <a:off x="3931240" y="1358178"/>
+            <a:ext cx="913777" cy="689586"/>
+          </a:xfrm>
+          <a:prstGeom prst="irregularSeal2">
+            <a:avLst/>
+          </a:prstGeom>
+          <a:solidFill>
+            <a:srgbClr val="FFFF00"/>
+          </a:solidFill>
+        </p:spPr>
+        <p:style>
+          <a:lnRef idx="2">
+            <a:schemeClr val="accent1">
+              <a:shade val="50000"/>
+            </a:schemeClr>
+          </a:lnRef>
+          <a:fillRef idx="1">
+            <a:schemeClr val="accent1"/>
+          </a:fillRef>
+          <a:effectRef idx="0">
+            <a:schemeClr val="accent1"/>
+          </a:effectRef>
+          <a:fontRef idx="minor">
+            <a:schemeClr val="lt1"/>
+          </a:fontRef>
+        </p:style>
+        <p:txBody>
+          <a:bodyPr rtlCol="0" anchor="ctr"/>
+          <a:lstStyle/>
+          <a:p>
+            <a:pPr marL="0" marR="0" lvl="0" indent="0" algn="ctr" defTabSz="914400" rtl="0" eaLnBrk="1" fontAlgn="auto" latinLnBrk="0" hangingPunct="1">
+              <a:lnSpc>
+                <a:spcPct val="100000"/>
+              </a:lnSpc>
+              <a:spcBef>
+                <a:spcPts val="0"/>
+              </a:spcBef>
+              <a:spcAft>
+                <a:spcPts val="0"/>
+              </a:spcAft>
+              <a:buClrTx/>
+              <a:buSzTx/>
+              <a:buFontTx/>
+              <a:buNone/>
+              <a:tabLst/>
+              <a:defRPr/>
+            </a:pPr>
+            <a:endParaRPr kumimoji="0" lang="en-US" sz="900" b="0" i="0" u="none" strike="noStrike" kern="1200" cap="none" spc="0" normalizeH="0" baseline="0" noProof="0" dirty="0">
+              <a:ln>
+                <a:noFill/>
+              </a:ln>
+              <a:solidFill>
+                <a:prstClr val="white"/>
+              </a:solidFill>
+              <a:effectLst/>
+              <a:uLnTx/>
+              <a:uFillTx/>
+              <a:latin typeface="Calibri" panose="020F0502020204030204"/>
+              <a:ea typeface="+mn-ea"/>
+              <a:cs typeface="+mn-cs"/>
+            </a:endParaRPr>
+          </a:p>
+        </p:txBody>
+      </p:sp>
+      <p:sp>
+        <p:nvSpPr>
+          <p:cNvPr id="15" name="Textfeld 14">
+            <a:extLst>
+              <a:ext uri="{FF2B5EF4-FFF2-40B4-BE49-F238E27FC236}">
+                <a16:creationId xmlns:a16="http://schemas.microsoft.com/office/drawing/2014/main" id="{4FA16A7B-18B9-A6E0-CC2C-CA80B1EDC405}"/>
+              </a:ext>
+            </a:extLst>
+          </p:cNvPr>
+          <p:cNvSpPr txBox="1"/>
+          <p:nvPr/>
+        </p:nvSpPr>
+        <p:spPr>
+          <a:xfrm>
+            <a:off x="4035667" y="1496015"/>
+            <a:ext cx="692025" cy="507831"/>
+          </a:xfrm>
+          <a:prstGeom prst="rect">
+            <a:avLst/>
+          </a:prstGeom>
+          <a:noFill/>
+        </p:spPr>
+        <p:txBody>
+          <a:bodyPr wrap="square" rtlCol="0">
+            <a:spAutoFit/>
+          </a:bodyPr>
+          <a:lstStyle/>
+          <a:p>
+            <a:pPr marL="0" marR="0" lvl="0" indent="0" algn="ctr" defTabSz="914400" rtl="0" eaLnBrk="1" fontAlgn="auto" latinLnBrk="0" hangingPunct="1">
+              <a:lnSpc>
+                <a:spcPct val="100000"/>
+              </a:lnSpc>
+              <a:spcBef>
+                <a:spcPts val="0"/>
+              </a:spcBef>
+              <a:spcAft>
+                <a:spcPts val="0"/>
+              </a:spcAft>
+              <a:buClrTx/>
+              <a:buSzTx/>
+              <a:buFontTx/>
+              <a:buNone/>
+              <a:tabLst/>
+              <a:defRPr/>
+            </a:pPr>
+            <a:r>
+              <a:rPr kumimoji="0" lang="en-US" sz="900" b="1" i="0" u="none" strike="noStrike" kern="1200" cap="none" spc="0" normalizeH="0" baseline="0" noProof="0" dirty="0" err="1">
+                <a:ln>
+                  <a:noFill/>
+                </a:ln>
+                <a:solidFill>
+                  <a:prstClr val="black"/>
+                </a:solidFill>
+                <a:effectLst/>
+                <a:uLnTx/>
+                <a:uFillTx/>
+                <a:latin typeface="Calibri" panose="020F0502020204030204"/>
+                <a:ea typeface="+mn-ea"/>
+                <a:cs typeface="+mn-cs"/>
+              </a:rPr>
+              <a:t>WoT</a:t>
+            </a:r>
+            <a:br>
+              <a:rPr kumimoji="0" lang="en-US" sz="900" b="1" i="0" u="none" strike="noStrike" kern="1200" cap="none" spc="0" normalizeH="0" baseline="0" noProof="0" dirty="0">
+                <a:ln>
+                  <a:noFill/>
+                </a:ln>
+                <a:solidFill>
+                  <a:prstClr val="black"/>
+                </a:solidFill>
+                <a:effectLst/>
+                <a:uLnTx/>
+                <a:uFillTx/>
+                <a:latin typeface="Calibri" panose="020F0502020204030204"/>
+                <a:ea typeface="+mn-ea"/>
+                <a:cs typeface="+mn-cs"/>
+              </a:rPr>
+            </a:br>
+            <a:r>
+              <a:rPr kumimoji="0" lang="en-US" sz="900" b="1" i="0" u="none" strike="noStrike" kern="1200" cap="none" spc="0" normalizeH="0" baseline="0" noProof="0" dirty="0">
+                <a:ln>
+                  <a:noFill/>
+                </a:ln>
+                <a:solidFill>
+                  <a:prstClr val="black"/>
+                </a:solidFill>
+                <a:effectLst/>
+                <a:uLnTx/>
+                <a:uFillTx/>
+                <a:latin typeface="Calibri" panose="020F0502020204030204"/>
+                <a:ea typeface="+mn-ea"/>
+                <a:cs typeface="+mn-cs"/>
+              </a:rPr>
+              <a:t>Event?</a:t>
+            </a:r>
+          </a:p>
+          <a:p>
+            <a:pPr marL="0" marR="0" lvl="0" indent="0" algn="ctr" defTabSz="914400" rtl="0" eaLnBrk="1" fontAlgn="auto" latinLnBrk="0" hangingPunct="1">
+              <a:lnSpc>
+                <a:spcPct val="100000"/>
+              </a:lnSpc>
+              <a:spcBef>
+                <a:spcPts val="0"/>
+              </a:spcBef>
+              <a:spcAft>
+                <a:spcPts val="0"/>
+              </a:spcAft>
+              <a:buClrTx/>
+              <a:buSzTx/>
+              <a:buFontTx/>
+              <a:buNone/>
+              <a:tabLst/>
+              <a:defRPr/>
+            </a:pPr>
+            <a:endParaRPr kumimoji="0" lang="en-US" sz="900" b="1" i="0" u="none" strike="noStrike" kern="1200" cap="none" spc="0" normalizeH="0" baseline="0" noProof="0" dirty="0">
+              <a:ln>
+                <a:noFill/>
+              </a:ln>
+              <a:solidFill>
+                <a:prstClr val="black"/>
+              </a:solidFill>
+              <a:effectLst/>
+              <a:uLnTx/>
+              <a:uFillTx/>
+              <a:latin typeface="Calibri" panose="020F0502020204030204"/>
+              <a:ea typeface="+mn-ea"/>
+              <a:cs typeface="+mn-cs"/>
+            </a:endParaRPr>
+          </a:p>
+        </p:txBody>
+      </p:sp>
+      <p:sp>
+        <p:nvSpPr>
+          <p:cNvPr id="16" name="Explosion 2 15">
+            <a:extLst>
+              <a:ext uri="{FF2B5EF4-FFF2-40B4-BE49-F238E27FC236}">
+                <a16:creationId xmlns:a16="http://schemas.microsoft.com/office/drawing/2014/main" id="{D5EA0110-A7E1-7103-5673-008B957FE8D1}"/>
+              </a:ext>
+            </a:extLst>
+          </p:cNvPr>
+          <p:cNvSpPr/>
+          <p:nvPr/>
+        </p:nvSpPr>
+        <p:spPr>
+          <a:xfrm>
+            <a:off x="1659918" y="1345938"/>
+            <a:ext cx="913777" cy="689586"/>
+          </a:xfrm>
+          <a:prstGeom prst="irregularSeal2">
+            <a:avLst/>
+          </a:prstGeom>
+          <a:solidFill>
+            <a:srgbClr val="FFFF00"/>
+          </a:solidFill>
+        </p:spPr>
+        <p:style>
+          <a:lnRef idx="2">
+            <a:schemeClr val="accent1">
+              <a:shade val="50000"/>
+            </a:schemeClr>
+          </a:lnRef>
+          <a:fillRef idx="1">
+            <a:schemeClr val="accent1"/>
+          </a:fillRef>
+          <a:effectRef idx="0">
+            <a:schemeClr val="accent1"/>
+          </a:effectRef>
+          <a:fontRef idx="minor">
+            <a:schemeClr val="lt1"/>
+          </a:fontRef>
+        </p:style>
+        <p:txBody>
+          <a:bodyPr rtlCol="0" anchor="ctr"/>
+          <a:lstStyle/>
+          <a:p>
+            <a:pPr marL="0" marR="0" lvl="0" indent="0" algn="ctr" defTabSz="914400" rtl="0" eaLnBrk="1" fontAlgn="auto" latinLnBrk="0" hangingPunct="1">
+              <a:lnSpc>
+                <a:spcPct val="100000"/>
+              </a:lnSpc>
+              <a:spcBef>
+                <a:spcPts val="0"/>
+              </a:spcBef>
+              <a:spcAft>
+                <a:spcPts val="0"/>
+              </a:spcAft>
+              <a:buClrTx/>
+              <a:buSzTx/>
+              <a:buFontTx/>
+              <a:buNone/>
+              <a:tabLst/>
+              <a:defRPr/>
+            </a:pPr>
+            <a:endParaRPr kumimoji="0" lang="en-US" sz="900" b="0" i="0" u="none" strike="noStrike" kern="1200" cap="none" spc="0" normalizeH="0" baseline="0" noProof="0" dirty="0">
+              <a:ln>
+                <a:noFill/>
+              </a:ln>
+              <a:solidFill>
+                <a:prstClr val="white"/>
+              </a:solidFill>
+              <a:effectLst/>
+              <a:uLnTx/>
+              <a:uFillTx/>
+              <a:latin typeface="Calibri" panose="020F0502020204030204"/>
+              <a:ea typeface="+mn-ea"/>
+              <a:cs typeface="+mn-cs"/>
+            </a:endParaRPr>
+          </a:p>
+        </p:txBody>
+      </p:sp>
+      <p:sp>
+        <p:nvSpPr>
+          <p:cNvPr id="20" name="Textfeld 19">
+            <a:extLst>
+              <a:ext uri="{FF2B5EF4-FFF2-40B4-BE49-F238E27FC236}">
+                <a16:creationId xmlns:a16="http://schemas.microsoft.com/office/drawing/2014/main" id="{1D12FDD7-2EB8-4C8A-C4F9-16D34506225C}"/>
+              </a:ext>
+            </a:extLst>
+          </p:cNvPr>
+          <p:cNvSpPr txBox="1"/>
+          <p:nvPr/>
+        </p:nvSpPr>
+        <p:spPr>
+          <a:xfrm>
+            <a:off x="1737345" y="1503617"/>
+            <a:ext cx="692025" cy="507831"/>
+          </a:xfrm>
+          <a:prstGeom prst="rect">
+            <a:avLst/>
+          </a:prstGeom>
+          <a:noFill/>
+        </p:spPr>
+        <p:txBody>
+          <a:bodyPr wrap="square" rtlCol="0">
+            <a:spAutoFit/>
+          </a:bodyPr>
+          <a:lstStyle/>
+          <a:p>
+            <a:pPr marL="0" marR="0" lvl="0" indent="0" algn="ctr" defTabSz="914400" rtl="0" eaLnBrk="1" fontAlgn="auto" latinLnBrk="0" hangingPunct="1">
+              <a:lnSpc>
+                <a:spcPct val="100000"/>
+              </a:lnSpc>
+              <a:spcBef>
+                <a:spcPts val="0"/>
+              </a:spcBef>
+              <a:spcAft>
+                <a:spcPts val="0"/>
+              </a:spcAft>
+              <a:buClrTx/>
+              <a:buSzTx/>
+              <a:buFontTx/>
+              <a:buNone/>
+              <a:tabLst/>
+              <a:defRPr/>
+            </a:pPr>
+            <a:r>
+              <a:rPr kumimoji="0" lang="en-US" sz="900" b="1" i="0" u="none" strike="noStrike" kern="1200" cap="none" spc="0" normalizeH="0" baseline="0" noProof="0" dirty="0">
+                <a:ln>
+                  <a:noFill/>
+                </a:ln>
+                <a:solidFill>
+                  <a:prstClr val="black"/>
+                </a:solidFill>
+                <a:effectLst/>
+                <a:uLnTx/>
+                <a:uFillTx/>
+                <a:latin typeface="Calibri" panose="020F0502020204030204"/>
+                <a:ea typeface="+mn-ea"/>
+                <a:cs typeface="+mn-cs"/>
+              </a:rPr>
+              <a:t>TPAC</a:t>
+            </a:r>
+            <a:br>
+              <a:rPr kumimoji="0" lang="en-US" sz="900" b="1" i="0" u="none" strike="noStrike" kern="1200" cap="none" spc="0" normalizeH="0" baseline="0" noProof="0" dirty="0">
+                <a:ln>
+                  <a:noFill/>
+                </a:ln>
+                <a:solidFill>
+                  <a:prstClr val="black"/>
+                </a:solidFill>
+                <a:effectLst/>
+                <a:uLnTx/>
+                <a:uFillTx/>
+                <a:latin typeface="Calibri" panose="020F0502020204030204"/>
+                <a:ea typeface="+mn-ea"/>
+                <a:cs typeface="+mn-cs"/>
+              </a:rPr>
+            </a:br>
+            <a:r>
+              <a:rPr kumimoji="0" lang="en-US" sz="900" b="1" i="0" u="none" strike="noStrike" kern="1200" cap="none" spc="0" normalizeH="0" baseline="0" noProof="0" dirty="0">
+                <a:ln>
+                  <a:noFill/>
+                </a:ln>
+                <a:solidFill>
+                  <a:prstClr val="black"/>
+                </a:solidFill>
+                <a:effectLst/>
+                <a:uLnTx/>
+                <a:uFillTx/>
+                <a:latin typeface="Calibri" panose="020F0502020204030204"/>
+                <a:ea typeface="+mn-ea"/>
+                <a:cs typeface="+mn-cs"/>
+              </a:rPr>
+              <a:t>F2F</a:t>
+            </a:r>
+          </a:p>
+          <a:p>
+            <a:pPr marL="0" marR="0" lvl="0" indent="0" algn="ctr" defTabSz="914400" rtl="0" eaLnBrk="1" fontAlgn="auto" latinLnBrk="0" hangingPunct="1">
+              <a:lnSpc>
+                <a:spcPct val="100000"/>
+              </a:lnSpc>
+              <a:spcBef>
+                <a:spcPts val="0"/>
+              </a:spcBef>
+              <a:spcAft>
+                <a:spcPts val="0"/>
+              </a:spcAft>
+              <a:buClrTx/>
+              <a:buSzTx/>
+              <a:buFontTx/>
+              <a:buNone/>
+              <a:tabLst/>
+              <a:defRPr/>
+            </a:pPr>
+            <a:endParaRPr kumimoji="0" lang="en-US" sz="900" b="1" i="0" u="none" strike="noStrike" kern="1200" cap="none" spc="0" normalizeH="0" baseline="0" noProof="0" dirty="0">
+              <a:ln>
+                <a:noFill/>
+              </a:ln>
+              <a:solidFill>
+                <a:prstClr val="black"/>
+              </a:solidFill>
+              <a:effectLst/>
+              <a:uLnTx/>
+              <a:uFillTx/>
+              <a:latin typeface="Calibri" panose="020F0502020204030204"/>
+              <a:ea typeface="+mn-ea"/>
+              <a:cs typeface="+mn-cs"/>
+            </a:endParaRPr>
+          </a:p>
+        </p:txBody>
+      </p:sp>
+      <p:sp>
+        <p:nvSpPr>
+          <p:cNvPr id="22" name="Explosion 2 21">
+            <a:extLst>
+              <a:ext uri="{FF2B5EF4-FFF2-40B4-BE49-F238E27FC236}">
+                <a16:creationId xmlns:a16="http://schemas.microsoft.com/office/drawing/2014/main" id="{EF949CF6-64EF-29DE-F26C-B3C70D70622A}"/>
+              </a:ext>
+            </a:extLst>
+          </p:cNvPr>
+          <p:cNvSpPr/>
+          <p:nvPr/>
+        </p:nvSpPr>
+        <p:spPr>
+          <a:xfrm>
+            <a:off x="10135636" y="2657338"/>
+            <a:ext cx="566195" cy="385587"/>
+          </a:xfrm>
+          <a:prstGeom prst="irregularSeal2">
+            <a:avLst/>
+          </a:prstGeom>
+          <a:solidFill>
+            <a:srgbClr val="FFFF00"/>
+          </a:solidFill>
+        </p:spPr>
+        <p:style>
+          <a:lnRef idx="2">
+            <a:schemeClr val="accent1">
+              <a:shade val="50000"/>
+            </a:schemeClr>
+          </a:lnRef>
+          <a:fillRef idx="1">
+            <a:schemeClr val="accent1"/>
+          </a:fillRef>
+          <a:effectRef idx="0">
+            <a:schemeClr val="accent1"/>
+          </a:effectRef>
+          <a:fontRef idx="minor">
+            <a:schemeClr val="lt1"/>
+          </a:fontRef>
+        </p:style>
+        <p:txBody>
+          <a:bodyPr rtlCol="0" anchor="ctr"/>
+          <a:lstStyle/>
+          <a:p>
+            <a:pPr marL="0" marR="0" lvl="0" indent="0" algn="ctr" defTabSz="914400" rtl="0" eaLnBrk="1" fontAlgn="auto" latinLnBrk="0" hangingPunct="1">
+              <a:lnSpc>
+                <a:spcPct val="100000"/>
+              </a:lnSpc>
+              <a:spcBef>
+                <a:spcPts val="0"/>
+              </a:spcBef>
+              <a:spcAft>
+                <a:spcPts val="0"/>
+              </a:spcAft>
+              <a:buClrTx/>
+              <a:buSzTx/>
+              <a:buFontTx/>
+              <a:buNone/>
+              <a:tabLst/>
+              <a:defRPr/>
+            </a:pPr>
+            <a:endParaRPr kumimoji="0" lang="en-US" sz="900" b="0" i="0" u="none" strike="noStrike" kern="1200" cap="none" spc="0" normalizeH="0" baseline="0" noProof="0" dirty="0">
+              <a:ln>
+                <a:noFill/>
+              </a:ln>
+              <a:solidFill>
+                <a:prstClr val="white"/>
+              </a:solidFill>
+              <a:effectLst/>
+              <a:uLnTx/>
+              <a:uFillTx/>
+              <a:latin typeface="Calibri" panose="020F0502020204030204"/>
+              <a:ea typeface="+mn-ea"/>
+              <a:cs typeface="+mn-cs"/>
+            </a:endParaRPr>
+          </a:p>
+        </p:txBody>
+      </p:sp>
+      <p:sp>
+        <p:nvSpPr>
+          <p:cNvPr id="23" name="Textfeld 22">
+            <a:extLst>
+              <a:ext uri="{FF2B5EF4-FFF2-40B4-BE49-F238E27FC236}">
+                <a16:creationId xmlns:a16="http://schemas.microsoft.com/office/drawing/2014/main" id="{43BDF1BC-503A-779D-F5CC-2379D086F85F}"/>
+              </a:ext>
+            </a:extLst>
+          </p:cNvPr>
+          <p:cNvSpPr txBox="1"/>
+          <p:nvPr/>
+        </p:nvSpPr>
+        <p:spPr>
+          <a:xfrm>
+            <a:off x="10652605" y="2693813"/>
+            <a:ext cx="1082989" cy="307777"/>
+          </a:xfrm>
+          <a:prstGeom prst="rect">
+            <a:avLst/>
+          </a:prstGeom>
+          <a:noFill/>
+        </p:spPr>
+        <p:txBody>
+          <a:bodyPr wrap="none" rtlCol="0">
+            <a:spAutoFit/>
+          </a:bodyPr>
+          <a:lstStyle/>
+          <a:p>
+            <a:r>
+              <a:rPr lang="en-US" sz="1400" dirty="0"/>
+              <a:t>F2F meeting</a:t>
+            </a:r>
+          </a:p>
+        </p:txBody>
+      </p:sp>
+      <p:sp>
+        <p:nvSpPr>
+          <p:cNvPr id="34" name="Explosion 2 33">
+            <a:extLst>
+              <a:ext uri="{FF2B5EF4-FFF2-40B4-BE49-F238E27FC236}">
+                <a16:creationId xmlns:a16="http://schemas.microsoft.com/office/drawing/2014/main" id="{AA33E5D7-3B48-21EA-8627-81F46E677A1A}"/>
+              </a:ext>
+            </a:extLst>
+          </p:cNvPr>
+          <p:cNvSpPr/>
+          <p:nvPr/>
+        </p:nvSpPr>
+        <p:spPr>
+          <a:xfrm>
+            <a:off x="7867758" y="4285406"/>
+            <a:ext cx="726239" cy="456399"/>
+          </a:xfrm>
+          <a:prstGeom prst="irregularSeal2">
+            <a:avLst/>
+          </a:prstGeom>
+          <a:solidFill>
+            <a:srgbClr val="92D050"/>
+          </a:solidFill>
+        </p:spPr>
+        <p:style>
+          <a:lnRef idx="2">
+            <a:schemeClr val="accent1">
+              <a:shade val="50000"/>
+            </a:schemeClr>
+          </a:lnRef>
+          <a:fillRef idx="1">
+            <a:schemeClr val="accent1"/>
+          </a:fillRef>
+          <a:effectRef idx="0">
+            <a:schemeClr val="accent1"/>
+          </a:effectRef>
+          <a:fontRef idx="minor">
+            <a:schemeClr val="lt1"/>
+          </a:fontRef>
+        </p:style>
+        <p:txBody>
+          <a:bodyPr rtlCol="0" anchor="ctr"/>
+          <a:lstStyle/>
+          <a:p>
+            <a:pPr marL="0" marR="0" lvl="0" indent="0" algn="ctr" defTabSz="914400" rtl="0" eaLnBrk="1" fontAlgn="auto" latinLnBrk="0" hangingPunct="1">
+              <a:lnSpc>
+                <a:spcPct val="100000"/>
+              </a:lnSpc>
+              <a:spcBef>
+                <a:spcPts val="0"/>
+              </a:spcBef>
+              <a:spcAft>
+                <a:spcPts val="0"/>
+              </a:spcAft>
+              <a:buClrTx/>
+              <a:buSzTx/>
+              <a:buFontTx/>
+              <a:buNone/>
+              <a:tabLst/>
+              <a:defRPr/>
+            </a:pPr>
+            <a:endParaRPr kumimoji="0" lang="en-US" sz="900" b="0" i="0" u="none" strike="noStrike" kern="1200" cap="none" spc="0" normalizeH="0" baseline="0" noProof="0" dirty="0">
+              <a:ln>
+                <a:noFill/>
+              </a:ln>
+              <a:solidFill>
+                <a:prstClr val="white"/>
+              </a:solidFill>
+              <a:effectLst/>
+              <a:uLnTx/>
+              <a:uFillTx/>
+              <a:latin typeface="Calibri" panose="020F0502020204030204"/>
+              <a:ea typeface="+mn-ea"/>
+              <a:cs typeface="+mn-cs"/>
+            </a:endParaRPr>
+          </a:p>
+        </p:txBody>
+      </p:sp>
+      <p:sp>
+        <p:nvSpPr>
+          <p:cNvPr id="35" name="Textfeld 34">
+            <a:extLst>
+              <a:ext uri="{FF2B5EF4-FFF2-40B4-BE49-F238E27FC236}">
+                <a16:creationId xmlns:a16="http://schemas.microsoft.com/office/drawing/2014/main" id="{C42EE1F9-E69C-9490-FAEA-D58E0979AC72}"/>
+              </a:ext>
+            </a:extLst>
+          </p:cNvPr>
+          <p:cNvSpPr txBox="1"/>
+          <p:nvPr/>
+        </p:nvSpPr>
+        <p:spPr>
+          <a:xfrm>
+            <a:off x="7840324" y="4333081"/>
+            <a:ext cx="726237" cy="507831"/>
+          </a:xfrm>
+          <a:prstGeom prst="rect">
+            <a:avLst/>
+          </a:prstGeom>
+          <a:noFill/>
+        </p:spPr>
+        <p:txBody>
+          <a:bodyPr wrap="square" rtlCol="0">
+            <a:spAutoFit/>
+          </a:bodyPr>
+          <a:lstStyle/>
+          <a:p>
+            <a:pPr marL="0" marR="0" lvl="0" indent="0" algn="ctr" defTabSz="914400" rtl="0" eaLnBrk="1" fontAlgn="auto" latinLnBrk="0" hangingPunct="1">
+              <a:lnSpc>
+                <a:spcPct val="100000"/>
+              </a:lnSpc>
+              <a:spcBef>
+                <a:spcPts val="0"/>
+              </a:spcBef>
+              <a:spcAft>
+                <a:spcPts val="0"/>
+              </a:spcAft>
+              <a:buClrTx/>
+              <a:buSzTx/>
+              <a:buFontTx/>
+              <a:buNone/>
+              <a:tabLst/>
+              <a:defRPr/>
+            </a:pPr>
+            <a:r>
+              <a:rPr kumimoji="0" lang="en-US" sz="900" b="1" i="0" u="none" strike="noStrike" kern="1200" cap="none" spc="0" normalizeH="0" baseline="0" noProof="0" dirty="0">
+                <a:ln>
+                  <a:noFill/>
+                </a:ln>
+                <a:solidFill>
+                  <a:prstClr val="black"/>
+                </a:solidFill>
+                <a:effectLst/>
+                <a:uLnTx/>
+                <a:uFillTx/>
+                <a:latin typeface="Calibri" panose="020F0502020204030204"/>
+                <a:ea typeface="+mn-ea"/>
+                <a:cs typeface="+mn-cs"/>
+              </a:rPr>
+              <a:t>CR </a:t>
+            </a:r>
+            <a:br>
+              <a:rPr kumimoji="0" lang="en-US" sz="900" b="1" i="0" u="none" strike="noStrike" kern="1200" cap="none" spc="0" normalizeH="0" baseline="0" noProof="0" dirty="0">
+                <a:ln>
+                  <a:noFill/>
+                </a:ln>
+                <a:solidFill>
+                  <a:prstClr val="black"/>
+                </a:solidFill>
+                <a:effectLst/>
+                <a:uLnTx/>
+                <a:uFillTx/>
+                <a:latin typeface="Calibri" panose="020F0502020204030204"/>
+                <a:ea typeface="+mn-ea"/>
+                <a:cs typeface="+mn-cs"/>
+              </a:rPr>
+            </a:br>
+            <a:r>
+              <a:rPr kumimoji="0" lang="en-US" sz="900" b="1" i="0" u="none" strike="noStrike" kern="1200" cap="none" spc="0" normalizeH="0" baseline="0" noProof="0" dirty="0">
+                <a:ln>
+                  <a:noFill/>
+                </a:ln>
+                <a:solidFill>
+                  <a:prstClr val="black"/>
+                </a:solidFill>
+                <a:effectLst/>
+                <a:uLnTx/>
+                <a:uFillTx/>
+                <a:latin typeface="Calibri" panose="020F0502020204030204"/>
+                <a:ea typeface="+mn-ea"/>
+                <a:cs typeface="+mn-cs"/>
+              </a:rPr>
+              <a:t>Candidate</a:t>
+            </a:r>
+          </a:p>
+          <a:p>
+            <a:pPr marL="0" marR="0" lvl="0" indent="0" algn="ctr" defTabSz="914400" rtl="0" eaLnBrk="1" fontAlgn="auto" latinLnBrk="0" hangingPunct="1">
+              <a:lnSpc>
+                <a:spcPct val="100000"/>
+              </a:lnSpc>
+              <a:spcBef>
+                <a:spcPts val="0"/>
+              </a:spcBef>
+              <a:spcAft>
+                <a:spcPts val="0"/>
+              </a:spcAft>
+              <a:buClrTx/>
+              <a:buSzTx/>
+              <a:buFontTx/>
+              <a:buNone/>
+              <a:tabLst/>
+              <a:defRPr/>
+            </a:pPr>
+            <a:endParaRPr kumimoji="0" lang="en-US" sz="900" b="1" i="0" u="none" strike="noStrike" kern="1200" cap="none" spc="0" normalizeH="0" baseline="0" noProof="0" dirty="0">
+              <a:ln>
+                <a:noFill/>
+              </a:ln>
+              <a:solidFill>
+                <a:prstClr val="black"/>
+              </a:solidFill>
+              <a:effectLst/>
+              <a:uLnTx/>
+              <a:uFillTx/>
+              <a:latin typeface="Calibri" panose="020F0502020204030204"/>
+              <a:ea typeface="+mn-ea"/>
+              <a:cs typeface="+mn-cs"/>
+            </a:endParaRPr>
+          </a:p>
+        </p:txBody>
+      </p:sp>
     </p:spTree>
     <p:extLst>
       <p:ext uri="{BB962C8B-B14F-4D97-AF65-F5344CB8AC3E}">
-        <p14:creationId xmlns:p14="http://schemas.microsoft.com/office/powerpoint/2010/main" val="12709730"/>
+        <p14:creationId xmlns:p14="http://schemas.microsoft.com/office/powerpoint/2010/main" val="2248077143"/>
       </p:ext>
     </p:extLst>
   </p:cSld>

--- a/PRESENTATIONS/2023-06-WoT-Planning-Session-Day1.pptx
+++ b/PRESENTATIONS/2023-06-WoT-Planning-Session-Day1.pptx
@@ -11372,7 +11372,7 @@
           <a:p>
             <a:r>
               <a:rPr lang="en-US" dirty="0"/>
-              <a:t>IRC</a:t>
+              <a:t>IRC + Wiki</a:t>
             </a:r>
           </a:p>
         </p:txBody>
@@ -11425,8 +11425,24 @@
           <a:p>
             <a:r>
               <a:rPr lang="en-US" dirty="0"/>
-              <a:t>…</a:t>
-            </a:r>
+              <a:t>Wiki: </a:t>
+            </a:r>
+            <a:r>
+              <a:rPr lang="en-US" dirty="0">
+                <a:hlinkClick r:id="rId3"/>
+              </a:rPr>
+              <a:t>https://www.w3.org/WoT/IG/wiki/Main_WoT_WebConf/2023_WoT_Next_Charter_Detailed_Planning</a:t>
+            </a:r>
+            <a:endParaRPr lang="en-US" dirty="0"/>
+          </a:p>
+          <a:p>
+            <a:endParaRPr lang="en-US" dirty="0"/>
+          </a:p>
+          <a:p>
+            <a:pPr marL="0" indent="0">
+              <a:buNone/>
+            </a:pPr>
+            <a:endParaRPr lang="en-US" dirty="0"/>
           </a:p>
         </p:txBody>
       </p:sp>
@@ -11569,7 +11585,7 @@
           <a:p>
             <a:r>
               <a:rPr lang="en-US" dirty="0"/>
-              <a:t>Planning Agenda Overview (</a:t>
+              <a:t>Detail Agenda Planning (</a:t>
             </a:r>
             <a:r>
               <a:rPr lang="en-US" dirty="0" err="1"/>
@@ -11601,7 +11617,7 @@
         <p:spPr/>
         <p:txBody>
           <a:bodyPr>
-            <a:normAutofit fontScale="92500" lnSpcReduction="20000"/>
+            <a:normAutofit fontScale="85000" lnSpcReduction="20000"/>
           </a:bodyPr>
           <a:lstStyle/>
           <a:p>
@@ -11753,6 +11769,13 @@
             <a:r>
               <a:rPr lang="de-DE" dirty="0"/>
               <a:t>Friday 23 June (optional)</a:t>
+            </a:r>
+          </a:p>
+          <a:p>
+            <a:pPr lvl="1"/>
+            <a:r>
+              <a:rPr lang="de-DE" dirty="0"/>
+              <a:t>Profile?</a:t>
             </a:r>
           </a:p>
           <a:p>
@@ -11868,7 +11891,7 @@
         <p:spPr>
           <a:xfrm>
             <a:off x="7850221" y="3287494"/>
-            <a:ext cx="3430621" cy="1200329"/>
+            <a:ext cx="3430621" cy="1477328"/>
           </a:xfrm>
           <a:prstGeom prst="rect">
             <a:avLst/>
@@ -11895,7 +11918,7 @@
             </a:pPr>
             <a:r>
               <a:rPr lang="en-US" dirty="0"/>
-              <a:t>Please give TF topic overview</a:t>
+              <a:t>Please only give an overview of the TF topic</a:t>
             </a:r>
           </a:p>
           <a:p>
